--- a/3DNyomtatás.pptx
+++ b/3DNyomtatás.pptx
@@ -2,28 +2,32 @@
 <file path=ppt/presentation.xml><?xml version="1.0" encoding="utf-8"?>
 <p:presentation xmlns:a="http://schemas.openxmlformats.org/drawingml/2006/main" xmlns:r="http://schemas.openxmlformats.org/officeDocument/2006/relationships" xmlns:p="http://schemas.openxmlformats.org/presentationml/2006/main" saveSubsetFonts="1">
   <p:sldMasterIdLst>
-    <p:sldMasterId id="2147483648" r:id="rId1"/>
+    <p:sldMasterId id="2147483660" r:id="rId1"/>
   </p:sldMasterIdLst>
   <p:notesMasterIdLst>
-    <p:notesMasterId r:id="rId4"/>
+    <p:notesMasterId r:id="rId8"/>
   </p:notesMasterIdLst>
   <p:handoutMasterIdLst>
-    <p:handoutMasterId r:id="rId5"/>
+    <p:handoutMasterId r:id="rId9"/>
   </p:handoutMasterIdLst>
   <p:sldIdLst>
     <p:sldId id="256" r:id="rId2"/>
     <p:sldId id="257" r:id="rId3"/>
+    <p:sldId id="258" r:id="rId4"/>
+    <p:sldId id="259" r:id="rId5"/>
+    <p:sldId id="260" r:id="rId6"/>
+    <p:sldId id="261" r:id="rId7"/>
   </p:sldIdLst>
   <p:sldSz cx="12188825" cy="6858000"/>
   <p:notesSz cx="6858000" cy="9144000"/>
   <p:custDataLst>
-    <p:tags r:id="rId6"/>
+    <p:tags r:id="rId10"/>
   </p:custDataLst>
   <p:defaultTextStyle>
     <a:defPPr>
       <a:defRPr lang="en-US"/>
     </a:defPPr>
-    <a:lvl1pPr marL="0" algn="l" defTabSz="914400" rtl="0" eaLnBrk="1" latinLnBrk="0" hangingPunct="1">
+    <a:lvl1pPr marL="0" algn="l" defTabSz="457200" rtl="0" eaLnBrk="1" latinLnBrk="0" hangingPunct="1">
       <a:defRPr sz="1800" kern="1200">
         <a:solidFill>
           <a:schemeClr val="tx1"/>
@@ -33,7 +37,7 @@
         <a:cs typeface="+mn-cs"/>
       </a:defRPr>
     </a:lvl1pPr>
-    <a:lvl2pPr marL="457200" algn="l" defTabSz="914400" rtl="0" eaLnBrk="1" latinLnBrk="0" hangingPunct="1">
+    <a:lvl2pPr marL="457200" algn="l" defTabSz="457200" rtl="0" eaLnBrk="1" latinLnBrk="0" hangingPunct="1">
       <a:defRPr sz="1800" kern="1200">
         <a:solidFill>
           <a:schemeClr val="tx1"/>
@@ -43,7 +47,7 @@
         <a:cs typeface="+mn-cs"/>
       </a:defRPr>
     </a:lvl2pPr>
-    <a:lvl3pPr marL="914400" algn="l" defTabSz="914400" rtl="0" eaLnBrk="1" latinLnBrk="0" hangingPunct="1">
+    <a:lvl3pPr marL="914400" algn="l" defTabSz="457200" rtl="0" eaLnBrk="1" latinLnBrk="0" hangingPunct="1">
       <a:defRPr sz="1800" kern="1200">
         <a:solidFill>
           <a:schemeClr val="tx1"/>
@@ -53,7 +57,7 @@
         <a:cs typeface="+mn-cs"/>
       </a:defRPr>
     </a:lvl3pPr>
-    <a:lvl4pPr marL="1371600" algn="l" defTabSz="914400" rtl="0" eaLnBrk="1" latinLnBrk="0" hangingPunct="1">
+    <a:lvl4pPr marL="1371600" algn="l" defTabSz="457200" rtl="0" eaLnBrk="1" latinLnBrk="0" hangingPunct="1">
       <a:defRPr sz="1800" kern="1200">
         <a:solidFill>
           <a:schemeClr val="tx1"/>
@@ -63,7 +67,7 @@
         <a:cs typeface="+mn-cs"/>
       </a:defRPr>
     </a:lvl4pPr>
-    <a:lvl5pPr marL="1828800" algn="l" defTabSz="914400" rtl="0" eaLnBrk="1" latinLnBrk="0" hangingPunct="1">
+    <a:lvl5pPr marL="1828800" algn="l" defTabSz="457200" rtl="0" eaLnBrk="1" latinLnBrk="0" hangingPunct="1">
       <a:defRPr sz="1800" kern="1200">
         <a:solidFill>
           <a:schemeClr val="tx1"/>
@@ -73,7 +77,7 @@
         <a:cs typeface="+mn-cs"/>
       </a:defRPr>
     </a:lvl5pPr>
-    <a:lvl6pPr marL="2286000" algn="l" defTabSz="914400" rtl="0" eaLnBrk="1" latinLnBrk="0" hangingPunct="1">
+    <a:lvl6pPr marL="2286000" algn="l" defTabSz="457200" rtl="0" eaLnBrk="1" latinLnBrk="0" hangingPunct="1">
       <a:defRPr sz="1800" kern="1200">
         <a:solidFill>
           <a:schemeClr val="tx1"/>
@@ -83,7 +87,7 @@
         <a:cs typeface="+mn-cs"/>
       </a:defRPr>
     </a:lvl6pPr>
-    <a:lvl7pPr marL="2743200" algn="l" defTabSz="914400" rtl="0" eaLnBrk="1" latinLnBrk="0" hangingPunct="1">
+    <a:lvl7pPr marL="2743200" algn="l" defTabSz="457200" rtl="0" eaLnBrk="1" latinLnBrk="0" hangingPunct="1">
       <a:defRPr sz="1800" kern="1200">
         <a:solidFill>
           <a:schemeClr val="tx1"/>
@@ -93,7 +97,7 @@
         <a:cs typeface="+mn-cs"/>
       </a:defRPr>
     </a:lvl7pPr>
-    <a:lvl8pPr marL="3200400" algn="l" defTabSz="914400" rtl="0" eaLnBrk="1" latinLnBrk="0" hangingPunct="1">
+    <a:lvl8pPr marL="3200400" algn="l" defTabSz="457200" rtl="0" eaLnBrk="1" latinLnBrk="0" hangingPunct="1">
       <a:defRPr sz="1800" kern="1200">
         <a:solidFill>
           <a:schemeClr val="tx1"/>
@@ -103,7 +107,7 @@
         <a:cs typeface="+mn-cs"/>
       </a:defRPr>
     </a:lvl8pPr>
-    <a:lvl9pPr marL="3657600" algn="l" defTabSz="914400" rtl="0" eaLnBrk="1" latinLnBrk="0" hangingPunct="1">
+    <a:lvl9pPr marL="3657600" algn="l" defTabSz="457200" rtl="0" eaLnBrk="1" latinLnBrk="0" hangingPunct="1">
       <a:defRPr sz="1800" kern="1200">
         <a:solidFill>
           <a:schemeClr val="tx1"/>
@@ -136,6 +140,250 @@
 </p:presentation>
 </file>
 
+<file path=ppt/revisionInfo.xml><?xml version="1.0" encoding="utf-8"?>
+<p1510:revInfo xmlns:a="http://schemas.openxmlformats.org/drawingml/2006/main" xmlns:r="http://schemas.openxmlformats.org/officeDocument/2006/relationships" xmlns:p1510="http://schemas.microsoft.com/office/powerpoint/2015/10/main">
+  <p1510:revLst>
+    <p1510:client id="{9F7D1BDD-33FC-9989-3424-B272852FEB05}" v="14" dt="2024-12-19T06:38:13.176"/>
+  </p1510:revLst>
+</p1510:revInfo>
+</file>
+
+<file path=ppt/changesInfos/changesInfo1.xml><?xml version="1.0" encoding="utf-8"?>
+<pc:chgInfo xmlns:a="http://schemas.openxmlformats.org/drawingml/2006/main" xmlns:r="http://schemas.openxmlformats.org/officeDocument/2006/relationships" xmlns:ac="http://schemas.microsoft.com/office/drawing/2013/main/command" xmlns:pc="http://schemas.microsoft.com/office/powerpoint/2013/main/command">
+  <pc:docChgLst>
+    <pc:chgData name="Radics Milán" userId="S::72668443612@tanulo.bankisuli.hu::e5a0461f-a51a-4fc3-86b4-fa98dcf31a95" providerId="AD" clId="Web-{9F7D1BDD-33FC-9989-3424-B272852FEB05}"/>
+    <pc:docChg chg="modSld">
+      <pc:chgData name="Radics Milán" userId="S::72668443612@tanulo.bankisuli.hu::e5a0461f-a51a-4fc3-86b4-fa98dcf31a95" providerId="AD" clId="Web-{9F7D1BDD-33FC-9989-3424-B272852FEB05}" dt="2024-12-19T06:38:13.176" v="13"/>
+      <pc:docMkLst>
+        <pc:docMk/>
+      </pc:docMkLst>
+      <pc:sldChg chg="modTransition addAnim delAnim">
+        <pc:chgData name="Radics Milán" userId="S::72668443612@tanulo.bankisuli.hu::e5a0461f-a51a-4fc3-86b4-fa98dcf31a95" providerId="AD" clId="Web-{9F7D1BDD-33FC-9989-3424-B272852FEB05}" dt="2024-12-19T06:37:58.410" v="9"/>
+        <pc:sldMkLst>
+          <pc:docMk/>
+          <pc:sldMk cId="1064894658" sldId="256"/>
+        </pc:sldMkLst>
+      </pc:sldChg>
+      <pc:sldChg chg="modTransition addAnim">
+        <pc:chgData name="Radics Milán" userId="S::72668443612@tanulo.bankisuli.hu::e5a0461f-a51a-4fc3-86b4-fa98dcf31a95" providerId="AD" clId="Web-{9F7D1BDD-33FC-9989-3424-B272852FEB05}" dt="2024-12-19T06:38:03.535" v="11"/>
+        <pc:sldMkLst>
+          <pc:docMk/>
+          <pc:sldMk cId="3291812113" sldId="257"/>
+        </pc:sldMkLst>
+      </pc:sldChg>
+      <pc:sldChg chg="modTransition addAnim">
+        <pc:chgData name="Radics Milán" userId="S::72668443612@tanulo.bankisuli.hu::e5a0461f-a51a-4fc3-86b4-fa98dcf31a95" providerId="AD" clId="Web-{9F7D1BDD-33FC-9989-3424-B272852FEB05}" dt="2024-12-19T06:38:13.176" v="13"/>
+        <pc:sldMkLst>
+          <pc:docMk/>
+          <pc:sldMk cId="4253310220" sldId="258"/>
+        </pc:sldMkLst>
+      </pc:sldChg>
+      <pc:sldChg chg="modTransition">
+        <pc:chgData name="Radics Milán" userId="S::72668443612@tanulo.bankisuli.hu::e5a0461f-a51a-4fc3-86b4-fa98dcf31a95" providerId="AD" clId="Web-{9F7D1BDD-33FC-9989-3424-B272852FEB05}" dt="2024-12-19T06:37:26.830" v="4"/>
+        <pc:sldMkLst>
+          <pc:docMk/>
+          <pc:sldMk cId="4196619145" sldId="259"/>
+        </pc:sldMkLst>
+      </pc:sldChg>
+      <pc:sldChg chg="modTransition">
+        <pc:chgData name="Radics Milán" userId="S::72668443612@tanulo.bankisuli.hu::e5a0461f-a51a-4fc3-86b4-fa98dcf31a95" providerId="AD" clId="Web-{9F7D1BDD-33FC-9989-3424-B272852FEB05}" dt="2024-12-19T06:37:28.565" v="5"/>
+        <pc:sldMkLst>
+          <pc:docMk/>
+          <pc:sldMk cId="1171830964" sldId="260"/>
+        </pc:sldMkLst>
+      </pc:sldChg>
+      <pc:sldChg chg="modTransition">
+        <pc:chgData name="Radics Milán" userId="S::72668443612@tanulo.bankisuli.hu::e5a0461f-a51a-4fc3-86b4-fa98dcf31a95" providerId="AD" clId="Web-{9F7D1BDD-33FC-9989-3424-B272852FEB05}" dt="2024-12-19T06:37:31.877" v="6"/>
+        <pc:sldMkLst>
+          <pc:docMk/>
+          <pc:sldMk cId="3791748301" sldId="261"/>
+        </pc:sldMkLst>
+      </pc:sldChg>
+    </pc:docChg>
+  </pc:docChgLst>
+  <pc:docChgLst>
+    <pc:chgData name="Radics Milán" userId="S::72668443612@tanulo.bankisuli.hu::e5a0461f-a51a-4fc3-86b4-fa98dcf31a95" providerId="AD" clId="Web-{FB6D48CC-09AB-46CE-A3DF-D13638427DC2}"/>
+    <pc:docChg chg="addSld modSld">
+      <pc:chgData name="Radics Milán" userId="S::72668443612@tanulo.bankisuli.hu::e5a0461f-a51a-4fc3-86b4-fa98dcf31a95" providerId="AD" clId="Web-{FB6D48CC-09AB-46CE-A3DF-D13638427DC2}" dt="2024-12-15T13:44:08.142" v="261" actId="20577"/>
+      <pc:docMkLst>
+        <pc:docMk/>
+      </pc:docMkLst>
+      <pc:sldChg chg="addSp modSp">
+        <pc:chgData name="Radics Milán" userId="S::72668443612@tanulo.bankisuli.hu::e5a0461f-a51a-4fc3-86b4-fa98dcf31a95" providerId="AD" clId="Web-{FB6D48CC-09AB-46CE-A3DF-D13638427DC2}" dt="2024-12-15T13:40:33.400" v="68" actId="1076"/>
+        <pc:sldMkLst>
+          <pc:docMk/>
+          <pc:sldMk cId="4253310220" sldId="258"/>
+        </pc:sldMkLst>
+        <pc:spChg chg="mod">
+          <ac:chgData name="Radics Milán" userId="S::72668443612@tanulo.bankisuli.hu::e5a0461f-a51a-4fc3-86b4-fa98dcf31a95" providerId="AD" clId="Web-{FB6D48CC-09AB-46CE-A3DF-D13638427DC2}" dt="2024-12-15T13:40:30.697" v="66" actId="20577"/>
+          <ac:spMkLst>
+            <pc:docMk/>
+            <pc:sldMk cId="4253310220" sldId="258"/>
+            <ac:spMk id="3" creationId="{4C6E2CFF-28A8-4C0A-81F8-06CE90CAD758}"/>
+          </ac:spMkLst>
+        </pc:spChg>
+        <pc:picChg chg="mod">
+          <ac:chgData name="Radics Milán" userId="S::72668443612@tanulo.bankisuli.hu::e5a0461f-a51a-4fc3-86b4-fa98dcf31a95" providerId="AD" clId="Web-{FB6D48CC-09AB-46CE-A3DF-D13638427DC2}" dt="2024-12-15T13:40:33.400" v="68" actId="1076"/>
+          <ac:picMkLst>
+            <pc:docMk/>
+            <pc:sldMk cId="4253310220" sldId="258"/>
+            <ac:picMk id="4" creationId="{9E518861-0776-1733-934C-CBD4328BB8FB}"/>
+          </ac:picMkLst>
+        </pc:picChg>
+        <pc:picChg chg="add mod">
+          <ac:chgData name="Radics Milán" userId="S::72668443612@tanulo.bankisuli.hu::e5a0461f-a51a-4fc3-86b4-fa98dcf31a95" providerId="AD" clId="Web-{FB6D48CC-09AB-46CE-A3DF-D13638427DC2}" dt="2024-12-15T13:37:44.487" v="11" actId="1076"/>
+          <ac:picMkLst>
+            <pc:docMk/>
+            <pc:sldMk cId="4253310220" sldId="258"/>
+            <ac:picMk id="5" creationId="{9FABA811-9815-9ECE-5814-0A59ECD2CACA}"/>
+          </ac:picMkLst>
+        </pc:picChg>
+      </pc:sldChg>
+      <pc:sldChg chg="modSp new">
+        <pc:chgData name="Radics Milán" userId="S::72668443612@tanulo.bankisuli.hu::e5a0461f-a51a-4fc3-86b4-fa98dcf31a95" providerId="AD" clId="Web-{FB6D48CC-09AB-46CE-A3DF-D13638427DC2}" dt="2024-12-15T13:41:48.809" v="143" actId="20577"/>
+        <pc:sldMkLst>
+          <pc:docMk/>
+          <pc:sldMk cId="4196619145" sldId="259"/>
+        </pc:sldMkLst>
+        <pc:spChg chg="mod">
+          <ac:chgData name="Radics Milán" userId="S::72668443612@tanulo.bankisuli.hu::e5a0461f-a51a-4fc3-86b4-fa98dcf31a95" providerId="AD" clId="Web-{FB6D48CC-09AB-46CE-A3DF-D13638427DC2}" dt="2024-12-15T13:40:52.119" v="81" actId="20577"/>
+          <ac:spMkLst>
+            <pc:docMk/>
+            <pc:sldMk cId="4196619145" sldId="259"/>
+            <ac:spMk id="2" creationId="{6088CDAE-86C1-4328-9E8E-BDD9DD5195CF}"/>
+          </ac:spMkLst>
+        </pc:spChg>
+        <pc:spChg chg="mod">
+          <ac:chgData name="Radics Milán" userId="S::72668443612@tanulo.bankisuli.hu::e5a0461f-a51a-4fc3-86b4-fa98dcf31a95" providerId="AD" clId="Web-{FB6D48CC-09AB-46CE-A3DF-D13638427DC2}" dt="2024-12-15T13:41:48.809" v="143" actId="20577"/>
+          <ac:spMkLst>
+            <pc:docMk/>
+            <pc:sldMk cId="4196619145" sldId="259"/>
+            <ac:spMk id="3" creationId="{29537428-D797-B03C-7CFE-19E87A47A81B}"/>
+          </ac:spMkLst>
+        </pc:spChg>
+      </pc:sldChg>
+      <pc:sldChg chg="modSp new">
+        <pc:chgData name="Radics Milán" userId="S::72668443612@tanulo.bankisuli.hu::e5a0461f-a51a-4fc3-86b4-fa98dcf31a95" providerId="AD" clId="Web-{FB6D48CC-09AB-46CE-A3DF-D13638427DC2}" dt="2024-12-15T13:43:52.861" v="252" actId="20577"/>
+        <pc:sldMkLst>
+          <pc:docMk/>
+          <pc:sldMk cId="1171830964" sldId="260"/>
+        </pc:sldMkLst>
+        <pc:spChg chg="mod">
+          <ac:chgData name="Radics Milán" userId="S::72668443612@tanulo.bankisuli.hu::e5a0461f-a51a-4fc3-86b4-fa98dcf31a95" providerId="AD" clId="Web-{FB6D48CC-09AB-46CE-A3DF-D13638427DC2}" dt="2024-12-15T13:41:51.731" v="146" actId="20577"/>
+          <ac:spMkLst>
+            <pc:docMk/>
+            <pc:sldMk cId="1171830964" sldId="260"/>
+            <ac:spMk id="2" creationId="{E073ADFD-A4E0-81E1-4EBB-653AF7AA8AF8}"/>
+          </ac:spMkLst>
+        </pc:spChg>
+        <pc:spChg chg="mod">
+          <ac:chgData name="Radics Milán" userId="S::72668443612@tanulo.bankisuli.hu::e5a0461f-a51a-4fc3-86b4-fa98dcf31a95" providerId="AD" clId="Web-{FB6D48CC-09AB-46CE-A3DF-D13638427DC2}" dt="2024-12-15T13:43:52.861" v="252" actId="20577"/>
+          <ac:spMkLst>
+            <pc:docMk/>
+            <pc:sldMk cId="1171830964" sldId="260"/>
+            <ac:spMk id="3" creationId="{029367C6-BE46-2CAA-E6E5-BD56DBDA651E}"/>
+          </ac:spMkLst>
+        </pc:spChg>
+      </pc:sldChg>
+      <pc:sldChg chg="modSp new mod modClrScheme chgLayout">
+        <pc:chgData name="Radics Milán" userId="S::72668443612@tanulo.bankisuli.hu::e5a0461f-a51a-4fc3-86b4-fa98dcf31a95" providerId="AD" clId="Web-{FB6D48CC-09AB-46CE-A3DF-D13638427DC2}" dt="2024-12-15T13:44:08.142" v="261" actId="20577"/>
+        <pc:sldMkLst>
+          <pc:docMk/>
+          <pc:sldMk cId="3791748301" sldId="261"/>
+        </pc:sldMkLst>
+        <pc:spChg chg="mod ord">
+          <ac:chgData name="Radics Milán" userId="S::72668443612@tanulo.bankisuli.hu::e5a0461f-a51a-4fc3-86b4-fa98dcf31a95" providerId="AD" clId="Web-{FB6D48CC-09AB-46CE-A3DF-D13638427DC2}" dt="2024-12-15T13:44:08.142" v="261" actId="20577"/>
+          <ac:spMkLst>
+            <pc:docMk/>
+            <pc:sldMk cId="3791748301" sldId="261"/>
+            <ac:spMk id="2" creationId="{9F0BB4B7-0D24-2021-D0F9-6FC3002024C1}"/>
+          </ac:spMkLst>
+        </pc:spChg>
+        <pc:spChg chg="mod ord">
+          <ac:chgData name="Radics Milán" userId="S::72668443612@tanulo.bankisuli.hu::e5a0461f-a51a-4fc3-86b4-fa98dcf31a95" providerId="AD" clId="Web-{FB6D48CC-09AB-46CE-A3DF-D13638427DC2}" dt="2024-12-15T13:43:59.845" v="254"/>
+          <ac:spMkLst>
+            <pc:docMk/>
+            <pc:sldMk cId="3791748301" sldId="261"/>
+            <ac:spMk id="3" creationId="{48CD01B8-A278-71EE-2A5F-94E6D501CB3D}"/>
+          </ac:spMkLst>
+        </pc:spChg>
+      </pc:sldChg>
+    </pc:docChg>
+  </pc:docChgLst>
+  <pc:docChgLst>
+    <pc:chgData name="Radics Milán" userId="S::72668443612@tanulo.bankisuli.hu::e5a0461f-a51a-4fc3-86b4-fa98dcf31a95" providerId="AD" clId="Web-{4B51A8ED-0D59-5B52-4F44-C9DBDAFEF2FB}"/>
+    <pc:docChg chg="addSld modSld">
+      <pc:chgData name="Radics Milán" userId="S::72668443612@tanulo.bankisuli.hu::e5a0461f-a51a-4fc3-86b4-fa98dcf31a95" providerId="AD" clId="Web-{4B51A8ED-0D59-5B52-4F44-C9DBDAFEF2FB}" dt="2024-12-15T13:28:40.077" v="43" actId="20577"/>
+      <pc:docMkLst>
+        <pc:docMk/>
+      </pc:docMkLst>
+      <pc:sldChg chg="modSp">
+        <pc:chgData name="Radics Milán" userId="S::72668443612@tanulo.bankisuli.hu::e5a0461f-a51a-4fc3-86b4-fa98dcf31a95" providerId="AD" clId="Web-{4B51A8ED-0D59-5B52-4F44-C9DBDAFEF2FB}" dt="2024-12-15T13:28:13.559" v="1" actId="20577"/>
+        <pc:sldMkLst>
+          <pc:docMk/>
+          <pc:sldMk cId="3291812113" sldId="257"/>
+        </pc:sldMkLst>
+        <pc:spChg chg="mod">
+          <ac:chgData name="Radics Milán" userId="S::72668443612@tanulo.bankisuli.hu::e5a0461f-a51a-4fc3-86b4-fa98dcf31a95" providerId="AD" clId="Web-{4B51A8ED-0D59-5B52-4F44-C9DBDAFEF2FB}" dt="2024-12-15T13:28:13.559" v="1" actId="20577"/>
+          <ac:spMkLst>
+            <pc:docMk/>
+            <pc:sldMk cId="3291812113" sldId="257"/>
+            <ac:spMk id="3" creationId="{0E7BD0E8-F7FA-4BD9-8FE2-B34B00BFF4C8}"/>
+          </ac:spMkLst>
+        </pc:spChg>
+      </pc:sldChg>
+      <pc:sldChg chg="modSp new">
+        <pc:chgData name="Radics Milán" userId="S::72668443612@tanulo.bankisuli.hu::e5a0461f-a51a-4fc3-86b4-fa98dcf31a95" providerId="AD" clId="Web-{4B51A8ED-0D59-5B52-4F44-C9DBDAFEF2FB}" dt="2024-12-15T13:28:40.077" v="43" actId="20577"/>
+        <pc:sldMkLst>
+          <pc:docMk/>
+          <pc:sldMk cId="4253310220" sldId="258"/>
+        </pc:sldMkLst>
+        <pc:spChg chg="mod">
+          <ac:chgData name="Radics Milán" userId="S::72668443612@tanulo.bankisuli.hu::e5a0461f-a51a-4fc3-86b4-fa98dcf31a95" providerId="AD" clId="Web-{4B51A8ED-0D59-5B52-4F44-C9DBDAFEF2FB}" dt="2024-12-15T13:28:21.622" v="19" actId="20577"/>
+          <ac:spMkLst>
+            <pc:docMk/>
+            <pc:sldMk cId="4253310220" sldId="258"/>
+            <ac:spMk id="2" creationId="{71C2681D-A66A-E3E7-5E6C-0654EF151F44}"/>
+          </ac:spMkLst>
+        </pc:spChg>
+        <pc:spChg chg="mod">
+          <ac:chgData name="Radics Milán" userId="S::72668443612@tanulo.bankisuli.hu::e5a0461f-a51a-4fc3-86b4-fa98dcf31a95" providerId="AD" clId="Web-{4B51A8ED-0D59-5B52-4F44-C9DBDAFEF2FB}" dt="2024-12-15T13:28:40.077" v="43" actId="20577"/>
+          <ac:spMkLst>
+            <pc:docMk/>
+            <pc:sldMk cId="4253310220" sldId="258"/>
+            <ac:spMk id="3" creationId="{4C6E2CFF-28A8-4C0A-81F8-06CE90CAD758}"/>
+          </ac:spMkLst>
+        </pc:spChg>
+      </pc:sldChg>
+    </pc:docChg>
+  </pc:docChgLst>
+  <pc:docChgLst>
+    <pc:chgData clId="Web-{FB6D48CC-09AB-46CE-A3DF-D13638427DC2}"/>
+    <pc:docChg chg="modSld">
+      <pc:chgData name="" userId="" providerId="" clId="Web-{FB6D48CC-09AB-46CE-A3DF-D13638427DC2}" dt="2024-12-15T13:36:41.891" v="5" actId="1076"/>
+      <pc:docMkLst>
+        <pc:docMk/>
+      </pc:docMkLst>
+      <pc:sldChg chg="addSp modSp">
+        <pc:chgData name="" userId="" providerId="" clId="Web-{FB6D48CC-09AB-46CE-A3DF-D13638427DC2}" dt="2024-12-15T13:36:41.891" v="5" actId="1076"/>
+        <pc:sldMkLst>
+          <pc:docMk/>
+          <pc:sldMk cId="4253310220" sldId="258"/>
+        </pc:sldMkLst>
+        <pc:picChg chg="add mod">
+          <ac:chgData name="" userId="" providerId="" clId="Web-{FB6D48CC-09AB-46CE-A3DF-D13638427DC2}" dt="2024-12-15T13:36:41.891" v="5" actId="1076"/>
+          <ac:picMkLst>
+            <pc:docMk/>
+            <pc:sldMk cId="4253310220" sldId="258"/>
+            <ac:picMk id="4" creationId="{9E518861-0776-1733-934C-CBD4328BB8FB}"/>
+          </ac:picMkLst>
+        </pc:picChg>
+      </pc:sldChg>
+    </pc:docChg>
+  </pc:docChgLst>
+</pc:chgInfo>
+</file>
+
 <file path=ppt/handoutMasters/handoutMaster1.xml><?xml version="1.0" encoding="utf-8"?>
 <p:handoutMaster xmlns:a="http://schemas.openxmlformats.org/drawingml/2006/main" xmlns:r="http://schemas.openxmlformats.org/officeDocument/2006/relationships" xmlns:p="http://schemas.openxmlformats.org/presentationml/2006/main">
   <p:cSld>
@@ -218,7 +466,7 @@
           <a:p>
             <a:fld id="{59088EAF-6ECA-4616-85EF-35AA19C641F3}" type="datetimeFigureOut">
               <a:rPr lang="en-US"/>
-              <a:t>12/12/2024</a:t>
+              <a:t>12/19/2024</a:t>
             </a:fld>
             <a:endParaRPr/>
           </a:p>
@@ -383,7 +631,7 @@
           <a:p>
             <a:fld id="{3ABD2D7A-D230-4F91-BD59-0A39C2703BA8}" type="datetimeFigureOut">
               <a:rPr lang="en-US"/>
-              <a:t>12/12/2024</a:t>
+              <a:t>12/19/2024</a:t>
             </a:fld>
             <a:endParaRPr/>
           </a:p>
@@ -646,22 +894,8 @@
 </file>
 
 <file path=ppt/slideLayouts/slideLayout1.xml><?xml version="1.0" encoding="utf-8"?>
-<p:sldLayout xmlns:a="http://schemas.openxmlformats.org/drawingml/2006/main" xmlns:r="http://schemas.openxmlformats.org/officeDocument/2006/relationships" xmlns:p="http://schemas.openxmlformats.org/presentationml/2006/main" type="title" preserve="1">
+<p:sldLayout xmlns:a="http://schemas.openxmlformats.org/drawingml/2006/main" xmlns:r="http://schemas.openxmlformats.org/officeDocument/2006/relationships" xmlns:p="http://schemas.openxmlformats.org/presentationml/2006/main" showMasterSp="0" type="title" preserve="1">
   <p:cSld name="Title Slide">
-    <p:bg>
-      <p:bgPr>
-        <a:blipFill dpi="0" rotWithShape="1">
-          <a:blip r:embed="rId2">
-            <a:lum/>
-          </a:blip>
-          <a:srcRect/>
-          <a:stretch>
-            <a:fillRect/>
-          </a:stretch>
-        </a:blipFill>
-        <a:effectLst/>
-      </p:bgPr>
-    </p:bg>
     <p:spTree>
       <p:nvGrpSpPr>
         <p:cNvPr id="1" name=""/>
@@ -688,8 +922,8 @@
         </p:nvSpPr>
         <p:spPr>
           <a:xfrm>
-            <a:off x="1065214" y="1828800"/>
-            <a:ext cx="8229600" cy="2895600"/>
+            <a:off x="684034" y="685800"/>
+            <a:ext cx="7998916" cy="2971801"/>
           </a:xfrm>
         </p:spPr>
         <p:txBody>
@@ -697,14 +931,9 @@
             <a:normAutofit/>
           </a:bodyPr>
           <a:lstStyle>
-            <a:lvl1pPr>
-              <a:lnSpc>
-                <a:spcPct val="80000"/>
-              </a:lnSpc>
-              <a:defRPr sz="6600">
-                <a:solidFill>
-                  <a:schemeClr val="tx1"/>
-                </a:solidFill>
+            <a:lvl1pPr algn="l">
+              <a:defRPr sz="4799">
+                <a:effectLst/>
               </a:defRPr>
             </a:lvl1pPr>
           </a:lstStyle>
@@ -713,7 +942,7 @@
               <a:rPr lang="en-US"/>
               <a:t>Click to edit Master title style</a:t>
             </a:r>
-            <a:endParaRPr/>
+            <a:endParaRPr lang="en-US" dirty="0"/>
           </a:p>
         </p:txBody>
       </p:sp>
@@ -729,27 +958,26 @@
         </p:nvSpPr>
         <p:spPr>
           <a:xfrm>
-            <a:off x="1065213" y="4800600"/>
-            <a:ext cx="8229600" cy="1219200"/>
+            <a:off x="684034" y="3843868"/>
+            <a:ext cx="6399133" cy="1947333"/>
           </a:xfrm>
         </p:spPr>
         <p:txBody>
-          <a:bodyPr>
+          <a:bodyPr anchor="t">
             <a:normAutofit/>
           </a:bodyPr>
           <a:lstStyle>
             <a:lvl1pPr marL="0" indent="0" algn="l">
-              <a:spcBef>
-                <a:spcPts val="0"/>
-              </a:spcBef>
-              <a:buNone/>
-              <a:defRPr sz="2000" cap="all" spc="200" baseline="0">
+              <a:buNone/>
+              <a:defRPr sz="2099">
                 <a:solidFill>
-                  <a:schemeClr val="accent1"/>
+                  <a:schemeClr val="bg2">
+                    <a:lumMod val="75000"/>
+                  </a:schemeClr>
                 </a:solidFill>
               </a:defRPr>
             </a:lvl1pPr>
-            <a:lvl2pPr marL="457200" indent="0" algn="ctr">
+            <a:lvl2pPr marL="457063" indent="0" algn="ctr">
               <a:buNone/>
               <a:defRPr>
                 <a:solidFill>
@@ -759,7 +987,7 @@
                 </a:solidFill>
               </a:defRPr>
             </a:lvl2pPr>
-            <a:lvl3pPr marL="914400" indent="0" algn="ctr">
+            <a:lvl3pPr marL="914126" indent="0" algn="ctr">
               <a:buNone/>
               <a:defRPr>
                 <a:solidFill>
@@ -769,7 +997,7 @@
                 </a:solidFill>
               </a:defRPr>
             </a:lvl3pPr>
-            <a:lvl4pPr marL="1371600" indent="0" algn="ctr">
+            <a:lvl4pPr marL="1371189" indent="0" algn="ctr">
               <a:buNone/>
               <a:defRPr>
                 <a:solidFill>
@@ -779,7 +1007,7 @@
                 </a:solidFill>
               </a:defRPr>
             </a:lvl4pPr>
-            <a:lvl5pPr marL="1828800" indent="0" algn="ctr">
+            <a:lvl5pPr marL="1828251" indent="0" algn="ctr">
               <a:buNone/>
               <a:defRPr>
                 <a:solidFill>
@@ -789,7 +1017,7 @@
                 </a:solidFill>
               </a:defRPr>
             </a:lvl5pPr>
-            <a:lvl6pPr marL="2286000" indent="0" algn="ctr">
+            <a:lvl6pPr marL="2285314" indent="0" algn="ctr">
               <a:buNone/>
               <a:defRPr>
                 <a:solidFill>
@@ -799,7 +1027,7 @@
                 </a:solidFill>
               </a:defRPr>
             </a:lvl6pPr>
-            <a:lvl7pPr marL="2743200" indent="0" algn="ctr">
+            <a:lvl7pPr marL="2742377" indent="0" algn="ctr">
               <a:buNone/>
               <a:defRPr>
                 <a:solidFill>
@@ -809,7 +1037,7 @@
                 </a:solidFill>
               </a:defRPr>
             </a:lvl7pPr>
-            <a:lvl8pPr marL="3200400" indent="0" algn="ctr">
+            <a:lvl8pPr marL="3199440" indent="0" algn="ctr">
               <a:buNone/>
               <a:defRPr>
                 <a:solidFill>
@@ -819,7 +1047,7 @@
                 </a:solidFill>
               </a:defRPr>
             </a:lvl8pPr>
-            <a:lvl9pPr marL="3657600" indent="0" algn="ctr">
+            <a:lvl9pPr marL="3656503" indent="0" algn="ctr">
               <a:buNone/>
               <a:defRPr>
                 <a:solidFill>
@@ -835,14 +1063,256 @@
               <a:rPr lang="en-US"/>
               <a:t>Click to edit Master subtitle style</a:t>
             </a:r>
-            <a:endParaRPr/>
-          </a:p>
-        </p:txBody>
-      </p:sp>
+            <a:endParaRPr lang="en-US" dirty="0"/>
+          </a:p>
+        </p:txBody>
+      </p:sp>
+      <p:sp>
+        <p:nvSpPr>
+          <p:cNvPr id="4" name="Date Placeholder 3"/>
+          <p:cNvSpPr>
+            <a:spLocks noGrp="1"/>
+          </p:cNvSpPr>
+          <p:nvPr>
+            <p:ph type="dt" sz="half" idx="10"/>
+          </p:nvPr>
+        </p:nvSpPr>
+        <p:spPr/>
+        <p:txBody>
+          <a:bodyPr/>
+          <a:lstStyle/>
+          <a:p>
+            <a:fld id="{B61BEF0D-F0BB-DE4B-95CE-6DB70DBA9567}" type="datetimeFigureOut">
+              <a:rPr lang="en-US" dirty="0"/>
+              <a:pPr/>
+              <a:t>12/19/2024</a:t>
+            </a:fld>
+            <a:endParaRPr lang="en-US" dirty="0"/>
+          </a:p>
+        </p:txBody>
+      </p:sp>
+      <p:sp>
+        <p:nvSpPr>
+          <p:cNvPr id="5" name="Footer Placeholder 4"/>
+          <p:cNvSpPr>
+            <a:spLocks noGrp="1"/>
+          </p:cNvSpPr>
+          <p:nvPr>
+            <p:ph type="ftr" sz="quarter" idx="11"/>
+          </p:nvPr>
+        </p:nvSpPr>
+        <p:spPr/>
+        <p:txBody>
+          <a:bodyPr/>
+          <a:lstStyle/>
+          <a:p>
+            <a:endParaRPr lang="en-US" dirty="0"/>
+          </a:p>
+        </p:txBody>
+      </p:sp>
+      <p:sp>
+        <p:nvSpPr>
+          <p:cNvPr id="6" name="Slide Number Placeholder 5"/>
+          <p:cNvSpPr>
+            <a:spLocks noGrp="1"/>
+          </p:cNvSpPr>
+          <p:nvPr>
+            <p:ph type="sldNum" sz="quarter" idx="12"/>
+          </p:nvPr>
+        </p:nvSpPr>
+        <p:spPr/>
+        <p:txBody>
+          <a:bodyPr/>
+          <a:lstStyle/>
+          <a:p>
+            <a:fld id="{D57F1E4F-1CFF-5643-939E-217C01CDF565}" type="slidenum">
+              <a:rPr lang="en-US" dirty="0"/>
+              <a:pPr/>
+              <a:t>‹#›</a:t>
+            </a:fld>
+            <a:endParaRPr lang="en-US" dirty="0"/>
+          </a:p>
+        </p:txBody>
+      </p:sp>
+      <p:cxnSp>
+        <p:nvCxnSpPr>
+          <p:cNvPr id="16" name="Straight Connector 15"/>
+          <p:cNvCxnSpPr/>
+          <p:nvPr/>
+        </p:nvCxnSpPr>
+        <p:spPr>
+          <a:xfrm flipH="1">
+            <a:off x="8225869" y="8467"/>
+            <a:ext cx="3809008" cy="3810000"/>
+          </a:xfrm>
+          <a:prstGeom prst="line">
+            <a:avLst/>
+          </a:prstGeom>
+          <a:ln w="12700">
+            <a:solidFill>
+              <a:schemeClr val="tx1"/>
+            </a:solidFill>
+          </a:ln>
+        </p:spPr>
+        <p:style>
+          <a:lnRef idx="2">
+            <a:schemeClr val="accent1"/>
+          </a:lnRef>
+          <a:fillRef idx="0">
+            <a:schemeClr val="accent1"/>
+          </a:fillRef>
+          <a:effectRef idx="1">
+            <a:schemeClr val="accent1"/>
+          </a:effectRef>
+          <a:fontRef idx="minor">
+            <a:schemeClr val="tx1"/>
+          </a:fontRef>
+        </p:style>
+      </p:cxnSp>
+      <p:cxnSp>
+        <p:nvCxnSpPr>
+          <p:cNvPr id="17" name="Straight Connector 16"/>
+          <p:cNvCxnSpPr/>
+          <p:nvPr/>
+        </p:nvCxnSpPr>
+        <p:spPr>
+          <a:xfrm flipH="1">
+            <a:off x="6106580" y="91546"/>
+            <a:ext cx="6079071" cy="6080655"/>
+          </a:xfrm>
+          <a:prstGeom prst="line">
+            <a:avLst/>
+          </a:prstGeom>
+          <a:ln w="12700">
+            <a:solidFill>
+              <a:schemeClr val="tx1"/>
+            </a:solidFill>
+          </a:ln>
+        </p:spPr>
+        <p:style>
+          <a:lnRef idx="2">
+            <a:schemeClr val="accent1"/>
+          </a:lnRef>
+          <a:fillRef idx="0">
+            <a:schemeClr val="accent1"/>
+          </a:fillRef>
+          <a:effectRef idx="1">
+            <a:schemeClr val="accent1"/>
+          </a:effectRef>
+          <a:fontRef idx="minor">
+            <a:schemeClr val="tx1"/>
+          </a:fontRef>
+        </p:style>
+      </p:cxnSp>
+      <p:cxnSp>
+        <p:nvCxnSpPr>
+          <p:cNvPr id="19" name="Straight Connector 18"/>
+          <p:cNvCxnSpPr/>
+          <p:nvPr/>
+        </p:nvCxnSpPr>
+        <p:spPr>
+          <a:xfrm flipH="1">
+            <a:off x="7233941" y="228600"/>
+            <a:ext cx="4951710" cy="4953000"/>
+          </a:xfrm>
+          <a:prstGeom prst="line">
+            <a:avLst/>
+          </a:prstGeom>
+          <a:ln w="12700">
+            <a:solidFill>
+              <a:schemeClr val="tx1"/>
+            </a:solidFill>
+          </a:ln>
+        </p:spPr>
+        <p:style>
+          <a:lnRef idx="2">
+            <a:schemeClr val="accent1"/>
+          </a:lnRef>
+          <a:fillRef idx="0">
+            <a:schemeClr val="accent1"/>
+          </a:fillRef>
+          <a:effectRef idx="1">
+            <a:schemeClr val="accent1"/>
+          </a:effectRef>
+          <a:fontRef idx="minor">
+            <a:schemeClr val="tx1"/>
+          </a:fontRef>
+        </p:style>
+      </p:cxnSp>
+      <p:cxnSp>
+        <p:nvCxnSpPr>
+          <p:cNvPr id="21" name="Straight Connector 20"/>
+          <p:cNvCxnSpPr/>
+          <p:nvPr/>
+        </p:nvCxnSpPr>
+        <p:spPr>
+          <a:xfrm flipH="1">
+            <a:off x="7333927" y="32279"/>
+            <a:ext cx="4851725" cy="4852989"/>
+          </a:xfrm>
+          <a:prstGeom prst="line">
+            <a:avLst/>
+          </a:prstGeom>
+          <a:ln w="31750">
+            <a:solidFill>
+              <a:schemeClr val="tx1"/>
+            </a:solidFill>
+          </a:ln>
+        </p:spPr>
+        <p:style>
+          <a:lnRef idx="2">
+            <a:schemeClr val="accent1"/>
+          </a:lnRef>
+          <a:fillRef idx="0">
+            <a:schemeClr val="accent1"/>
+          </a:fillRef>
+          <a:effectRef idx="1">
+            <a:schemeClr val="accent1"/>
+          </a:effectRef>
+          <a:fontRef idx="minor">
+            <a:schemeClr val="tx1"/>
+          </a:fontRef>
+        </p:style>
+      </p:cxnSp>
+      <p:cxnSp>
+        <p:nvCxnSpPr>
+          <p:cNvPr id="23" name="Straight Connector 22"/>
+          <p:cNvCxnSpPr/>
+          <p:nvPr/>
+        </p:nvCxnSpPr>
+        <p:spPr>
+          <a:xfrm flipH="1">
+            <a:off x="7843383" y="609602"/>
+            <a:ext cx="4342268" cy="4343399"/>
+          </a:xfrm>
+          <a:prstGeom prst="line">
+            <a:avLst/>
+          </a:prstGeom>
+          <a:ln w="31750">
+            <a:solidFill>
+              <a:schemeClr val="tx1"/>
+            </a:solidFill>
+          </a:ln>
+        </p:spPr>
+        <p:style>
+          <a:lnRef idx="2">
+            <a:schemeClr val="accent1"/>
+          </a:lnRef>
+          <a:fillRef idx="0">
+            <a:schemeClr val="accent1"/>
+          </a:fillRef>
+          <a:effectRef idx="1">
+            <a:schemeClr val="accent1"/>
+          </a:effectRef>
+          <a:fontRef idx="minor">
+            <a:schemeClr val="tx1"/>
+          </a:fontRef>
+        </p:style>
+      </p:cxnSp>
     </p:spTree>
     <p:extLst>
       <p:ext uri="{BB962C8B-B14F-4D97-AF65-F5344CB8AC3E}">
-        <p14:creationId xmlns:p14="http://schemas.microsoft.com/office/powerpoint/2010/main" val="94999051"/>
+        <p14:creationId xmlns:p14="http://schemas.microsoft.com/office/powerpoint/2010/main" val="4255800804"/>
       </p:ext>
     </p:extLst>
   </p:cSld>
@@ -865,6 +1335,1824 @@
 </file>
 
 <file path=ppt/slideLayouts/slideLayout10.xml><?xml version="1.0" encoding="utf-8"?>
+<p:sldLayout xmlns:a="http://schemas.openxmlformats.org/drawingml/2006/main" xmlns:r="http://schemas.openxmlformats.org/officeDocument/2006/relationships" xmlns:p="http://schemas.openxmlformats.org/presentationml/2006/main" preserve="1">
+  <p:cSld name="Panoramic Picture with Caption">
+    <p:spTree>
+      <p:nvGrpSpPr>
+        <p:cNvPr id="1" name=""/>
+        <p:cNvGrpSpPr/>
+        <p:nvPr/>
+      </p:nvGrpSpPr>
+      <p:grpSpPr>
+        <a:xfrm>
+          <a:off x="0" y="0"/>
+          <a:ext cx="0" cy="0"/>
+          <a:chOff x="0" y="0"/>
+          <a:chExt cx="0" cy="0"/>
+        </a:xfrm>
+      </p:grpSpPr>
+      <p:sp>
+        <p:nvSpPr>
+          <p:cNvPr id="2" name="Title 1"/>
+          <p:cNvSpPr>
+            <a:spLocks noGrp="1"/>
+          </p:cNvSpPr>
+          <p:nvPr>
+            <p:ph type="title"/>
+          </p:nvPr>
+        </p:nvSpPr>
+        <p:spPr/>
+        <p:txBody>
+          <a:bodyPr/>
+          <a:lstStyle/>
+          <a:p>
+            <a:r>
+              <a:rPr lang="en-US"/>
+              <a:t>Click to edit Master title style</a:t>
+            </a:r>
+            <a:endParaRPr lang="en-US" dirty="0"/>
+          </a:p>
+        </p:txBody>
+      </p:sp>
+      <p:sp>
+        <p:nvSpPr>
+          <p:cNvPr id="17" name="Picture Placeholder 2"/>
+          <p:cNvSpPr>
+            <a:spLocks noGrp="1" noChangeAspect="1"/>
+          </p:cNvSpPr>
+          <p:nvPr>
+            <p:ph type="pic" idx="13"/>
+          </p:nvPr>
+        </p:nvSpPr>
+        <p:spPr>
+          <a:xfrm>
+            <a:off x="685621" y="533400"/>
+            <a:ext cx="10815995" cy="3124200"/>
+          </a:xfrm>
+          <a:prstGeom prst="snip2DiagRect">
+            <a:avLst>
+              <a:gd name="adj1" fmla="val 10815"/>
+              <a:gd name="adj2" fmla="val 0"/>
+            </a:avLst>
+          </a:prstGeom>
+          <a:ln w="15875">
+            <a:solidFill>
+              <a:schemeClr val="tx1">
+                <a:alpha val="40000"/>
+              </a:schemeClr>
+            </a:solidFill>
+          </a:ln>
+          <a:effectLst>
+            <a:innerShdw blurRad="57150" dist="38100" dir="14460000">
+              <a:srgbClr val="000000">
+                <a:alpha val="70000"/>
+              </a:srgbClr>
+            </a:innerShdw>
+          </a:effectLst>
+        </p:spPr>
+        <p:txBody>
+          <a:bodyPr anchor="t">
+            <a:normAutofit/>
+          </a:bodyPr>
+          <a:lstStyle>
+            <a:lvl1pPr marL="0" indent="0" algn="ctr">
+              <a:buNone/>
+              <a:defRPr sz="1600"/>
+            </a:lvl1pPr>
+            <a:lvl2pPr marL="457063" indent="0">
+              <a:buNone/>
+              <a:defRPr sz="1600"/>
+            </a:lvl2pPr>
+            <a:lvl3pPr marL="914126" indent="0">
+              <a:buNone/>
+              <a:defRPr sz="1600"/>
+            </a:lvl3pPr>
+            <a:lvl4pPr marL="1371189" indent="0">
+              <a:buNone/>
+              <a:defRPr sz="1600"/>
+            </a:lvl4pPr>
+            <a:lvl5pPr marL="1828251" indent="0">
+              <a:buNone/>
+              <a:defRPr sz="1600"/>
+            </a:lvl5pPr>
+            <a:lvl6pPr marL="2285314" indent="0">
+              <a:buNone/>
+              <a:defRPr sz="1600"/>
+            </a:lvl6pPr>
+            <a:lvl7pPr marL="2742377" indent="0">
+              <a:buNone/>
+              <a:defRPr sz="1600"/>
+            </a:lvl7pPr>
+            <a:lvl8pPr marL="3199440" indent="0">
+              <a:buNone/>
+              <a:defRPr sz="1600"/>
+            </a:lvl8pPr>
+            <a:lvl9pPr marL="3656503" indent="0">
+              <a:buNone/>
+              <a:defRPr sz="1600"/>
+            </a:lvl9pPr>
+          </a:lstStyle>
+          <a:p>
+            <a:r>
+              <a:rPr lang="en-US"/>
+              <a:t>Click icon to add picture</a:t>
+            </a:r>
+            <a:endParaRPr lang="en-US" dirty="0"/>
+          </a:p>
+        </p:txBody>
+      </p:sp>
+      <p:sp>
+        <p:nvSpPr>
+          <p:cNvPr id="16" name="Text Placeholder 9"/>
+          <p:cNvSpPr>
+            <a:spLocks noGrp="1"/>
+          </p:cNvSpPr>
+          <p:nvPr>
+            <p:ph type="body" sz="quarter" idx="14"/>
+          </p:nvPr>
+        </p:nvSpPr>
+        <p:spPr>
+          <a:xfrm>
+            <a:off x="914164" y="3843867"/>
+            <a:ext cx="8302047" cy="457200"/>
+          </a:xfrm>
+        </p:spPr>
+        <p:txBody>
+          <a:bodyPr anchor="t">
+            <a:normAutofit/>
+          </a:bodyPr>
+          <a:lstStyle>
+            <a:lvl1pPr marL="0" indent="0">
+              <a:buFontTx/>
+              <a:buNone/>
+              <a:defRPr sz="1600"/>
+            </a:lvl1pPr>
+            <a:lvl2pPr marL="457063" indent="0">
+              <a:buFontTx/>
+              <a:buNone/>
+              <a:defRPr/>
+            </a:lvl2pPr>
+            <a:lvl3pPr marL="914126" indent="0">
+              <a:buFontTx/>
+              <a:buNone/>
+              <a:defRPr/>
+            </a:lvl3pPr>
+            <a:lvl4pPr marL="1371189" indent="0">
+              <a:buFontTx/>
+              <a:buNone/>
+              <a:defRPr/>
+            </a:lvl4pPr>
+            <a:lvl5pPr marL="1828251" indent="0">
+              <a:buFontTx/>
+              <a:buNone/>
+              <a:defRPr/>
+            </a:lvl5pPr>
+          </a:lstStyle>
+          <a:p>
+            <a:pPr lvl="0"/>
+            <a:r>
+              <a:rPr lang="en-US"/>
+              <a:t>Edit Master text styles</a:t>
+            </a:r>
+          </a:p>
+        </p:txBody>
+      </p:sp>
+      <p:sp>
+        <p:nvSpPr>
+          <p:cNvPr id="3" name="Date Placeholder 2"/>
+          <p:cNvSpPr>
+            <a:spLocks noGrp="1"/>
+          </p:cNvSpPr>
+          <p:nvPr>
+            <p:ph type="dt" sz="half" idx="10"/>
+          </p:nvPr>
+        </p:nvSpPr>
+        <p:spPr/>
+        <p:txBody>
+          <a:bodyPr/>
+          <a:lstStyle/>
+          <a:p>
+            <a:fld id="{03F41C87-7AD9-4845-A077-840E4A0F3F06}" type="datetimeFigureOut">
+              <a:rPr lang="en-US" smtClean="0"/>
+              <a:pPr/>
+              <a:t>12/19/2024</a:t>
+            </a:fld>
+            <a:endParaRPr lang="en-US"/>
+          </a:p>
+        </p:txBody>
+      </p:sp>
+      <p:sp>
+        <p:nvSpPr>
+          <p:cNvPr id="4" name="Footer Placeholder 3"/>
+          <p:cNvSpPr>
+            <a:spLocks noGrp="1"/>
+          </p:cNvSpPr>
+          <p:nvPr>
+            <p:ph type="ftr" sz="quarter" idx="11"/>
+          </p:nvPr>
+        </p:nvSpPr>
+        <p:spPr/>
+        <p:txBody>
+          <a:bodyPr/>
+          <a:lstStyle/>
+          <a:p>
+            <a:endParaRPr lang="en-US" dirty="0"/>
+          </a:p>
+        </p:txBody>
+      </p:sp>
+      <p:sp>
+        <p:nvSpPr>
+          <p:cNvPr id="5" name="Slide Number Placeholder 4"/>
+          <p:cNvSpPr>
+            <a:spLocks noGrp="1"/>
+          </p:cNvSpPr>
+          <p:nvPr>
+            <p:ph type="sldNum" sz="quarter" idx="12"/>
+          </p:nvPr>
+        </p:nvSpPr>
+        <p:spPr/>
+        <p:txBody>
+          <a:bodyPr/>
+          <a:lstStyle/>
+          <a:p>
+            <a:fld id="{2A013F82-EE5E-44EE-A61D-E31C6657F26F}" type="slidenum">
+              <a:rPr lang="en-US" smtClean="0"/>
+              <a:pPr/>
+              <a:t>‹#›</a:t>
+            </a:fld>
+            <a:endParaRPr lang="en-US"/>
+          </a:p>
+        </p:txBody>
+      </p:sp>
+    </p:spTree>
+    <p:extLst>
+      <p:ext uri="{BB962C8B-B14F-4D97-AF65-F5344CB8AC3E}">
+        <p14:creationId xmlns:p14="http://schemas.microsoft.com/office/powerpoint/2010/main" val="3338668148"/>
+      </p:ext>
+    </p:extLst>
+  </p:cSld>
+  <p:clrMapOvr>
+    <a:masterClrMapping/>
+  </p:clrMapOvr>
+</p:sldLayout>
+</file>
+
+<file path=ppt/slideLayouts/slideLayout11.xml><?xml version="1.0" encoding="utf-8"?>
+<p:sldLayout xmlns:a="http://schemas.openxmlformats.org/drawingml/2006/main" xmlns:r="http://schemas.openxmlformats.org/officeDocument/2006/relationships" xmlns:p="http://schemas.openxmlformats.org/presentationml/2006/main" preserve="1">
+  <p:cSld name="Title and Caption">
+    <p:spTree>
+      <p:nvGrpSpPr>
+        <p:cNvPr id="1" name=""/>
+        <p:cNvGrpSpPr/>
+        <p:nvPr/>
+      </p:nvGrpSpPr>
+      <p:grpSpPr>
+        <a:xfrm>
+          <a:off x="0" y="0"/>
+          <a:ext cx="0" cy="0"/>
+          <a:chOff x="0" y="0"/>
+          <a:chExt cx="0" cy="0"/>
+        </a:xfrm>
+      </p:grpSpPr>
+      <p:sp>
+        <p:nvSpPr>
+          <p:cNvPr id="2" name="Title 1"/>
+          <p:cNvSpPr>
+            <a:spLocks noGrp="1"/>
+          </p:cNvSpPr>
+          <p:nvPr>
+            <p:ph type="title"/>
+          </p:nvPr>
+        </p:nvSpPr>
+        <p:spPr>
+          <a:xfrm>
+            <a:off x="684035" y="685800"/>
+            <a:ext cx="10055781" cy="2743200"/>
+          </a:xfrm>
+        </p:spPr>
+        <p:txBody>
+          <a:bodyPr anchor="ctr">
+            <a:normAutofit/>
+          </a:bodyPr>
+          <a:lstStyle>
+            <a:lvl1pPr algn="l">
+              <a:defRPr sz="3199" b="0" cap="all"/>
+            </a:lvl1pPr>
+          </a:lstStyle>
+          <a:p>
+            <a:r>
+              <a:rPr lang="en-US"/>
+              <a:t>Click to edit Master title style</a:t>
+            </a:r>
+            <a:endParaRPr lang="en-US" dirty="0"/>
+          </a:p>
+        </p:txBody>
+      </p:sp>
+      <p:sp>
+        <p:nvSpPr>
+          <p:cNvPr id="3" name="Text Placeholder 2"/>
+          <p:cNvSpPr>
+            <a:spLocks noGrp="1"/>
+          </p:cNvSpPr>
+          <p:nvPr>
+            <p:ph type="body" idx="1"/>
+          </p:nvPr>
+        </p:nvSpPr>
+        <p:spPr>
+          <a:xfrm>
+            <a:off x="684034" y="4114800"/>
+            <a:ext cx="8533765" cy="1879600"/>
+          </a:xfrm>
+        </p:spPr>
+        <p:txBody>
+          <a:bodyPr anchor="ctr">
+            <a:normAutofit/>
+          </a:bodyPr>
+          <a:lstStyle>
+            <a:lvl1pPr marL="0" indent="0" algn="l">
+              <a:buNone/>
+              <a:defRPr sz="1999">
+                <a:solidFill>
+                  <a:schemeClr val="bg2">
+                    <a:lumMod val="75000"/>
+                  </a:schemeClr>
+                </a:solidFill>
+              </a:defRPr>
+            </a:lvl1pPr>
+            <a:lvl2pPr marL="457063" indent="0">
+              <a:buNone/>
+              <a:defRPr sz="1799">
+                <a:solidFill>
+                  <a:schemeClr val="tx1">
+                    <a:tint val="75000"/>
+                  </a:schemeClr>
+                </a:solidFill>
+              </a:defRPr>
+            </a:lvl2pPr>
+            <a:lvl3pPr marL="914126" indent="0">
+              <a:buNone/>
+              <a:defRPr sz="1600">
+                <a:solidFill>
+                  <a:schemeClr val="tx1">
+                    <a:tint val="75000"/>
+                  </a:schemeClr>
+                </a:solidFill>
+              </a:defRPr>
+            </a:lvl3pPr>
+            <a:lvl4pPr marL="1371189" indent="0">
+              <a:buNone/>
+              <a:defRPr sz="1400">
+                <a:solidFill>
+                  <a:schemeClr val="tx1">
+                    <a:tint val="75000"/>
+                  </a:schemeClr>
+                </a:solidFill>
+              </a:defRPr>
+            </a:lvl4pPr>
+            <a:lvl5pPr marL="1828251" indent="0">
+              <a:buNone/>
+              <a:defRPr sz="1400">
+                <a:solidFill>
+                  <a:schemeClr val="tx1">
+                    <a:tint val="75000"/>
+                  </a:schemeClr>
+                </a:solidFill>
+              </a:defRPr>
+            </a:lvl5pPr>
+            <a:lvl6pPr marL="2285314" indent="0">
+              <a:buNone/>
+              <a:defRPr sz="1400">
+                <a:solidFill>
+                  <a:schemeClr val="tx1">
+                    <a:tint val="75000"/>
+                  </a:schemeClr>
+                </a:solidFill>
+              </a:defRPr>
+            </a:lvl6pPr>
+            <a:lvl7pPr marL="2742377" indent="0">
+              <a:buNone/>
+              <a:defRPr sz="1400">
+                <a:solidFill>
+                  <a:schemeClr val="tx1">
+                    <a:tint val="75000"/>
+                  </a:schemeClr>
+                </a:solidFill>
+              </a:defRPr>
+            </a:lvl7pPr>
+            <a:lvl8pPr marL="3199440" indent="0">
+              <a:buNone/>
+              <a:defRPr sz="1400">
+                <a:solidFill>
+                  <a:schemeClr val="tx1">
+                    <a:tint val="75000"/>
+                  </a:schemeClr>
+                </a:solidFill>
+              </a:defRPr>
+            </a:lvl8pPr>
+            <a:lvl9pPr marL="3656503" indent="0">
+              <a:buNone/>
+              <a:defRPr sz="1400">
+                <a:solidFill>
+                  <a:schemeClr val="tx1">
+                    <a:tint val="75000"/>
+                  </a:schemeClr>
+                </a:solidFill>
+              </a:defRPr>
+            </a:lvl9pPr>
+          </a:lstStyle>
+          <a:p>
+            <a:pPr lvl="0"/>
+            <a:r>
+              <a:rPr lang="en-US"/>
+              <a:t>Edit Master text styles</a:t>
+            </a:r>
+          </a:p>
+        </p:txBody>
+      </p:sp>
+      <p:sp>
+        <p:nvSpPr>
+          <p:cNvPr id="4" name="Date Placeholder 3"/>
+          <p:cNvSpPr>
+            <a:spLocks noGrp="1"/>
+          </p:cNvSpPr>
+          <p:nvPr>
+            <p:ph type="dt" sz="half" idx="10"/>
+          </p:nvPr>
+        </p:nvSpPr>
+        <p:spPr/>
+        <p:txBody>
+          <a:bodyPr/>
+          <a:lstStyle/>
+          <a:p>
+            <a:fld id="{03F41C87-7AD9-4845-A077-840E4A0F3F06}" type="datetimeFigureOut">
+              <a:rPr lang="en-US" smtClean="0"/>
+              <a:pPr/>
+              <a:t>12/19/2024</a:t>
+            </a:fld>
+            <a:endParaRPr lang="en-US"/>
+          </a:p>
+        </p:txBody>
+      </p:sp>
+      <p:sp>
+        <p:nvSpPr>
+          <p:cNvPr id="5" name="Footer Placeholder 4"/>
+          <p:cNvSpPr>
+            <a:spLocks noGrp="1"/>
+          </p:cNvSpPr>
+          <p:nvPr>
+            <p:ph type="ftr" sz="quarter" idx="11"/>
+          </p:nvPr>
+        </p:nvSpPr>
+        <p:spPr/>
+        <p:txBody>
+          <a:bodyPr/>
+          <a:lstStyle/>
+          <a:p>
+            <a:endParaRPr lang="en-US" dirty="0"/>
+          </a:p>
+        </p:txBody>
+      </p:sp>
+      <p:sp>
+        <p:nvSpPr>
+          <p:cNvPr id="6" name="Slide Number Placeholder 5"/>
+          <p:cNvSpPr>
+            <a:spLocks noGrp="1"/>
+          </p:cNvSpPr>
+          <p:nvPr>
+            <p:ph type="sldNum" sz="quarter" idx="12"/>
+          </p:nvPr>
+        </p:nvSpPr>
+        <p:spPr/>
+        <p:txBody>
+          <a:bodyPr/>
+          <a:lstStyle/>
+          <a:p>
+            <a:fld id="{2A013F82-EE5E-44EE-A61D-E31C6657F26F}" type="slidenum">
+              <a:rPr lang="en-US" smtClean="0"/>
+              <a:pPr/>
+              <a:t>‹#›</a:t>
+            </a:fld>
+            <a:endParaRPr lang="en-US"/>
+          </a:p>
+        </p:txBody>
+      </p:sp>
+    </p:spTree>
+    <p:extLst>
+      <p:ext uri="{BB962C8B-B14F-4D97-AF65-F5344CB8AC3E}">
+        <p14:creationId xmlns:p14="http://schemas.microsoft.com/office/powerpoint/2010/main" val="653714680"/>
+      </p:ext>
+    </p:extLst>
+  </p:cSld>
+  <p:clrMapOvr>
+    <a:masterClrMapping/>
+  </p:clrMapOvr>
+</p:sldLayout>
+</file>
+
+<file path=ppt/slideLayouts/slideLayout12.xml><?xml version="1.0" encoding="utf-8"?>
+<p:sldLayout xmlns:a="http://schemas.openxmlformats.org/drawingml/2006/main" xmlns:r="http://schemas.openxmlformats.org/officeDocument/2006/relationships" xmlns:p="http://schemas.openxmlformats.org/presentationml/2006/main" preserve="1">
+  <p:cSld name="Quote with Caption">
+    <p:spTree>
+      <p:nvGrpSpPr>
+        <p:cNvPr id="1" name=""/>
+        <p:cNvGrpSpPr/>
+        <p:nvPr/>
+      </p:nvGrpSpPr>
+      <p:grpSpPr>
+        <a:xfrm>
+          <a:off x="0" y="0"/>
+          <a:ext cx="0" cy="0"/>
+          <a:chOff x="0" y="0"/>
+          <a:chExt cx="0" cy="0"/>
+        </a:xfrm>
+      </p:grpSpPr>
+      <p:sp>
+        <p:nvSpPr>
+          <p:cNvPr id="2" name="Title 1"/>
+          <p:cNvSpPr>
+            <a:spLocks noGrp="1"/>
+          </p:cNvSpPr>
+          <p:nvPr>
+            <p:ph type="title"/>
+          </p:nvPr>
+        </p:nvSpPr>
+        <p:spPr>
+          <a:xfrm>
+            <a:off x="1141114" y="685800"/>
+            <a:ext cx="9141620" cy="2743200"/>
+          </a:xfrm>
+        </p:spPr>
+        <p:txBody>
+          <a:bodyPr anchor="ctr">
+            <a:normAutofit/>
+          </a:bodyPr>
+          <a:lstStyle>
+            <a:lvl1pPr algn="l">
+              <a:defRPr sz="3199" b="0" cap="all">
+                <a:solidFill>
+                  <a:schemeClr val="tx1"/>
+                </a:solidFill>
+              </a:defRPr>
+            </a:lvl1pPr>
+          </a:lstStyle>
+          <a:p>
+            <a:r>
+              <a:rPr lang="en-US"/>
+              <a:t>Click to edit Master title style</a:t>
+            </a:r>
+            <a:endParaRPr lang="en-US" dirty="0"/>
+          </a:p>
+        </p:txBody>
+      </p:sp>
+      <p:sp>
+        <p:nvSpPr>
+          <p:cNvPr id="10" name="Text Placeholder 9"/>
+          <p:cNvSpPr>
+            <a:spLocks noGrp="1"/>
+          </p:cNvSpPr>
+          <p:nvPr>
+            <p:ph type="body" sz="quarter" idx="13"/>
+          </p:nvPr>
+        </p:nvSpPr>
+        <p:spPr>
+          <a:xfrm>
+            <a:off x="1445835" y="3429000"/>
+            <a:ext cx="8532178" cy="381000"/>
+          </a:xfrm>
+        </p:spPr>
+        <p:txBody>
+          <a:bodyPr anchor="ctr"/>
+          <a:lstStyle>
+            <a:lvl1pPr marL="0" indent="0">
+              <a:buFontTx/>
+              <a:buNone/>
+              <a:defRPr/>
+            </a:lvl1pPr>
+            <a:lvl2pPr marL="457063" indent="0">
+              <a:buFontTx/>
+              <a:buNone/>
+              <a:defRPr/>
+            </a:lvl2pPr>
+            <a:lvl3pPr marL="914126" indent="0">
+              <a:buFontTx/>
+              <a:buNone/>
+              <a:defRPr/>
+            </a:lvl3pPr>
+            <a:lvl4pPr marL="1371189" indent="0">
+              <a:buFontTx/>
+              <a:buNone/>
+              <a:defRPr/>
+            </a:lvl4pPr>
+            <a:lvl5pPr marL="1828251" indent="0">
+              <a:buFontTx/>
+              <a:buNone/>
+              <a:defRPr/>
+            </a:lvl5pPr>
+          </a:lstStyle>
+          <a:p>
+            <a:pPr lvl="0"/>
+            <a:r>
+              <a:rPr lang="en-US"/>
+              <a:t>Edit Master text styles</a:t>
+            </a:r>
+          </a:p>
+        </p:txBody>
+      </p:sp>
+      <p:sp>
+        <p:nvSpPr>
+          <p:cNvPr id="3" name="Text Placeholder 2"/>
+          <p:cNvSpPr>
+            <a:spLocks noGrp="1"/>
+          </p:cNvSpPr>
+          <p:nvPr>
+            <p:ph type="body" idx="1"/>
+          </p:nvPr>
+        </p:nvSpPr>
+        <p:spPr>
+          <a:xfrm>
+            <a:off x="684035" y="4301068"/>
+            <a:ext cx="8532178" cy="1684865"/>
+          </a:xfrm>
+        </p:spPr>
+        <p:txBody>
+          <a:bodyPr anchor="ctr">
+            <a:normAutofit/>
+          </a:bodyPr>
+          <a:lstStyle>
+            <a:lvl1pPr marL="0" indent="0" algn="l">
+              <a:buNone/>
+              <a:defRPr sz="1999">
+                <a:solidFill>
+                  <a:schemeClr val="bg2">
+                    <a:lumMod val="75000"/>
+                  </a:schemeClr>
+                </a:solidFill>
+              </a:defRPr>
+            </a:lvl1pPr>
+            <a:lvl2pPr marL="457063" indent="0">
+              <a:buNone/>
+              <a:defRPr sz="1799">
+                <a:solidFill>
+                  <a:schemeClr val="tx1">
+                    <a:tint val="75000"/>
+                  </a:schemeClr>
+                </a:solidFill>
+              </a:defRPr>
+            </a:lvl2pPr>
+            <a:lvl3pPr marL="914126" indent="0">
+              <a:buNone/>
+              <a:defRPr sz="1600">
+                <a:solidFill>
+                  <a:schemeClr val="tx1">
+                    <a:tint val="75000"/>
+                  </a:schemeClr>
+                </a:solidFill>
+              </a:defRPr>
+            </a:lvl3pPr>
+            <a:lvl4pPr marL="1371189" indent="0">
+              <a:buNone/>
+              <a:defRPr sz="1400">
+                <a:solidFill>
+                  <a:schemeClr val="tx1">
+                    <a:tint val="75000"/>
+                  </a:schemeClr>
+                </a:solidFill>
+              </a:defRPr>
+            </a:lvl4pPr>
+            <a:lvl5pPr marL="1828251" indent="0">
+              <a:buNone/>
+              <a:defRPr sz="1400">
+                <a:solidFill>
+                  <a:schemeClr val="tx1">
+                    <a:tint val="75000"/>
+                  </a:schemeClr>
+                </a:solidFill>
+              </a:defRPr>
+            </a:lvl5pPr>
+            <a:lvl6pPr marL="2285314" indent="0">
+              <a:buNone/>
+              <a:defRPr sz="1400">
+                <a:solidFill>
+                  <a:schemeClr val="tx1">
+                    <a:tint val="75000"/>
+                  </a:schemeClr>
+                </a:solidFill>
+              </a:defRPr>
+            </a:lvl6pPr>
+            <a:lvl7pPr marL="2742377" indent="0">
+              <a:buNone/>
+              <a:defRPr sz="1400">
+                <a:solidFill>
+                  <a:schemeClr val="tx1">
+                    <a:tint val="75000"/>
+                  </a:schemeClr>
+                </a:solidFill>
+              </a:defRPr>
+            </a:lvl7pPr>
+            <a:lvl8pPr marL="3199440" indent="0">
+              <a:buNone/>
+              <a:defRPr sz="1400">
+                <a:solidFill>
+                  <a:schemeClr val="tx1">
+                    <a:tint val="75000"/>
+                  </a:schemeClr>
+                </a:solidFill>
+              </a:defRPr>
+            </a:lvl8pPr>
+            <a:lvl9pPr marL="3656503" indent="0">
+              <a:buNone/>
+              <a:defRPr sz="1400">
+                <a:solidFill>
+                  <a:schemeClr val="tx1">
+                    <a:tint val="75000"/>
+                  </a:schemeClr>
+                </a:solidFill>
+              </a:defRPr>
+            </a:lvl9pPr>
+          </a:lstStyle>
+          <a:p>
+            <a:pPr lvl="0"/>
+            <a:r>
+              <a:rPr lang="en-US"/>
+              <a:t>Edit Master text styles</a:t>
+            </a:r>
+          </a:p>
+        </p:txBody>
+      </p:sp>
+      <p:sp>
+        <p:nvSpPr>
+          <p:cNvPr id="4" name="Date Placeholder 3"/>
+          <p:cNvSpPr>
+            <a:spLocks noGrp="1"/>
+          </p:cNvSpPr>
+          <p:nvPr>
+            <p:ph type="dt" sz="half" idx="10"/>
+          </p:nvPr>
+        </p:nvSpPr>
+        <p:spPr/>
+        <p:txBody>
+          <a:bodyPr/>
+          <a:lstStyle/>
+          <a:p>
+            <a:fld id="{03F41C87-7AD9-4845-A077-840E4A0F3F06}" type="datetimeFigureOut">
+              <a:rPr lang="en-US" smtClean="0"/>
+              <a:pPr/>
+              <a:t>12/19/2024</a:t>
+            </a:fld>
+            <a:endParaRPr lang="en-US"/>
+          </a:p>
+        </p:txBody>
+      </p:sp>
+      <p:sp>
+        <p:nvSpPr>
+          <p:cNvPr id="5" name="Footer Placeholder 4"/>
+          <p:cNvSpPr>
+            <a:spLocks noGrp="1"/>
+          </p:cNvSpPr>
+          <p:nvPr>
+            <p:ph type="ftr" sz="quarter" idx="11"/>
+          </p:nvPr>
+        </p:nvSpPr>
+        <p:spPr/>
+        <p:txBody>
+          <a:bodyPr/>
+          <a:lstStyle/>
+          <a:p>
+            <a:endParaRPr lang="en-US" dirty="0"/>
+          </a:p>
+        </p:txBody>
+      </p:sp>
+      <p:sp>
+        <p:nvSpPr>
+          <p:cNvPr id="6" name="Slide Number Placeholder 5"/>
+          <p:cNvSpPr>
+            <a:spLocks noGrp="1"/>
+          </p:cNvSpPr>
+          <p:nvPr>
+            <p:ph type="sldNum" sz="quarter" idx="12"/>
+          </p:nvPr>
+        </p:nvSpPr>
+        <p:spPr/>
+        <p:txBody>
+          <a:bodyPr/>
+          <a:lstStyle/>
+          <a:p>
+            <a:fld id="{2A013F82-EE5E-44EE-A61D-E31C6657F26F}" type="slidenum">
+              <a:rPr lang="en-US" smtClean="0"/>
+              <a:pPr/>
+              <a:t>‹#›</a:t>
+            </a:fld>
+            <a:endParaRPr lang="en-US"/>
+          </a:p>
+        </p:txBody>
+      </p:sp>
+      <p:sp>
+        <p:nvSpPr>
+          <p:cNvPr id="14" name="TextBox 13"/>
+          <p:cNvSpPr txBox="1"/>
+          <p:nvPr/>
+        </p:nvSpPr>
+        <p:spPr>
+          <a:xfrm>
+            <a:off x="531674" y="812222"/>
+            <a:ext cx="609441" cy="584776"/>
+          </a:xfrm>
+          <a:prstGeom prst="rect">
+            <a:avLst/>
+          </a:prstGeom>
+        </p:spPr>
+        <p:txBody>
+          <a:bodyPr vert="horz" lIns="91416" tIns="45708" rIns="91416" bIns="45708" rtlCol="0" anchor="ctr">
+            <a:noAutofit/>
+          </a:bodyPr>
+          <a:lstStyle/>
+          <a:p>
+            <a:pPr lvl="0"/>
+            <a:r>
+              <a:rPr lang="en-US" sz="7998" dirty="0">
+                <a:solidFill>
+                  <a:schemeClr val="tx1"/>
+                </a:solidFill>
+                <a:effectLst/>
+              </a:rPr>
+              <a:t>“</a:t>
+            </a:r>
+          </a:p>
+        </p:txBody>
+      </p:sp>
+      <p:sp>
+        <p:nvSpPr>
+          <p:cNvPr id="15" name="TextBox 14"/>
+          <p:cNvSpPr txBox="1"/>
+          <p:nvPr/>
+        </p:nvSpPr>
+        <p:spPr>
+          <a:xfrm>
+            <a:off x="10282734" y="2768601"/>
+            <a:ext cx="609441" cy="584776"/>
+          </a:xfrm>
+          <a:prstGeom prst="rect">
+            <a:avLst/>
+          </a:prstGeom>
+        </p:spPr>
+        <p:txBody>
+          <a:bodyPr vert="horz" lIns="91416" tIns="45708" rIns="91416" bIns="45708" rtlCol="0" anchor="ctr">
+            <a:noAutofit/>
+          </a:bodyPr>
+          <a:lstStyle/>
+          <a:p>
+            <a:pPr lvl="0" algn="r"/>
+            <a:r>
+              <a:rPr lang="en-US" sz="7998" dirty="0">
+                <a:solidFill>
+                  <a:schemeClr val="tx1"/>
+                </a:solidFill>
+                <a:effectLst/>
+              </a:rPr>
+              <a:t>”</a:t>
+            </a:r>
+          </a:p>
+        </p:txBody>
+      </p:sp>
+    </p:spTree>
+    <p:extLst>
+      <p:ext uri="{BB962C8B-B14F-4D97-AF65-F5344CB8AC3E}">
+        <p14:creationId xmlns:p14="http://schemas.microsoft.com/office/powerpoint/2010/main" val="1827680481"/>
+      </p:ext>
+    </p:extLst>
+  </p:cSld>
+  <p:clrMapOvr>
+    <a:masterClrMapping/>
+  </p:clrMapOvr>
+</p:sldLayout>
+</file>
+
+<file path=ppt/slideLayouts/slideLayout13.xml><?xml version="1.0" encoding="utf-8"?>
+<p:sldLayout xmlns:a="http://schemas.openxmlformats.org/drawingml/2006/main" xmlns:r="http://schemas.openxmlformats.org/officeDocument/2006/relationships" xmlns:p="http://schemas.openxmlformats.org/presentationml/2006/main" preserve="1">
+  <p:cSld name="Name Card">
+    <p:spTree>
+      <p:nvGrpSpPr>
+        <p:cNvPr id="1" name=""/>
+        <p:cNvGrpSpPr/>
+        <p:nvPr/>
+      </p:nvGrpSpPr>
+      <p:grpSpPr>
+        <a:xfrm>
+          <a:off x="0" y="0"/>
+          <a:ext cx="0" cy="0"/>
+          <a:chOff x="0" y="0"/>
+          <a:chExt cx="0" cy="0"/>
+        </a:xfrm>
+      </p:grpSpPr>
+      <p:sp>
+        <p:nvSpPr>
+          <p:cNvPr id="2" name="Title 1"/>
+          <p:cNvSpPr>
+            <a:spLocks noGrp="1"/>
+          </p:cNvSpPr>
+          <p:nvPr>
+            <p:ph type="title"/>
+          </p:nvPr>
+        </p:nvSpPr>
+        <p:spPr>
+          <a:xfrm>
+            <a:off x="684034" y="3429000"/>
+            <a:ext cx="8532178" cy="1697400"/>
+          </a:xfrm>
+        </p:spPr>
+        <p:txBody>
+          <a:bodyPr anchor="b">
+            <a:normAutofit/>
+          </a:bodyPr>
+          <a:lstStyle>
+            <a:lvl1pPr algn="l">
+              <a:defRPr sz="3199" b="0" cap="all"/>
+            </a:lvl1pPr>
+          </a:lstStyle>
+          <a:p>
+            <a:r>
+              <a:rPr lang="en-US"/>
+              <a:t>Click to edit Master title style</a:t>
+            </a:r>
+            <a:endParaRPr lang="en-US" dirty="0"/>
+          </a:p>
+        </p:txBody>
+      </p:sp>
+      <p:sp>
+        <p:nvSpPr>
+          <p:cNvPr id="3" name="Text Placeholder 2"/>
+          <p:cNvSpPr>
+            <a:spLocks noGrp="1"/>
+          </p:cNvSpPr>
+          <p:nvPr>
+            <p:ph type="body" idx="1"/>
+          </p:nvPr>
+        </p:nvSpPr>
+        <p:spPr>
+          <a:xfrm>
+            <a:off x="684033" y="5132981"/>
+            <a:ext cx="8533767" cy="860400"/>
+          </a:xfrm>
+        </p:spPr>
+        <p:txBody>
+          <a:bodyPr anchor="t">
+            <a:normAutofit/>
+          </a:bodyPr>
+          <a:lstStyle>
+            <a:lvl1pPr marL="0" indent="0" algn="l">
+              <a:buNone/>
+              <a:defRPr sz="1999">
+                <a:solidFill>
+                  <a:schemeClr val="bg2">
+                    <a:lumMod val="75000"/>
+                  </a:schemeClr>
+                </a:solidFill>
+              </a:defRPr>
+            </a:lvl1pPr>
+            <a:lvl2pPr marL="457063" indent="0">
+              <a:buNone/>
+              <a:defRPr sz="1799">
+                <a:solidFill>
+                  <a:schemeClr val="tx1">
+                    <a:tint val="75000"/>
+                  </a:schemeClr>
+                </a:solidFill>
+              </a:defRPr>
+            </a:lvl2pPr>
+            <a:lvl3pPr marL="914126" indent="0">
+              <a:buNone/>
+              <a:defRPr sz="1600">
+                <a:solidFill>
+                  <a:schemeClr val="tx1">
+                    <a:tint val="75000"/>
+                  </a:schemeClr>
+                </a:solidFill>
+              </a:defRPr>
+            </a:lvl3pPr>
+            <a:lvl4pPr marL="1371189" indent="0">
+              <a:buNone/>
+              <a:defRPr sz="1400">
+                <a:solidFill>
+                  <a:schemeClr val="tx1">
+                    <a:tint val="75000"/>
+                  </a:schemeClr>
+                </a:solidFill>
+              </a:defRPr>
+            </a:lvl4pPr>
+            <a:lvl5pPr marL="1828251" indent="0">
+              <a:buNone/>
+              <a:defRPr sz="1400">
+                <a:solidFill>
+                  <a:schemeClr val="tx1">
+                    <a:tint val="75000"/>
+                  </a:schemeClr>
+                </a:solidFill>
+              </a:defRPr>
+            </a:lvl5pPr>
+            <a:lvl6pPr marL="2285314" indent="0">
+              <a:buNone/>
+              <a:defRPr sz="1400">
+                <a:solidFill>
+                  <a:schemeClr val="tx1">
+                    <a:tint val="75000"/>
+                  </a:schemeClr>
+                </a:solidFill>
+              </a:defRPr>
+            </a:lvl6pPr>
+            <a:lvl7pPr marL="2742377" indent="0">
+              <a:buNone/>
+              <a:defRPr sz="1400">
+                <a:solidFill>
+                  <a:schemeClr val="tx1">
+                    <a:tint val="75000"/>
+                  </a:schemeClr>
+                </a:solidFill>
+              </a:defRPr>
+            </a:lvl7pPr>
+            <a:lvl8pPr marL="3199440" indent="0">
+              <a:buNone/>
+              <a:defRPr sz="1400">
+                <a:solidFill>
+                  <a:schemeClr val="tx1">
+                    <a:tint val="75000"/>
+                  </a:schemeClr>
+                </a:solidFill>
+              </a:defRPr>
+            </a:lvl8pPr>
+            <a:lvl9pPr marL="3656503" indent="0">
+              <a:buNone/>
+              <a:defRPr sz="1400">
+                <a:solidFill>
+                  <a:schemeClr val="tx1">
+                    <a:tint val="75000"/>
+                  </a:schemeClr>
+                </a:solidFill>
+              </a:defRPr>
+            </a:lvl9pPr>
+          </a:lstStyle>
+          <a:p>
+            <a:pPr lvl="0"/>
+            <a:r>
+              <a:rPr lang="en-US"/>
+              <a:t>Edit Master text styles</a:t>
+            </a:r>
+          </a:p>
+        </p:txBody>
+      </p:sp>
+      <p:sp>
+        <p:nvSpPr>
+          <p:cNvPr id="4" name="Date Placeholder 3"/>
+          <p:cNvSpPr>
+            <a:spLocks noGrp="1"/>
+          </p:cNvSpPr>
+          <p:nvPr>
+            <p:ph type="dt" sz="half" idx="10"/>
+          </p:nvPr>
+        </p:nvSpPr>
+        <p:spPr/>
+        <p:txBody>
+          <a:bodyPr/>
+          <a:lstStyle/>
+          <a:p>
+            <a:fld id="{03F41C87-7AD9-4845-A077-840E4A0F3F06}" type="datetimeFigureOut">
+              <a:rPr lang="en-US" smtClean="0"/>
+              <a:pPr/>
+              <a:t>12/19/2024</a:t>
+            </a:fld>
+            <a:endParaRPr lang="en-US"/>
+          </a:p>
+        </p:txBody>
+      </p:sp>
+      <p:sp>
+        <p:nvSpPr>
+          <p:cNvPr id="5" name="Footer Placeholder 4"/>
+          <p:cNvSpPr>
+            <a:spLocks noGrp="1"/>
+          </p:cNvSpPr>
+          <p:nvPr>
+            <p:ph type="ftr" sz="quarter" idx="11"/>
+          </p:nvPr>
+        </p:nvSpPr>
+        <p:spPr/>
+        <p:txBody>
+          <a:bodyPr/>
+          <a:lstStyle/>
+          <a:p>
+            <a:endParaRPr lang="en-US" dirty="0"/>
+          </a:p>
+        </p:txBody>
+      </p:sp>
+      <p:sp>
+        <p:nvSpPr>
+          <p:cNvPr id="6" name="Slide Number Placeholder 5"/>
+          <p:cNvSpPr>
+            <a:spLocks noGrp="1"/>
+          </p:cNvSpPr>
+          <p:nvPr>
+            <p:ph type="sldNum" sz="quarter" idx="12"/>
+          </p:nvPr>
+        </p:nvSpPr>
+        <p:spPr/>
+        <p:txBody>
+          <a:bodyPr/>
+          <a:lstStyle/>
+          <a:p>
+            <a:fld id="{2A013F82-EE5E-44EE-A61D-E31C6657F26F}" type="slidenum">
+              <a:rPr lang="en-US" smtClean="0"/>
+              <a:pPr/>
+              <a:t>‹#›</a:t>
+            </a:fld>
+            <a:endParaRPr lang="en-US"/>
+          </a:p>
+        </p:txBody>
+      </p:sp>
+    </p:spTree>
+    <p:extLst>
+      <p:ext uri="{BB962C8B-B14F-4D97-AF65-F5344CB8AC3E}">
+        <p14:creationId xmlns:p14="http://schemas.microsoft.com/office/powerpoint/2010/main" val="2220174971"/>
+      </p:ext>
+    </p:extLst>
+  </p:cSld>
+  <p:clrMapOvr>
+    <a:masterClrMapping/>
+  </p:clrMapOvr>
+</p:sldLayout>
+</file>
+
+<file path=ppt/slideLayouts/slideLayout14.xml><?xml version="1.0" encoding="utf-8"?>
+<p:sldLayout xmlns:a="http://schemas.openxmlformats.org/drawingml/2006/main" xmlns:r="http://schemas.openxmlformats.org/officeDocument/2006/relationships" xmlns:p="http://schemas.openxmlformats.org/presentationml/2006/main" preserve="1">
+  <p:cSld name="Quote Name Card">
+    <p:spTree>
+      <p:nvGrpSpPr>
+        <p:cNvPr id="1" name=""/>
+        <p:cNvGrpSpPr/>
+        <p:nvPr/>
+      </p:nvGrpSpPr>
+      <p:grpSpPr>
+        <a:xfrm>
+          <a:off x="0" y="0"/>
+          <a:ext cx="0" cy="0"/>
+          <a:chOff x="0" y="0"/>
+          <a:chExt cx="0" cy="0"/>
+        </a:xfrm>
+      </p:grpSpPr>
+      <p:sp>
+        <p:nvSpPr>
+          <p:cNvPr id="2" name="Title 1"/>
+          <p:cNvSpPr>
+            <a:spLocks noGrp="1"/>
+          </p:cNvSpPr>
+          <p:nvPr>
+            <p:ph type="title"/>
+          </p:nvPr>
+        </p:nvSpPr>
+        <p:spPr>
+          <a:xfrm>
+            <a:off x="1141116" y="685800"/>
+            <a:ext cx="9141619" cy="2743200"/>
+          </a:xfrm>
+        </p:spPr>
+        <p:txBody>
+          <a:bodyPr anchor="ctr">
+            <a:normAutofit/>
+          </a:bodyPr>
+          <a:lstStyle>
+            <a:lvl1pPr algn="l">
+              <a:defRPr sz="3199" b="0" cap="all">
+                <a:solidFill>
+                  <a:schemeClr val="tx1"/>
+                </a:solidFill>
+              </a:defRPr>
+            </a:lvl1pPr>
+          </a:lstStyle>
+          <a:p>
+            <a:r>
+              <a:rPr lang="en-US"/>
+              <a:t>Click to edit Master title style</a:t>
+            </a:r>
+            <a:endParaRPr lang="en-US" dirty="0"/>
+          </a:p>
+        </p:txBody>
+      </p:sp>
+      <p:sp>
+        <p:nvSpPr>
+          <p:cNvPr id="10" name="Text Placeholder 9"/>
+          <p:cNvSpPr>
+            <a:spLocks noGrp="1"/>
+          </p:cNvSpPr>
+          <p:nvPr>
+            <p:ph type="body" sz="quarter" idx="13"/>
+          </p:nvPr>
+        </p:nvSpPr>
+        <p:spPr>
+          <a:xfrm>
+            <a:off x="684035" y="3928534"/>
+            <a:ext cx="8532178" cy="1049866"/>
+          </a:xfrm>
+        </p:spPr>
+        <p:txBody>
+          <a:bodyPr vert="horz" lIns="91440" tIns="45720" rIns="91440" bIns="45720" rtlCol="0" anchor="b">
+            <a:normAutofit/>
+          </a:bodyPr>
+          <a:lstStyle>
+            <a:lvl1pPr>
+              <a:buNone/>
+              <a:defRPr lang="en-US" sz="2399" b="0" cap="all" dirty="0">
+                <a:ln w="3175" cmpd="sng">
+                  <a:noFill/>
+                </a:ln>
+                <a:solidFill>
+                  <a:schemeClr val="tx1"/>
+                </a:solidFill>
+                <a:effectLst/>
+              </a:defRPr>
+            </a:lvl1pPr>
+          </a:lstStyle>
+          <a:p>
+            <a:pPr marL="0" lvl="0">
+              <a:spcBef>
+                <a:spcPct val="0"/>
+              </a:spcBef>
+              <a:buNone/>
+            </a:pPr>
+            <a:r>
+              <a:rPr lang="en-US"/>
+              <a:t>Edit Master text styles</a:t>
+            </a:r>
+          </a:p>
+        </p:txBody>
+      </p:sp>
+      <p:sp>
+        <p:nvSpPr>
+          <p:cNvPr id="3" name="Text Placeholder 2"/>
+          <p:cNvSpPr>
+            <a:spLocks noGrp="1"/>
+          </p:cNvSpPr>
+          <p:nvPr>
+            <p:ph type="body" idx="1"/>
+          </p:nvPr>
+        </p:nvSpPr>
+        <p:spPr>
+          <a:xfrm>
+            <a:off x="684034" y="4978400"/>
+            <a:ext cx="8532178" cy="1016000"/>
+          </a:xfrm>
+        </p:spPr>
+        <p:txBody>
+          <a:bodyPr anchor="t">
+            <a:normAutofit/>
+          </a:bodyPr>
+          <a:lstStyle>
+            <a:lvl1pPr marL="0" indent="0" algn="l">
+              <a:buNone/>
+              <a:defRPr sz="1799">
+                <a:solidFill>
+                  <a:schemeClr val="bg2">
+                    <a:lumMod val="75000"/>
+                  </a:schemeClr>
+                </a:solidFill>
+              </a:defRPr>
+            </a:lvl1pPr>
+            <a:lvl2pPr marL="457063" indent="0">
+              <a:buNone/>
+              <a:defRPr sz="1799">
+                <a:solidFill>
+                  <a:schemeClr val="tx1">
+                    <a:tint val="75000"/>
+                  </a:schemeClr>
+                </a:solidFill>
+              </a:defRPr>
+            </a:lvl2pPr>
+            <a:lvl3pPr marL="914126" indent="0">
+              <a:buNone/>
+              <a:defRPr sz="1600">
+                <a:solidFill>
+                  <a:schemeClr val="tx1">
+                    <a:tint val="75000"/>
+                  </a:schemeClr>
+                </a:solidFill>
+              </a:defRPr>
+            </a:lvl3pPr>
+            <a:lvl4pPr marL="1371189" indent="0">
+              <a:buNone/>
+              <a:defRPr sz="1400">
+                <a:solidFill>
+                  <a:schemeClr val="tx1">
+                    <a:tint val="75000"/>
+                  </a:schemeClr>
+                </a:solidFill>
+              </a:defRPr>
+            </a:lvl4pPr>
+            <a:lvl5pPr marL="1828251" indent="0">
+              <a:buNone/>
+              <a:defRPr sz="1400">
+                <a:solidFill>
+                  <a:schemeClr val="tx1">
+                    <a:tint val="75000"/>
+                  </a:schemeClr>
+                </a:solidFill>
+              </a:defRPr>
+            </a:lvl5pPr>
+            <a:lvl6pPr marL="2285314" indent="0">
+              <a:buNone/>
+              <a:defRPr sz="1400">
+                <a:solidFill>
+                  <a:schemeClr val="tx1">
+                    <a:tint val="75000"/>
+                  </a:schemeClr>
+                </a:solidFill>
+              </a:defRPr>
+            </a:lvl6pPr>
+            <a:lvl7pPr marL="2742377" indent="0">
+              <a:buNone/>
+              <a:defRPr sz="1400">
+                <a:solidFill>
+                  <a:schemeClr val="tx1">
+                    <a:tint val="75000"/>
+                  </a:schemeClr>
+                </a:solidFill>
+              </a:defRPr>
+            </a:lvl7pPr>
+            <a:lvl8pPr marL="3199440" indent="0">
+              <a:buNone/>
+              <a:defRPr sz="1400">
+                <a:solidFill>
+                  <a:schemeClr val="tx1">
+                    <a:tint val="75000"/>
+                  </a:schemeClr>
+                </a:solidFill>
+              </a:defRPr>
+            </a:lvl8pPr>
+            <a:lvl9pPr marL="3656503" indent="0">
+              <a:buNone/>
+              <a:defRPr sz="1400">
+                <a:solidFill>
+                  <a:schemeClr val="tx1">
+                    <a:tint val="75000"/>
+                  </a:schemeClr>
+                </a:solidFill>
+              </a:defRPr>
+            </a:lvl9pPr>
+          </a:lstStyle>
+          <a:p>
+            <a:pPr lvl="0"/>
+            <a:r>
+              <a:rPr lang="en-US"/>
+              <a:t>Edit Master text styles</a:t>
+            </a:r>
+          </a:p>
+        </p:txBody>
+      </p:sp>
+      <p:sp>
+        <p:nvSpPr>
+          <p:cNvPr id="4" name="Date Placeholder 3"/>
+          <p:cNvSpPr>
+            <a:spLocks noGrp="1"/>
+          </p:cNvSpPr>
+          <p:nvPr>
+            <p:ph type="dt" sz="half" idx="10"/>
+          </p:nvPr>
+        </p:nvSpPr>
+        <p:spPr/>
+        <p:txBody>
+          <a:bodyPr/>
+          <a:lstStyle/>
+          <a:p>
+            <a:fld id="{03F41C87-7AD9-4845-A077-840E4A0F3F06}" type="datetimeFigureOut">
+              <a:rPr lang="en-US" smtClean="0"/>
+              <a:pPr/>
+              <a:t>12/19/2024</a:t>
+            </a:fld>
+            <a:endParaRPr lang="en-US"/>
+          </a:p>
+        </p:txBody>
+      </p:sp>
+      <p:sp>
+        <p:nvSpPr>
+          <p:cNvPr id="5" name="Footer Placeholder 4"/>
+          <p:cNvSpPr>
+            <a:spLocks noGrp="1"/>
+          </p:cNvSpPr>
+          <p:nvPr>
+            <p:ph type="ftr" sz="quarter" idx="11"/>
+          </p:nvPr>
+        </p:nvSpPr>
+        <p:spPr/>
+        <p:txBody>
+          <a:bodyPr/>
+          <a:lstStyle/>
+          <a:p>
+            <a:endParaRPr lang="en-US" dirty="0"/>
+          </a:p>
+        </p:txBody>
+      </p:sp>
+      <p:sp>
+        <p:nvSpPr>
+          <p:cNvPr id="6" name="Slide Number Placeholder 5"/>
+          <p:cNvSpPr>
+            <a:spLocks noGrp="1"/>
+          </p:cNvSpPr>
+          <p:nvPr>
+            <p:ph type="sldNum" sz="quarter" idx="12"/>
+          </p:nvPr>
+        </p:nvSpPr>
+        <p:spPr/>
+        <p:txBody>
+          <a:bodyPr/>
+          <a:lstStyle/>
+          <a:p>
+            <a:fld id="{2A013F82-EE5E-44EE-A61D-E31C6657F26F}" type="slidenum">
+              <a:rPr lang="en-US" smtClean="0"/>
+              <a:pPr/>
+              <a:t>‹#›</a:t>
+            </a:fld>
+            <a:endParaRPr lang="en-US"/>
+          </a:p>
+        </p:txBody>
+      </p:sp>
+      <p:sp>
+        <p:nvSpPr>
+          <p:cNvPr id="11" name="TextBox 10"/>
+          <p:cNvSpPr txBox="1"/>
+          <p:nvPr/>
+        </p:nvSpPr>
+        <p:spPr>
+          <a:xfrm>
+            <a:off x="531674" y="812222"/>
+            <a:ext cx="609441" cy="584776"/>
+          </a:xfrm>
+          <a:prstGeom prst="rect">
+            <a:avLst/>
+          </a:prstGeom>
+        </p:spPr>
+        <p:txBody>
+          <a:bodyPr vert="horz" lIns="91416" tIns="45708" rIns="91416" bIns="45708" rtlCol="0" anchor="ctr">
+            <a:noAutofit/>
+          </a:bodyPr>
+          <a:lstStyle/>
+          <a:p>
+            <a:pPr lvl="0"/>
+            <a:r>
+              <a:rPr lang="en-US" sz="7998" dirty="0">
+                <a:solidFill>
+                  <a:schemeClr val="tx1"/>
+                </a:solidFill>
+                <a:effectLst/>
+              </a:rPr>
+              <a:t>“</a:t>
+            </a:r>
+          </a:p>
+        </p:txBody>
+      </p:sp>
+      <p:sp>
+        <p:nvSpPr>
+          <p:cNvPr id="12" name="TextBox 11"/>
+          <p:cNvSpPr txBox="1"/>
+          <p:nvPr/>
+        </p:nvSpPr>
+        <p:spPr>
+          <a:xfrm>
+            <a:off x="10282734" y="2768601"/>
+            <a:ext cx="609441" cy="584776"/>
+          </a:xfrm>
+          <a:prstGeom prst="rect">
+            <a:avLst/>
+          </a:prstGeom>
+        </p:spPr>
+        <p:txBody>
+          <a:bodyPr vert="horz" lIns="91416" tIns="45708" rIns="91416" bIns="45708" rtlCol="0" anchor="ctr">
+            <a:noAutofit/>
+          </a:bodyPr>
+          <a:lstStyle/>
+          <a:p>
+            <a:pPr lvl="0" algn="r"/>
+            <a:r>
+              <a:rPr lang="en-US" sz="7998" dirty="0">
+                <a:solidFill>
+                  <a:schemeClr val="tx1"/>
+                </a:solidFill>
+                <a:effectLst/>
+              </a:rPr>
+              <a:t>”</a:t>
+            </a:r>
+          </a:p>
+        </p:txBody>
+      </p:sp>
+    </p:spTree>
+    <p:extLst>
+      <p:ext uri="{BB962C8B-B14F-4D97-AF65-F5344CB8AC3E}">
+        <p14:creationId xmlns:p14="http://schemas.microsoft.com/office/powerpoint/2010/main" val="3113466991"/>
+      </p:ext>
+    </p:extLst>
+  </p:cSld>
+  <p:clrMapOvr>
+    <a:masterClrMapping/>
+  </p:clrMapOvr>
+</p:sldLayout>
+</file>
+
+<file path=ppt/slideLayouts/slideLayout15.xml><?xml version="1.0" encoding="utf-8"?>
+<p:sldLayout xmlns:a="http://schemas.openxmlformats.org/drawingml/2006/main" xmlns:r="http://schemas.openxmlformats.org/officeDocument/2006/relationships" xmlns:p="http://schemas.openxmlformats.org/presentationml/2006/main" preserve="1">
+  <p:cSld name="True or False">
+    <p:spTree>
+      <p:nvGrpSpPr>
+        <p:cNvPr id="1" name=""/>
+        <p:cNvGrpSpPr/>
+        <p:nvPr/>
+      </p:nvGrpSpPr>
+      <p:grpSpPr>
+        <a:xfrm>
+          <a:off x="0" y="0"/>
+          <a:ext cx="0" cy="0"/>
+          <a:chOff x="0" y="0"/>
+          <a:chExt cx="0" cy="0"/>
+        </a:xfrm>
+      </p:grpSpPr>
+      <p:sp>
+        <p:nvSpPr>
+          <p:cNvPr id="2" name="Title 1"/>
+          <p:cNvSpPr>
+            <a:spLocks noGrp="1"/>
+          </p:cNvSpPr>
+          <p:nvPr>
+            <p:ph type="title"/>
+          </p:nvPr>
+        </p:nvSpPr>
+        <p:spPr>
+          <a:xfrm>
+            <a:off x="684035" y="685800"/>
+            <a:ext cx="10055781" cy="2743200"/>
+          </a:xfrm>
+        </p:spPr>
+        <p:txBody>
+          <a:bodyPr vert="horz" lIns="91440" tIns="45720" rIns="91440" bIns="45720" rtlCol="0" anchor="ctr">
+            <a:normAutofit/>
+          </a:bodyPr>
+          <a:lstStyle>
+            <a:lvl1pPr>
+              <a:defRPr lang="en-US" b="0" dirty="0"/>
+            </a:lvl1pPr>
+          </a:lstStyle>
+          <a:p>
+            <a:pPr marL="0" lvl="0"/>
+            <a:r>
+              <a:rPr lang="en-US"/>
+              <a:t>Click to edit Master title style</a:t>
+            </a:r>
+            <a:endParaRPr lang="en-US" dirty="0"/>
+          </a:p>
+        </p:txBody>
+      </p:sp>
+      <p:sp>
+        <p:nvSpPr>
+          <p:cNvPr id="10" name="Text Placeholder 9"/>
+          <p:cNvSpPr>
+            <a:spLocks noGrp="1"/>
+          </p:cNvSpPr>
+          <p:nvPr>
+            <p:ph type="body" sz="quarter" idx="13"/>
+          </p:nvPr>
+        </p:nvSpPr>
+        <p:spPr>
+          <a:xfrm>
+            <a:off x="684034" y="3928534"/>
+            <a:ext cx="8532178" cy="838200"/>
+          </a:xfrm>
+        </p:spPr>
+        <p:txBody>
+          <a:bodyPr vert="horz" lIns="91440" tIns="45720" rIns="91440" bIns="45720" rtlCol="0" anchor="b">
+            <a:normAutofit/>
+          </a:bodyPr>
+          <a:lstStyle>
+            <a:lvl1pPr>
+              <a:buNone/>
+              <a:defRPr lang="en-US" sz="2399" b="0" cap="all" dirty="0">
+                <a:ln w="3175" cmpd="sng">
+                  <a:noFill/>
+                </a:ln>
+                <a:solidFill>
+                  <a:schemeClr val="tx1"/>
+                </a:solidFill>
+                <a:effectLst/>
+              </a:defRPr>
+            </a:lvl1pPr>
+          </a:lstStyle>
+          <a:p>
+            <a:pPr marL="0" lvl="0">
+              <a:spcBef>
+                <a:spcPct val="0"/>
+              </a:spcBef>
+              <a:buNone/>
+            </a:pPr>
+            <a:r>
+              <a:rPr lang="en-US"/>
+              <a:t>Edit Master text styles</a:t>
+            </a:r>
+          </a:p>
+        </p:txBody>
+      </p:sp>
+      <p:sp>
+        <p:nvSpPr>
+          <p:cNvPr id="3" name="Text Placeholder 2"/>
+          <p:cNvSpPr>
+            <a:spLocks noGrp="1"/>
+          </p:cNvSpPr>
+          <p:nvPr>
+            <p:ph type="body" idx="1"/>
+          </p:nvPr>
+        </p:nvSpPr>
+        <p:spPr>
+          <a:xfrm>
+            <a:off x="684034" y="4766733"/>
+            <a:ext cx="8532178" cy="1227667"/>
+          </a:xfrm>
+        </p:spPr>
+        <p:txBody>
+          <a:bodyPr anchor="t">
+            <a:normAutofit/>
+          </a:bodyPr>
+          <a:lstStyle>
+            <a:lvl1pPr marL="0" indent="0" algn="l">
+              <a:buNone/>
+              <a:defRPr sz="1799">
+                <a:solidFill>
+                  <a:schemeClr val="bg2">
+                    <a:lumMod val="75000"/>
+                  </a:schemeClr>
+                </a:solidFill>
+              </a:defRPr>
+            </a:lvl1pPr>
+            <a:lvl2pPr marL="457063" indent="0">
+              <a:buNone/>
+              <a:defRPr sz="1799">
+                <a:solidFill>
+                  <a:schemeClr val="tx1">
+                    <a:tint val="75000"/>
+                  </a:schemeClr>
+                </a:solidFill>
+              </a:defRPr>
+            </a:lvl2pPr>
+            <a:lvl3pPr marL="914126" indent="0">
+              <a:buNone/>
+              <a:defRPr sz="1600">
+                <a:solidFill>
+                  <a:schemeClr val="tx1">
+                    <a:tint val="75000"/>
+                  </a:schemeClr>
+                </a:solidFill>
+              </a:defRPr>
+            </a:lvl3pPr>
+            <a:lvl4pPr marL="1371189" indent="0">
+              <a:buNone/>
+              <a:defRPr sz="1400">
+                <a:solidFill>
+                  <a:schemeClr val="tx1">
+                    <a:tint val="75000"/>
+                  </a:schemeClr>
+                </a:solidFill>
+              </a:defRPr>
+            </a:lvl4pPr>
+            <a:lvl5pPr marL="1828251" indent="0">
+              <a:buNone/>
+              <a:defRPr sz="1400">
+                <a:solidFill>
+                  <a:schemeClr val="tx1">
+                    <a:tint val="75000"/>
+                  </a:schemeClr>
+                </a:solidFill>
+              </a:defRPr>
+            </a:lvl5pPr>
+            <a:lvl6pPr marL="2285314" indent="0">
+              <a:buNone/>
+              <a:defRPr sz="1400">
+                <a:solidFill>
+                  <a:schemeClr val="tx1">
+                    <a:tint val="75000"/>
+                  </a:schemeClr>
+                </a:solidFill>
+              </a:defRPr>
+            </a:lvl6pPr>
+            <a:lvl7pPr marL="2742377" indent="0">
+              <a:buNone/>
+              <a:defRPr sz="1400">
+                <a:solidFill>
+                  <a:schemeClr val="tx1">
+                    <a:tint val="75000"/>
+                  </a:schemeClr>
+                </a:solidFill>
+              </a:defRPr>
+            </a:lvl7pPr>
+            <a:lvl8pPr marL="3199440" indent="0">
+              <a:buNone/>
+              <a:defRPr sz="1400">
+                <a:solidFill>
+                  <a:schemeClr val="tx1">
+                    <a:tint val="75000"/>
+                  </a:schemeClr>
+                </a:solidFill>
+              </a:defRPr>
+            </a:lvl8pPr>
+            <a:lvl9pPr marL="3656503" indent="0">
+              <a:buNone/>
+              <a:defRPr sz="1400">
+                <a:solidFill>
+                  <a:schemeClr val="tx1">
+                    <a:tint val="75000"/>
+                  </a:schemeClr>
+                </a:solidFill>
+              </a:defRPr>
+            </a:lvl9pPr>
+          </a:lstStyle>
+          <a:p>
+            <a:pPr lvl="0"/>
+            <a:r>
+              <a:rPr lang="en-US"/>
+              <a:t>Edit Master text styles</a:t>
+            </a:r>
+          </a:p>
+        </p:txBody>
+      </p:sp>
+      <p:sp>
+        <p:nvSpPr>
+          <p:cNvPr id="4" name="Date Placeholder 3"/>
+          <p:cNvSpPr>
+            <a:spLocks noGrp="1"/>
+          </p:cNvSpPr>
+          <p:nvPr>
+            <p:ph type="dt" sz="half" idx="10"/>
+          </p:nvPr>
+        </p:nvSpPr>
+        <p:spPr/>
+        <p:txBody>
+          <a:bodyPr/>
+          <a:lstStyle/>
+          <a:p>
+            <a:fld id="{03F41C87-7AD9-4845-A077-840E4A0F3F06}" type="datetimeFigureOut">
+              <a:rPr lang="en-US" smtClean="0"/>
+              <a:pPr/>
+              <a:t>12/19/2024</a:t>
+            </a:fld>
+            <a:endParaRPr lang="en-US"/>
+          </a:p>
+        </p:txBody>
+      </p:sp>
+      <p:sp>
+        <p:nvSpPr>
+          <p:cNvPr id="5" name="Footer Placeholder 4"/>
+          <p:cNvSpPr>
+            <a:spLocks noGrp="1"/>
+          </p:cNvSpPr>
+          <p:nvPr>
+            <p:ph type="ftr" sz="quarter" idx="11"/>
+          </p:nvPr>
+        </p:nvSpPr>
+        <p:spPr/>
+        <p:txBody>
+          <a:bodyPr/>
+          <a:lstStyle/>
+          <a:p>
+            <a:endParaRPr lang="en-US" dirty="0"/>
+          </a:p>
+        </p:txBody>
+      </p:sp>
+      <p:sp>
+        <p:nvSpPr>
+          <p:cNvPr id="6" name="Slide Number Placeholder 5"/>
+          <p:cNvSpPr>
+            <a:spLocks noGrp="1"/>
+          </p:cNvSpPr>
+          <p:nvPr>
+            <p:ph type="sldNum" sz="quarter" idx="12"/>
+          </p:nvPr>
+        </p:nvSpPr>
+        <p:spPr/>
+        <p:txBody>
+          <a:bodyPr/>
+          <a:lstStyle/>
+          <a:p>
+            <a:fld id="{2A013F82-EE5E-44EE-A61D-E31C6657F26F}" type="slidenum">
+              <a:rPr lang="en-US" smtClean="0"/>
+              <a:pPr/>
+              <a:t>‹#›</a:t>
+            </a:fld>
+            <a:endParaRPr lang="en-US"/>
+          </a:p>
+        </p:txBody>
+      </p:sp>
+    </p:spTree>
+    <p:extLst>
+      <p:ext uri="{BB962C8B-B14F-4D97-AF65-F5344CB8AC3E}">
+        <p14:creationId xmlns:p14="http://schemas.microsoft.com/office/powerpoint/2010/main" val="747479204"/>
+      </p:ext>
+    </p:extLst>
+  </p:cSld>
+  <p:clrMapOvr>
+    <a:masterClrMapping/>
+  </p:clrMapOvr>
+</p:sldLayout>
+</file>
+
+<file path=ppt/slideLayouts/slideLayout16.xml><?xml version="1.0" encoding="utf-8"?>
 <p:sldLayout xmlns:a="http://schemas.openxmlformats.org/drawingml/2006/main" xmlns:r="http://schemas.openxmlformats.org/officeDocument/2006/relationships" xmlns:p="http://schemas.openxmlformats.org/presentationml/2006/main" type="vertTx" preserve="1">
   <p:cSld name="Title and Vertical Text">
     <p:spTree>
@@ -894,13 +3182,17 @@
         <p:spPr/>
         <p:txBody>
           <a:bodyPr/>
-          <a:lstStyle/>
+          <a:lstStyle>
+            <a:lvl1pPr algn="l">
+              <a:defRPr/>
+            </a:lvl1pPr>
+          </a:lstStyle>
           <a:p>
             <a:r>
               <a:rPr lang="en-US"/>
               <a:t>Click to edit Master title style</a:t>
             </a:r>
-            <a:endParaRPr/>
+            <a:endParaRPr lang="en-US" dirty="0"/>
           </a:p>
         </p:txBody>
       </p:sp>
@@ -916,7 +3208,7 @@
         </p:nvSpPr>
         <p:spPr/>
         <p:txBody>
-          <a:bodyPr vert="eaVert"/>
+          <a:bodyPr vert="eaVert" anchor="t"/>
           <a:lstStyle/>
           <a:p>
             <a:pPr lvl="0"/>
@@ -952,18 +3244,18 @@
               <a:rPr lang="en-US"/>
               <a:t>Fifth level</a:t>
             </a:r>
-            <a:endParaRPr/>
-          </a:p>
-        </p:txBody>
-      </p:sp>
-      <p:sp>
-        <p:nvSpPr>
-          <p:cNvPr id="5" name="Footer Placeholder 4"/>
-          <p:cNvSpPr>
-            <a:spLocks noGrp="1"/>
-          </p:cNvSpPr>
-          <p:nvPr>
-            <p:ph type="ftr" sz="quarter" idx="11"/>
+            <a:endParaRPr lang="en-US" dirty="0"/>
+          </a:p>
+        </p:txBody>
+      </p:sp>
+      <p:sp>
+        <p:nvSpPr>
+          <p:cNvPr id="4" name="Date Placeholder 3"/>
+          <p:cNvSpPr>
+            <a:spLocks noGrp="1"/>
+          </p:cNvSpPr>
+          <p:nvPr>
+            <p:ph type="dt" sz="half" idx="10"/>
           </p:nvPr>
         </p:nvSpPr>
         <p:spPr/>
@@ -971,18 +3263,22 @@
           <a:bodyPr/>
           <a:lstStyle/>
           <a:p>
-            <a:endParaRPr/>
-          </a:p>
-        </p:txBody>
-      </p:sp>
-      <p:sp>
-        <p:nvSpPr>
-          <p:cNvPr id="4" name="Date Placeholder 3"/>
-          <p:cNvSpPr>
-            <a:spLocks noGrp="1"/>
-          </p:cNvSpPr>
-          <p:nvPr>
-            <p:ph type="dt" sz="half" idx="10"/>
+            <a:fld id="{03F41C87-7AD9-4845-A077-840E4A0F3F06}" type="datetimeFigureOut">
+              <a:rPr lang="en-US" smtClean="0"/>
+              <a:t>12/19/2024</a:t>
+            </a:fld>
+            <a:endParaRPr lang="en-US"/>
+          </a:p>
+        </p:txBody>
+      </p:sp>
+      <p:sp>
+        <p:nvSpPr>
+          <p:cNvPr id="5" name="Footer Placeholder 4"/>
+          <p:cNvSpPr>
+            <a:spLocks noGrp="1"/>
+          </p:cNvSpPr>
+          <p:nvPr>
+            <p:ph type="ftr" sz="quarter" idx="11"/>
           </p:nvPr>
         </p:nvSpPr>
         <p:spPr/>
@@ -990,11 +3286,7 @@
           <a:bodyPr/>
           <a:lstStyle/>
           <a:p>
-            <a:fld id="{03F41C87-7AD9-4845-A077-840E4A0F3F06}" type="datetimeFigureOut">
-              <a:rPr lang="en-US"/>
-              <a:t>12/12/2024</a:t>
-            </a:fld>
-            <a:endParaRPr/>
+            <a:endParaRPr lang="hu-HU"/>
           </a:p>
         </p:txBody>
       </p:sp>
@@ -1014,17 +3306,17 @@
           <a:lstStyle/>
           <a:p>
             <a:fld id="{2A013F82-EE5E-44EE-A61D-E31C6657F26F}" type="slidenum">
-              <a:rPr/>
+              <a:rPr lang="hu-HU" smtClean="0"/>
               <a:t>‹#›</a:t>
             </a:fld>
-            <a:endParaRPr/>
+            <a:endParaRPr lang="hu-HU"/>
           </a:p>
         </p:txBody>
       </p:sp>
     </p:spTree>
     <p:extLst>
       <p:ext uri="{BB962C8B-B14F-4D97-AF65-F5344CB8AC3E}">
-        <p14:creationId xmlns:p14="http://schemas.microsoft.com/office/powerpoint/2010/main" val="460095310"/>
+        <p14:creationId xmlns:p14="http://schemas.microsoft.com/office/powerpoint/2010/main" val="2738986210"/>
       </p:ext>
     </p:extLst>
   </p:cSld>
@@ -1046,7 +3338,7 @@
 </p:sldLayout>
 </file>
 
-<file path=ppt/slideLayouts/slideLayout11.xml><?xml version="1.0" encoding="utf-8"?>
+<file path=ppt/slideLayouts/slideLayout17.xml><?xml version="1.0" encoding="utf-8"?>
 <p:sldLayout xmlns:a="http://schemas.openxmlformats.org/drawingml/2006/main" xmlns:r="http://schemas.openxmlformats.org/officeDocument/2006/relationships" xmlns:p="http://schemas.openxmlformats.org/presentationml/2006/main" type="vertTitleAndTx" preserve="1">
   <p:cSld name="Vertical Title and Text">
     <p:spTree>
@@ -1075,8 +3367,8 @@
         </p:nvSpPr>
         <p:spPr>
           <a:xfrm>
-            <a:off x="9142412" y="381001"/>
-            <a:ext cx="1524001" cy="5638800"/>
+            <a:off x="8682950" y="685800"/>
+            <a:ext cx="2056864" cy="4572000"/>
           </a:xfrm>
         </p:spPr>
         <p:txBody>
@@ -1087,7 +3379,7 @@
               <a:rPr lang="en-US"/>
               <a:t>Click to edit Master title style</a:t>
             </a:r>
-            <a:endParaRPr/>
+            <a:endParaRPr lang="en-US" dirty="0"/>
           </a:p>
         </p:txBody>
       </p:sp>
@@ -1103,12 +3395,12 @@
         </p:nvSpPr>
         <p:spPr>
           <a:xfrm>
-            <a:off x="1522412" y="381001"/>
-            <a:ext cx="7391399" cy="5638800"/>
+            <a:off x="685621" y="685800"/>
+            <a:ext cx="7821163" cy="5308600"/>
           </a:xfrm>
         </p:spPr>
         <p:txBody>
-          <a:bodyPr vert="eaVert"/>
+          <a:bodyPr vert="eaVert" anchor="t"/>
           <a:lstStyle/>
           <a:p>
             <a:pPr lvl="0"/>
@@ -1144,18 +3436,18 @@
               <a:rPr lang="en-US"/>
               <a:t>Fifth level</a:t>
             </a:r>
-            <a:endParaRPr/>
-          </a:p>
-        </p:txBody>
-      </p:sp>
-      <p:sp>
-        <p:nvSpPr>
-          <p:cNvPr id="5" name="Footer Placeholder 4"/>
-          <p:cNvSpPr>
-            <a:spLocks noGrp="1"/>
-          </p:cNvSpPr>
-          <p:nvPr>
-            <p:ph type="ftr" sz="quarter" idx="11"/>
+            <a:endParaRPr lang="en-US" dirty="0"/>
+          </a:p>
+        </p:txBody>
+      </p:sp>
+      <p:sp>
+        <p:nvSpPr>
+          <p:cNvPr id="4" name="Date Placeholder 3"/>
+          <p:cNvSpPr>
+            <a:spLocks noGrp="1"/>
+          </p:cNvSpPr>
+          <p:nvPr>
+            <p:ph type="dt" sz="half" idx="10"/>
           </p:nvPr>
         </p:nvSpPr>
         <p:spPr/>
@@ -1163,18 +3455,22 @@
           <a:bodyPr/>
           <a:lstStyle/>
           <a:p>
-            <a:endParaRPr/>
-          </a:p>
-        </p:txBody>
-      </p:sp>
-      <p:sp>
-        <p:nvSpPr>
-          <p:cNvPr id="4" name="Date Placeholder 3"/>
-          <p:cNvSpPr>
-            <a:spLocks noGrp="1"/>
-          </p:cNvSpPr>
-          <p:nvPr>
-            <p:ph type="dt" sz="half" idx="10"/>
+            <a:fld id="{03F41C87-7AD9-4845-A077-840E4A0F3F06}" type="datetimeFigureOut">
+              <a:rPr lang="en-US" smtClean="0"/>
+              <a:t>12/19/2024</a:t>
+            </a:fld>
+            <a:endParaRPr lang="en-US"/>
+          </a:p>
+        </p:txBody>
+      </p:sp>
+      <p:sp>
+        <p:nvSpPr>
+          <p:cNvPr id="5" name="Footer Placeholder 4"/>
+          <p:cNvSpPr>
+            <a:spLocks noGrp="1"/>
+          </p:cNvSpPr>
+          <p:nvPr>
+            <p:ph type="ftr" sz="quarter" idx="11"/>
           </p:nvPr>
         </p:nvSpPr>
         <p:spPr/>
@@ -1182,11 +3478,7 @@
           <a:bodyPr/>
           <a:lstStyle/>
           <a:p>
-            <a:fld id="{03F41C87-7AD9-4845-A077-840E4A0F3F06}" type="datetimeFigureOut">
-              <a:rPr lang="en-US"/>
-              <a:t>12/12/2024</a:t>
-            </a:fld>
-            <a:endParaRPr/>
+            <a:endParaRPr lang="hu-HU"/>
           </a:p>
         </p:txBody>
       </p:sp>
@@ -1206,17 +3498,17 @@
           <a:lstStyle/>
           <a:p>
             <a:fld id="{2A013F82-EE5E-44EE-A61D-E31C6657F26F}" type="slidenum">
-              <a:rPr/>
+              <a:rPr lang="hu-HU" smtClean="0"/>
               <a:t>‹#›</a:t>
             </a:fld>
-            <a:endParaRPr/>
+            <a:endParaRPr lang="hu-HU"/>
           </a:p>
         </p:txBody>
       </p:sp>
     </p:spTree>
     <p:extLst>
       <p:ext uri="{BB962C8B-B14F-4D97-AF65-F5344CB8AC3E}">
-        <p14:creationId xmlns:p14="http://schemas.microsoft.com/office/powerpoint/2010/main" val="4079035419"/>
+        <p14:creationId xmlns:p14="http://schemas.microsoft.com/office/powerpoint/2010/main" val="1512291959"/>
       </p:ext>
     </p:extLst>
   </p:cSld>
@@ -1274,7 +3566,7 @@
               <a:rPr lang="en-US"/>
               <a:t>Click to edit Master title style</a:t>
             </a:r>
-            <a:endParaRPr/>
+            <a:endParaRPr lang="en-US" dirty="0"/>
           </a:p>
         </p:txBody>
       </p:sp>
@@ -1290,15 +3582,8 @@
         </p:nvSpPr>
         <p:spPr/>
         <p:txBody>
-          <a:bodyPr/>
-          <a:lstStyle>
-            <a:lvl5pPr>
-              <a:defRPr/>
-            </a:lvl5pPr>
-            <a:lvl6pPr>
-              <a:defRPr/>
-            </a:lvl6pPr>
-          </a:lstStyle>
+          <a:bodyPr anchor="ctr"/>
+          <a:lstStyle/>
           <a:p>
             <a:pPr lvl="0"/>
             <a:r>
@@ -1333,18 +3618,18 @@
               <a:rPr lang="en-US"/>
               <a:t>Fifth level</a:t>
             </a:r>
-            <a:endParaRPr/>
-          </a:p>
-        </p:txBody>
-      </p:sp>
-      <p:sp>
-        <p:nvSpPr>
-          <p:cNvPr id="5" name="Footer Placeholder 4"/>
-          <p:cNvSpPr>
-            <a:spLocks noGrp="1"/>
-          </p:cNvSpPr>
-          <p:nvPr>
-            <p:ph type="ftr" sz="quarter" idx="11"/>
+            <a:endParaRPr lang="en-US" dirty="0"/>
+          </a:p>
+        </p:txBody>
+      </p:sp>
+      <p:sp>
+        <p:nvSpPr>
+          <p:cNvPr id="4" name="Date Placeholder 3"/>
+          <p:cNvSpPr>
+            <a:spLocks noGrp="1"/>
+          </p:cNvSpPr>
+          <p:nvPr>
+            <p:ph type="dt" sz="half" idx="10"/>
           </p:nvPr>
         </p:nvSpPr>
         <p:spPr/>
@@ -1352,18 +3637,22 @@
           <a:bodyPr/>
           <a:lstStyle/>
           <a:p>
-            <a:endParaRPr dirty="0"/>
-          </a:p>
-        </p:txBody>
-      </p:sp>
-      <p:sp>
-        <p:nvSpPr>
-          <p:cNvPr id="4" name="Date Placeholder 3"/>
-          <p:cNvSpPr>
-            <a:spLocks noGrp="1"/>
-          </p:cNvSpPr>
-          <p:nvPr>
-            <p:ph type="dt" sz="half" idx="10"/>
+            <a:fld id="{03F41C87-7AD9-4845-A077-840E4A0F3F06}" type="datetimeFigureOut">
+              <a:rPr lang="en-US" smtClean="0"/>
+              <a:t>12/19/2024</a:t>
+            </a:fld>
+            <a:endParaRPr lang="en-US"/>
+          </a:p>
+        </p:txBody>
+      </p:sp>
+      <p:sp>
+        <p:nvSpPr>
+          <p:cNvPr id="5" name="Footer Placeholder 4"/>
+          <p:cNvSpPr>
+            <a:spLocks noGrp="1"/>
+          </p:cNvSpPr>
+          <p:nvPr>
+            <p:ph type="ftr" sz="quarter" idx="11"/>
           </p:nvPr>
         </p:nvSpPr>
         <p:spPr/>
@@ -1371,11 +3660,7 @@
           <a:bodyPr/>
           <a:lstStyle/>
           <a:p>
-            <a:fld id="{03F41C87-7AD9-4845-A077-840E4A0F3F06}" type="datetimeFigureOut">
-              <a:rPr lang="en-US"/>
-              <a:t>12/12/2024</a:t>
-            </a:fld>
-            <a:endParaRPr/>
+            <a:endParaRPr lang="hu-HU" dirty="0"/>
           </a:p>
         </p:txBody>
       </p:sp>
@@ -1395,17 +3680,17 @@
           <a:lstStyle/>
           <a:p>
             <a:fld id="{2A013F82-EE5E-44EE-A61D-E31C6657F26F}" type="slidenum">
-              <a:rPr/>
+              <a:rPr lang="hu-HU" smtClean="0"/>
               <a:t>‹#›</a:t>
             </a:fld>
-            <a:endParaRPr/>
+            <a:endParaRPr lang="hu-HU"/>
           </a:p>
         </p:txBody>
       </p:sp>
     </p:spTree>
     <p:extLst>
       <p:ext uri="{BB962C8B-B14F-4D97-AF65-F5344CB8AC3E}">
-        <p14:creationId xmlns:p14="http://schemas.microsoft.com/office/powerpoint/2010/main" val="2738254095"/>
+        <p14:creationId xmlns:p14="http://schemas.microsoft.com/office/powerpoint/2010/main" val="686773013"/>
       </p:ext>
     </p:extLst>
   </p:cSld>
@@ -1430,20 +3715,6 @@
 <file path=ppt/slideLayouts/slideLayout3.xml><?xml version="1.0" encoding="utf-8"?>
 <p:sldLayout xmlns:a="http://schemas.openxmlformats.org/drawingml/2006/main" xmlns:r="http://schemas.openxmlformats.org/officeDocument/2006/relationships" xmlns:p="http://schemas.openxmlformats.org/presentationml/2006/main" type="secHead" preserve="1">
   <p:cSld name="Section Header">
-    <p:bg>
-      <p:bgPr>
-        <a:blipFill dpi="0" rotWithShape="1">
-          <a:blip r:embed="rId2">
-            <a:lum/>
-          </a:blip>
-          <a:srcRect/>
-          <a:stretch>
-            <a:fillRect/>
-          </a:stretch>
-        </a:blipFill>
-        <a:effectLst/>
-      </p:bgPr>
-    </p:bg>
     <p:spTree>
       <p:nvGrpSpPr>
         <p:cNvPr id="1" name=""/>
@@ -1470,8 +3741,8 @@
         </p:nvSpPr>
         <p:spPr>
           <a:xfrm>
-            <a:off x="1059614" y="2514600"/>
-            <a:ext cx="8692399" cy="2819400"/>
+            <a:off x="684034" y="2006600"/>
+            <a:ext cx="8532178" cy="2281600"/>
           </a:xfrm>
         </p:spPr>
         <p:txBody>
@@ -1480,10 +3751,7 @@
           </a:bodyPr>
           <a:lstStyle>
             <a:lvl1pPr algn="l">
-              <a:lnSpc>
-                <a:spcPct val="80000"/>
-              </a:lnSpc>
-              <a:defRPr sz="4800" b="0" cap="none" baseline="0"/>
+              <a:defRPr sz="3599" b="0" cap="all"/>
             </a:lvl1pPr>
           </a:lstStyle>
           <a:p>
@@ -1491,7 +3759,7 @@
               <a:rPr lang="en-US"/>
               <a:t>Click to edit Master title style</a:t>
             </a:r>
-            <a:endParaRPr/>
+            <a:endParaRPr lang="en-US" dirty="0"/>
           </a:p>
         </p:txBody>
       </p:sp>
@@ -1507,8 +3775,8 @@
         </p:nvSpPr>
         <p:spPr>
           <a:xfrm>
-            <a:off x="1065213" y="5410200"/>
-            <a:ext cx="8687333" cy="609601"/>
+            <a:off x="684035" y="4495800"/>
+            <a:ext cx="8532178" cy="1498600"/>
           </a:xfrm>
         </p:spPr>
         <p:txBody>
@@ -1516,20 +3784,19 @@
             <a:normAutofit/>
           </a:bodyPr>
           <a:lstStyle>
-            <a:lvl1pPr marL="0" indent="0">
-              <a:spcBef>
-                <a:spcPts val="0"/>
-              </a:spcBef>
-              <a:buNone/>
-              <a:defRPr sz="2000" cap="all" spc="200" baseline="0">
+            <a:lvl1pPr marL="0" indent="0" algn="l">
+              <a:buNone/>
+              <a:defRPr sz="1799">
                 <a:solidFill>
-                  <a:schemeClr val="accent1"/>
+                  <a:schemeClr val="bg2">
+                    <a:lumMod val="75000"/>
+                  </a:schemeClr>
                 </a:solidFill>
               </a:defRPr>
             </a:lvl1pPr>
-            <a:lvl2pPr marL="457200" indent="0">
-              <a:buNone/>
-              <a:defRPr sz="1800">
+            <a:lvl2pPr marL="457063" indent="0">
+              <a:buNone/>
+              <a:defRPr sz="1799">
                 <a:solidFill>
                   <a:schemeClr val="tx1">
                     <a:tint val="75000"/>
@@ -1537,7 +3804,7 @@
                 </a:solidFill>
               </a:defRPr>
             </a:lvl2pPr>
-            <a:lvl3pPr marL="914400" indent="0">
+            <a:lvl3pPr marL="914126" indent="0">
               <a:buNone/>
               <a:defRPr sz="1600">
                 <a:solidFill>
@@ -1547,7 +3814,7 @@
                 </a:solidFill>
               </a:defRPr>
             </a:lvl3pPr>
-            <a:lvl4pPr marL="1371600" indent="0">
+            <a:lvl4pPr marL="1371189" indent="0">
               <a:buNone/>
               <a:defRPr sz="1400">
                 <a:solidFill>
@@ -1557,7 +3824,7 @@
                 </a:solidFill>
               </a:defRPr>
             </a:lvl4pPr>
-            <a:lvl5pPr marL="1828800" indent="0">
+            <a:lvl5pPr marL="1828251" indent="0">
               <a:buNone/>
               <a:defRPr sz="1400">
                 <a:solidFill>
@@ -1567,7 +3834,7 @@
                 </a:solidFill>
               </a:defRPr>
             </a:lvl5pPr>
-            <a:lvl6pPr marL="2286000" indent="0">
+            <a:lvl6pPr marL="2285314" indent="0">
               <a:buNone/>
               <a:defRPr sz="1400">
                 <a:solidFill>
@@ -1577,7 +3844,7 @@
                 </a:solidFill>
               </a:defRPr>
             </a:lvl6pPr>
-            <a:lvl7pPr marL="2743200" indent="0">
+            <a:lvl7pPr marL="2742377" indent="0">
               <a:buNone/>
               <a:defRPr sz="1400">
                 <a:solidFill>
@@ -1587,7 +3854,7 @@
                 </a:solidFill>
               </a:defRPr>
             </a:lvl7pPr>
-            <a:lvl8pPr marL="3200400" indent="0">
+            <a:lvl8pPr marL="3199440" indent="0">
               <a:buNone/>
               <a:defRPr sz="1400">
                 <a:solidFill>
@@ -1597,7 +3864,7 @@
                 </a:solidFill>
               </a:defRPr>
             </a:lvl8pPr>
-            <a:lvl9pPr marL="3657600" indent="0">
+            <a:lvl9pPr marL="3656503" indent="0">
               <a:buNone/>
               <a:defRPr sz="1400">
                 <a:solidFill>
@@ -1619,12 +3886,12 @@
       </p:sp>
       <p:sp>
         <p:nvSpPr>
-          <p:cNvPr id="5" name="Footer Placeholder 4"/>
-          <p:cNvSpPr>
-            <a:spLocks noGrp="1"/>
-          </p:cNvSpPr>
-          <p:nvPr>
-            <p:ph type="ftr" sz="quarter" idx="11"/>
+          <p:cNvPr id="4" name="Date Placeholder 3"/>
+          <p:cNvSpPr>
+            <a:spLocks noGrp="1"/>
+          </p:cNvSpPr>
+          <p:nvPr>
+            <p:ph type="dt" sz="half" idx="10"/>
           </p:nvPr>
         </p:nvSpPr>
         <p:spPr/>
@@ -1632,18 +3899,22 @@
           <a:bodyPr/>
           <a:lstStyle/>
           <a:p>
-            <a:endParaRPr dirty="0"/>
-          </a:p>
-        </p:txBody>
-      </p:sp>
-      <p:sp>
-        <p:nvSpPr>
-          <p:cNvPr id="4" name="Date Placeholder 3"/>
-          <p:cNvSpPr>
-            <a:spLocks noGrp="1"/>
-          </p:cNvSpPr>
-          <p:nvPr>
-            <p:ph type="dt" sz="half" idx="10"/>
+            <a:fld id="{03F41C87-7AD9-4845-A077-840E4A0F3F06}" type="datetimeFigureOut">
+              <a:rPr lang="en-US" smtClean="0"/>
+              <a:t>12/19/2024</a:t>
+            </a:fld>
+            <a:endParaRPr lang="en-US"/>
+          </a:p>
+        </p:txBody>
+      </p:sp>
+      <p:sp>
+        <p:nvSpPr>
+          <p:cNvPr id="5" name="Footer Placeholder 4"/>
+          <p:cNvSpPr>
+            <a:spLocks noGrp="1"/>
+          </p:cNvSpPr>
+          <p:nvPr>
+            <p:ph type="ftr" sz="quarter" idx="11"/>
           </p:nvPr>
         </p:nvSpPr>
         <p:spPr/>
@@ -1651,11 +3922,7 @@
           <a:bodyPr/>
           <a:lstStyle/>
           <a:p>
-            <a:fld id="{03F41C87-7AD9-4845-A077-840E4A0F3F06}" type="datetimeFigureOut">
-              <a:rPr lang="en-US"/>
-              <a:t>12/12/2024</a:t>
-            </a:fld>
-            <a:endParaRPr/>
+            <a:endParaRPr lang="hu-HU" dirty="0"/>
           </a:p>
         </p:txBody>
       </p:sp>
@@ -1675,17 +3942,17 @@
           <a:lstStyle/>
           <a:p>
             <a:fld id="{2A013F82-EE5E-44EE-A61D-E31C6657F26F}" type="slidenum">
-              <a:rPr/>
+              <a:rPr lang="hu-HU" smtClean="0"/>
               <a:t>‹#›</a:t>
             </a:fld>
-            <a:endParaRPr/>
+            <a:endParaRPr lang="hu-HU"/>
           </a:p>
         </p:txBody>
       </p:sp>
     </p:spTree>
     <p:extLst>
       <p:ext uri="{BB962C8B-B14F-4D97-AF65-F5344CB8AC3E}">
-        <p14:creationId xmlns:p14="http://schemas.microsoft.com/office/powerpoint/2010/main" val="1761813311"/>
+        <p14:creationId xmlns:p14="http://schemas.microsoft.com/office/powerpoint/2010/main" val="1259451105"/>
       </p:ext>
     </p:extLst>
   </p:cSld>
@@ -1743,7 +4010,7 @@
               <a:rPr lang="en-US"/>
               <a:t>Click to edit Master title style</a:t>
             </a:r>
-            <a:endParaRPr/>
+            <a:endParaRPr lang="en-US" dirty="0"/>
           </a:p>
         </p:txBody>
       </p:sp>
@@ -1759,43 +4026,15 @@
         </p:nvSpPr>
         <p:spPr>
           <a:xfrm>
-            <a:off x="1504781" y="1905001"/>
-            <a:ext cx="4419599" cy="4114800"/>
+            <a:off x="684033" y="685801"/>
+            <a:ext cx="4936369" cy="3615267"/>
           </a:xfrm>
         </p:spPr>
         <p:txBody>
           <a:bodyPr>
             <a:normAutofit/>
           </a:bodyPr>
-          <a:lstStyle>
-            <a:lvl1pPr>
-              <a:defRPr sz="2400"/>
-            </a:lvl1pPr>
-            <a:lvl2pPr>
-              <a:defRPr sz="2000"/>
-            </a:lvl2pPr>
-            <a:lvl3pPr>
-              <a:defRPr sz="1800"/>
-            </a:lvl3pPr>
-            <a:lvl4pPr>
-              <a:defRPr sz="1600"/>
-            </a:lvl4pPr>
-            <a:lvl5pPr>
-              <a:defRPr sz="1600"/>
-            </a:lvl5pPr>
-            <a:lvl6pPr>
-              <a:defRPr sz="1600"/>
-            </a:lvl6pPr>
-            <a:lvl7pPr>
-              <a:defRPr sz="1600"/>
-            </a:lvl7pPr>
-            <a:lvl8pPr>
-              <a:defRPr sz="1600"/>
-            </a:lvl8pPr>
-            <a:lvl9pPr>
-              <a:defRPr sz="1600"/>
-            </a:lvl9pPr>
-          </a:lstStyle>
+          <a:lstStyle/>
           <a:p>
             <a:pPr lvl="0"/>
             <a:r>
@@ -1830,7 +4069,7 @@
               <a:rPr lang="en-US"/>
               <a:t>Fifth level</a:t>
             </a:r>
-            <a:endParaRPr/>
+            <a:endParaRPr lang="en-US" dirty="0"/>
           </a:p>
         </p:txBody>
       </p:sp>
@@ -1846,43 +4085,15 @@
         </p:nvSpPr>
         <p:spPr>
           <a:xfrm>
-            <a:off x="6229183" y="1905001"/>
-            <a:ext cx="4419600" cy="4114800"/>
+            <a:off x="5806621" y="685801"/>
+            <a:ext cx="4933194" cy="3615266"/>
           </a:xfrm>
         </p:spPr>
         <p:txBody>
           <a:bodyPr>
             <a:normAutofit/>
           </a:bodyPr>
-          <a:lstStyle>
-            <a:lvl1pPr>
-              <a:defRPr sz="2400"/>
-            </a:lvl1pPr>
-            <a:lvl2pPr>
-              <a:defRPr sz="2000"/>
-            </a:lvl2pPr>
-            <a:lvl3pPr>
-              <a:defRPr sz="1800"/>
-            </a:lvl3pPr>
-            <a:lvl4pPr>
-              <a:defRPr sz="1600"/>
-            </a:lvl4pPr>
-            <a:lvl5pPr>
-              <a:defRPr sz="1600"/>
-            </a:lvl5pPr>
-            <a:lvl6pPr>
-              <a:defRPr sz="1600"/>
-            </a:lvl6pPr>
-            <a:lvl7pPr>
-              <a:defRPr sz="1600"/>
-            </a:lvl7pPr>
-            <a:lvl8pPr>
-              <a:defRPr sz="1600"/>
-            </a:lvl8pPr>
-            <a:lvl9pPr>
-              <a:defRPr sz="1600"/>
-            </a:lvl9pPr>
-          </a:lstStyle>
+          <a:lstStyle/>
           <a:p>
             <a:pPr lvl="0"/>
             <a:r>
@@ -1917,18 +4128,18 @@
               <a:rPr lang="en-US"/>
               <a:t>Fifth level</a:t>
             </a:r>
-            <a:endParaRPr/>
-          </a:p>
-        </p:txBody>
-      </p:sp>
-      <p:sp>
-        <p:nvSpPr>
-          <p:cNvPr id="6" name="Footer Placeholder 5"/>
-          <p:cNvSpPr>
-            <a:spLocks noGrp="1"/>
-          </p:cNvSpPr>
-          <p:nvPr>
-            <p:ph type="ftr" sz="quarter" idx="11"/>
+            <a:endParaRPr lang="en-US" dirty="0"/>
+          </a:p>
+        </p:txBody>
+      </p:sp>
+      <p:sp>
+        <p:nvSpPr>
+          <p:cNvPr id="5" name="Date Placeholder 4"/>
+          <p:cNvSpPr>
+            <a:spLocks noGrp="1"/>
+          </p:cNvSpPr>
+          <p:nvPr>
+            <p:ph type="dt" sz="half" idx="10"/>
           </p:nvPr>
         </p:nvSpPr>
         <p:spPr/>
@@ -1936,18 +4147,22 @@
           <a:bodyPr/>
           <a:lstStyle/>
           <a:p>
-            <a:endParaRPr dirty="0"/>
-          </a:p>
-        </p:txBody>
-      </p:sp>
-      <p:sp>
-        <p:nvSpPr>
-          <p:cNvPr id="5" name="Date Placeholder 4"/>
-          <p:cNvSpPr>
-            <a:spLocks noGrp="1"/>
-          </p:cNvSpPr>
-          <p:nvPr>
-            <p:ph type="dt" sz="half" idx="10"/>
+            <a:fld id="{03F41C87-7AD9-4845-A077-840E4A0F3F06}" type="datetimeFigureOut">
+              <a:rPr lang="en-US" smtClean="0"/>
+              <a:t>12/19/2024</a:t>
+            </a:fld>
+            <a:endParaRPr lang="en-US"/>
+          </a:p>
+        </p:txBody>
+      </p:sp>
+      <p:sp>
+        <p:nvSpPr>
+          <p:cNvPr id="6" name="Footer Placeholder 5"/>
+          <p:cNvSpPr>
+            <a:spLocks noGrp="1"/>
+          </p:cNvSpPr>
+          <p:nvPr>
+            <p:ph type="ftr" sz="quarter" idx="11"/>
           </p:nvPr>
         </p:nvSpPr>
         <p:spPr/>
@@ -1955,11 +4170,7 @@
           <a:bodyPr/>
           <a:lstStyle/>
           <a:p>
-            <a:fld id="{03F41C87-7AD9-4845-A077-840E4A0F3F06}" type="datetimeFigureOut">
-              <a:rPr lang="en-US"/>
-              <a:t>12/12/2024</a:t>
-            </a:fld>
-            <a:endParaRPr/>
+            <a:endParaRPr lang="hu-HU" dirty="0"/>
           </a:p>
         </p:txBody>
       </p:sp>
@@ -1979,17 +4190,17 @@
           <a:lstStyle/>
           <a:p>
             <a:fld id="{2A013F82-EE5E-44EE-A61D-E31C6657F26F}" type="slidenum">
-              <a:rPr/>
+              <a:rPr lang="hu-HU" smtClean="0"/>
               <a:t>‹#›</a:t>
             </a:fld>
-            <a:endParaRPr/>
+            <a:endParaRPr lang="hu-HU"/>
           </a:p>
         </p:txBody>
       </p:sp>
     </p:spTree>
     <p:extLst>
       <p:ext uri="{BB962C8B-B14F-4D97-AF65-F5344CB8AC3E}">
-        <p14:creationId xmlns:p14="http://schemas.microsoft.com/office/powerpoint/2010/main" val="2825340762"/>
+        <p14:creationId xmlns:p14="http://schemas.microsoft.com/office/powerpoint/2010/main" val="2601829618"/>
       </p:ext>
     </p:extLst>
   </p:cSld>
@@ -2051,7 +4262,7 @@
               <a:rPr lang="en-US"/>
               <a:t>Click to edit Master title style</a:t>
             </a:r>
-            <a:endParaRPr/>
+            <a:endParaRPr lang="en-US" dirty="0"/>
           </a:p>
         </p:txBody>
       </p:sp>
@@ -2067,55 +4278,52 @@
         </p:nvSpPr>
         <p:spPr>
           <a:xfrm>
-            <a:off x="1522411" y="1905000"/>
-            <a:ext cx="4416552" cy="762000"/>
+            <a:off x="971827" y="685800"/>
+            <a:ext cx="4648576" cy="576262"/>
           </a:xfrm>
         </p:spPr>
         <p:txBody>
-          <a:bodyPr anchor="ctr">
+          <a:bodyPr anchor="b">
             <a:noAutofit/>
           </a:bodyPr>
           <a:lstStyle>
             <a:lvl1pPr marL="0" indent="0">
-              <a:spcBef>
-                <a:spcPts val="0"/>
-              </a:spcBef>
-              <a:buNone/>
-              <a:defRPr sz="2000" b="0" cap="all" spc="200" baseline="0">
+              <a:buNone/>
+              <a:defRPr sz="2799" b="0">
                 <a:solidFill>
-                  <a:schemeClr val="accent1"/>
+                  <a:schemeClr val="tx1"/>
                 </a:solidFill>
               </a:defRPr>
             </a:lvl1pPr>
-            <a:lvl2pPr marL="457200" indent="0">
-              <a:buNone/>
-              <a:defRPr sz="2000" b="1"/>
+            <a:lvl2pPr marL="457063" indent="0">
+              <a:buNone/>
+              <a:defRPr sz="1999" b="1"/>
             </a:lvl2pPr>
-            <a:lvl3pPr marL="914400" indent="0">
-              <a:buNone/>
-              <a:defRPr sz="1800" b="1"/>
+            <a:lvl3pPr marL="914126" indent="0">
+              <a:buNone/>
+              <a:defRPr sz="1799" b="1"/>
             </a:lvl3pPr>
-            <a:lvl4pPr marL="1371600" indent="0">
+            <a:lvl4pPr marL="1371189" indent="0">
               <a:buNone/>
               <a:defRPr sz="1600" b="1"/>
             </a:lvl4pPr>
-            <a:lvl5pPr marL="1828800" indent="0">
+            <a:lvl5pPr marL="1828251" indent="0">
               <a:buNone/>
               <a:defRPr sz="1600" b="1"/>
             </a:lvl5pPr>
-            <a:lvl6pPr marL="2286000" indent="0">
+            <a:lvl6pPr marL="2285314" indent="0">
               <a:buNone/>
               <a:defRPr sz="1600" b="1"/>
             </a:lvl6pPr>
-            <a:lvl7pPr marL="2743200" indent="0">
+            <a:lvl7pPr marL="2742377" indent="0">
               <a:buNone/>
               <a:defRPr sz="1600" b="1"/>
             </a:lvl7pPr>
-            <a:lvl8pPr marL="3200400" indent="0">
+            <a:lvl8pPr marL="3199440" indent="0">
               <a:buNone/>
               <a:defRPr sz="1600" b="1"/>
             </a:lvl8pPr>
-            <a:lvl9pPr marL="3657600" indent="0">
+            <a:lvl9pPr marL="3656503" indent="0">
               <a:buNone/>
               <a:defRPr sz="1600" b="1"/>
             </a:lvl9pPr>
@@ -2141,43 +4349,15 @@
         </p:nvSpPr>
         <p:spPr>
           <a:xfrm>
-            <a:off x="1522411" y="2743201"/>
-            <a:ext cx="4416552" cy="3276600"/>
+            <a:off x="684033" y="1270529"/>
+            <a:ext cx="4936369" cy="3030538"/>
           </a:xfrm>
         </p:spPr>
         <p:txBody>
-          <a:bodyPr>
+          <a:bodyPr anchor="t">
             <a:normAutofit/>
           </a:bodyPr>
-          <a:lstStyle>
-            <a:lvl1pPr>
-              <a:defRPr sz="2400"/>
-            </a:lvl1pPr>
-            <a:lvl2pPr>
-              <a:defRPr sz="2000"/>
-            </a:lvl2pPr>
-            <a:lvl3pPr>
-              <a:defRPr sz="1800"/>
-            </a:lvl3pPr>
-            <a:lvl4pPr>
-              <a:defRPr sz="1600"/>
-            </a:lvl4pPr>
-            <a:lvl5pPr>
-              <a:defRPr sz="1600"/>
-            </a:lvl5pPr>
-            <a:lvl6pPr>
-              <a:defRPr sz="1600"/>
-            </a:lvl6pPr>
-            <a:lvl7pPr>
-              <a:defRPr sz="1600"/>
-            </a:lvl7pPr>
-            <a:lvl8pPr>
-              <a:defRPr sz="1600"/>
-            </a:lvl8pPr>
-            <a:lvl9pPr>
-              <a:defRPr sz="1600"/>
-            </a:lvl9pPr>
-          </a:lstStyle>
+          <a:lstStyle/>
           <a:p>
             <a:pPr lvl="0"/>
             <a:r>
@@ -2212,7 +4392,7 @@
               <a:rPr lang="en-US"/>
               <a:t>Fifth level</a:t>
             </a:r>
-            <a:endParaRPr/>
+            <a:endParaRPr lang="en-US" dirty="0"/>
           </a:p>
         </p:txBody>
       </p:sp>
@@ -2228,55 +4408,52 @@
         </p:nvSpPr>
         <p:spPr>
           <a:xfrm>
-            <a:off x="6249861" y="1905000"/>
-            <a:ext cx="4416552" cy="762000"/>
+            <a:off x="6077483" y="685800"/>
+            <a:ext cx="4663919" cy="576262"/>
           </a:xfrm>
         </p:spPr>
         <p:txBody>
-          <a:bodyPr anchor="ctr">
+          <a:bodyPr anchor="b">
             <a:noAutofit/>
           </a:bodyPr>
           <a:lstStyle>
             <a:lvl1pPr marL="0" indent="0">
-              <a:spcBef>
-                <a:spcPts val="0"/>
-              </a:spcBef>
-              <a:buNone/>
-              <a:defRPr sz="2000" b="0" cap="all" spc="200" baseline="0">
+              <a:buNone/>
+              <a:defRPr sz="2799" b="0">
                 <a:solidFill>
-                  <a:schemeClr val="accent1"/>
+                  <a:schemeClr val="tx1"/>
                 </a:solidFill>
               </a:defRPr>
             </a:lvl1pPr>
-            <a:lvl2pPr marL="457200" indent="0">
-              <a:buNone/>
-              <a:defRPr sz="2000" b="1"/>
+            <a:lvl2pPr marL="457063" indent="0">
+              <a:buNone/>
+              <a:defRPr sz="1999" b="1"/>
             </a:lvl2pPr>
-            <a:lvl3pPr marL="914400" indent="0">
-              <a:buNone/>
-              <a:defRPr sz="1800" b="1"/>
+            <a:lvl3pPr marL="914126" indent="0">
+              <a:buNone/>
+              <a:defRPr sz="1799" b="1"/>
             </a:lvl3pPr>
-            <a:lvl4pPr marL="1371600" indent="0">
+            <a:lvl4pPr marL="1371189" indent="0">
               <a:buNone/>
               <a:defRPr sz="1600" b="1"/>
             </a:lvl4pPr>
-            <a:lvl5pPr marL="1828800" indent="0">
+            <a:lvl5pPr marL="1828251" indent="0">
               <a:buNone/>
               <a:defRPr sz="1600" b="1"/>
             </a:lvl5pPr>
-            <a:lvl6pPr marL="2286000" indent="0">
+            <a:lvl6pPr marL="2285314" indent="0">
               <a:buNone/>
               <a:defRPr sz="1600" b="1"/>
             </a:lvl6pPr>
-            <a:lvl7pPr marL="2743200" indent="0">
+            <a:lvl7pPr marL="2742377" indent="0">
               <a:buNone/>
               <a:defRPr sz="1600" b="1"/>
             </a:lvl7pPr>
-            <a:lvl8pPr marL="3200400" indent="0">
+            <a:lvl8pPr marL="3199440" indent="0">
               <a:buNone/>
               <a:defRPr sz="1600" b="1"/>
             </a:lvl8pPr>
-            <a:lvl9pPr marL="3657600" indent="0">
+            <a:lvl9pPr marL="3656503" indent="0">
               <a:buNone/>
               <a:defRPr sz="1600" b="1"/>
             </a:lvl9pPr>
@@ -2302,43 +4479,15 @@
         </p:nvSpPr>
         <p:spPr>
           <a:xfrm>
-            <a:off x="6249861" y="2743201"/>
-            <a:ext cx="4416552" cy="3276600"/>
+            <a:off x="5805033" y="1262062"/>
+            <a:ext cx="4927904" cy="3030538"/>
           </a:xfrm>
         </p:spPr>
         <p:txBody>
-          <a:bodyPr>
+          <a:bodyPr anchor="t">
             <a:normAutofit/>
           </a:bodyPr>
-          <a:lstStyle>
-            <a:lvl1pPr>
-              <a:defRPr sz="2400"/>
-            </a:lvl1pPr>
-            <a:lvl2pPr>
-              <a:defRPr sz="2000"/>
-            </a:lvl2pPr>
-            <a:lvl3pPr>
-              <a:defRPr sz="1800"/>
-            </a:lvl3pPr>
-            <a:lvl4pPr>
-              <a:defRPr sz="1600"/>
-            </a:lvl4pPr>
-            <a:lvl5pPr>
-              <a:defRPr sz="1600"/>
-            </a:lvl5pPr>
-            <a:lvl6pPr>
-              <a:defRPr sz="1600"/>
-            </a:lvl6pPr>
-            <a:lvl7pPr>
-              <a:defRPr sz="1600"/>
-            </a:lvl7pPr>
-            <a:lvl8pPr>
-              <a:defRPr sz="1600"/>
-            </a:lvl8pPr>
-            <a:lvl9pPr>
-              <a:defRPr sz="1600"/>
-            </a:lvl9pPr>
-          </a:lstStyle>
+          <a:lstStyle/>
           <a:p>
             <a:pPr lvl="0"/>
             <a:r>
@@ -2373,18 +4522,18 @@
               <a:rPr lang="en-US"/>
               <a:t>Fifth level</a:t>
             </a:r>
-            <a:endParaRPr/>
-          </a:p>
-        </p:txBody>
-      </p:sp>
-      <p:sp>
-        <p:nvSpPr>
-          <p:cNvPr id="8" name="Footer Placeholder 7"/>
-          <p:cNvSpPr>
-            <a:spLocks noGrp="1"/>
-          </p:cNvSpPr>
-          <p:nvPr>
-            <p:ph type="ftr" sz="quarter" idx="11"/>
+            <a:endParaRPr lang="en-US" dirty="0"/>
+          </a:p>
+        </p:txBody>
+      </p:sp>
+      <p:sp>
+        <p:nvSpPr>
+          <p:cNvPr id="7" name="Date Placeholder 6"/>
+          <p:cNvSpPr>
+            <a:spLocks noGrp="1"/>
+          </p:cNvSpPr>
+          <p:nvPr>
+            <p:ph type="dt" sz="half" idx="10"/>
           </p:nvPr>
         </p:nvSpPr>
         <p:spPr/>
@@ -2392,18 +4541,22 @@
           <a:bodyPr/>
           <a:lstStyle/>
           <a:p>
-            <a:endParaRPr dirty="0"/>
-          </a:p>
-        </p:txBody>
-      </p:sp>
-      <p:sp>
-        <p:nvSpPr>
-          <p:cNvPr id="7" name="Date Placeholder 6"/>
-          <p:cNvSpPr>
-            <a:spLocks noGrp="1"/>
-          </p:cNvSpPr>
-          <p:nvPr>
-            <p:ph type="dt" sz="half" idx="10"/>
+            <a:fld id="{03F41C87-7AD9-4845-A077-840E4A0F3F06}" type="datetimeFigureOut">
+              <a:rPr lang="en-US" smtClean="0"/>
+              <a:t>12/19/2024</a:t>
+            </a:fld>
+            <a:endParaRPr lang="en-US"/>
+          </a:p>
+        </p:txBody>
+      </p:sp>
+      <p:sp>
+        <p:nvSpPr>
+          <p:cNvPr id="8" name="Footer Placeholder 7"/>
+          <p:cNvSpPr>
+            <a:spLocks noGrp="1"/>
+          </p:cNvSpPr>
+          <p:nvPr>
+            <p:ph type="ftr" sz="quarter" idx="11"/>
           </p:nvPr>
         </p:nvSpPr>
         <p:spPr/>
@@ -2411,11 +4564,7 @@
           <a:bodyPr/>
           <a:lstStyle/>
           <a:p>
-            <a:fld id="{03F41C87-7AD9-4845-A077-840E4A0F3F06}" type="datetimeFigureOut">
-              <a:rPr lang="en-US"/>
-              <a:t>12/12/2024</a:t>
-            </a:fld>
-            <a:endParaRPr/>
+            <a:endParaRPr lang="hu-HU" dirty="0"/>
           </a:p>
         </p:txBody>
       </p:sp>
@@ -2435,17 +4584,17 @@
           <a:lstStyle/>
           <a:p>
             <a:fld id="{2A013F82-EE5E-44EE-A61D-E31C6657F26F}" type="slidenum">
-              <a:rPr/>
+              <a:rPr lang="hu-HU" smtClean="0"/>
               <a:t>‹#›</a:t>
             </a:fld>
-            <a:endParaRPr/>
+            <a:endParaRPr lang="hu-HU"/>
           </a:p>
         </p:txBody>
       </p:sp>
     </p:spTree>
     <p:extLst>
       <p:ext uri="{BB962C8B-B14F-4D97-AF65-F5344CB8AC3E}">
-        <p14:creationId xmlns:p14="http://schemas.microsoft.com/office/powerpoint/2010/main" val="4208419506"/>
+        <p14:creationId xmlns:p14="http://schemas.microsoft.com/office/powerpoint/2010/main" val="3061651756"/>
       </p:ext>
     </p:extLst>
   </p:cSld>
@@ -2503,18 +4652,18 @@
               <a:rPr lang="en-US"/>
               <a:t>Click to edit Master title style</a:t>
             </a:r>
-            <a:endParaRPr/>
-          </a:p>
-        </p:txBody>
-      </p:sp>
-      <p:sp>
-        <p:nvSpPr>
-          <p:cNvPr id="4" name="Footer Placeholder 3"/>
-          <p:cNvSpPr>
-            <a:spLocks noGrp="1"/>
-          </p:cNvSpPr>
-          <p:nvPr>
-            <p:ph type="ftr" sz="quarter" idx="11"/>
+            <a:endParaRPr lang="en-US" dirty="0"/>
+          </a:p>
+        </p:txBody>
+      </p:sp>
+      <p:sp>
+        <p:nvSpPr>
+          <p:cNvPr id="3" name="Date Placeholder 2"/>
+          <p:cNvSpPr>
+            <a:spLocks noGrp="1"/>
+          </p:cNvSpPr>
+          <p:nvPr>
+            <p:ph type="dt" sz="half" idx="10"/>
           </p:nvPr>
         </p:nvSpPr>
         <p:spPr/>
@@ -2522,18 +4671,22 @@
           <a:bodyPr/>
           <a:lstStyle/>
           <a:p>
-            <a:endParaRPr/>
-          </a:p>
-        </p:txBody>
-      </p:sp>
-      <p:sp>
-        <p:nvSpPr>
-          <p:cNvPr id="3" name="Date Placeholder 2"/>
-          <p:cNvSpPr>
-            <a:spLocks noGrp="1"/>
-          </p:cNvSpPr>
-          <p:nvPr>
-            <p:ph type="dt" sz="half" idx="10"/>
+            <a:fld id="{03F41C87-7AD9-4845-A077-840E4A0F3F06}" type="datetimeFigureOut">
+              <a:rPr lang="en-US" smtClean="0"/>
+              <a:t>12/19/2024</a:t>
+            </a:fld>
+            <a:endParaRPr lang="en-US"/>
+          </a:p>
+        </p:txBody>
+      </p:sp>
+      <p:sp>
+        <p:nvSpPr>
+          <p:cNvPr id="4" name="Footer Placeholder 3"/>
+          <p:cNvSpPr>
+            <a:spLocks noGrp="1"/>
+          </p:cNvSpPr>
+          <p:nvPr>
+            <p:ph type="ftr" sz="quarter" idx="11"/>
           </p:nvPr>
         </p:nvSpPr>
         <p:spPr/>
@@ -2541,11 +4694,7 @@
           <a:bodyPr/>
           <a:lstStyle/>
           <a:p>
-            <a:fld id="{03F41C87-7AD9-4845-A077-840E4A0F3F06}" type="datetimeFigureOut">
-              <a:rPr lang="en-US"/>
-              <a:t>12/12/2024</a:t>
-            </a:fld>
-            <a:endParaRPr/>
+            <a:endParaRPr lang="hu-HU"/>
           </a:p>
         </p:txBody>
       </p:sp>
@@ -2565,17 +4714,17 @@
           <a:lstStyle/>
           <a:p>
             <a:fld id="{2A013F82-EE5E-44EE-A61D-E31C6657F26F}" type="slidenum">
-              <a:rPr/>
+              <a:rPr lang="hu-HU" smtClean="0"/>
               <a:t>‹#›</a:t>
             </a:fld>
-            <a:endParaRPr/>
+            <a:endParaRPr lang="hu-HU"/>
           </a:p>
         </p:txBody>
       </p:sp>
     </p:spTree>
     <p:extLst>
       <p:ext uri="{BB962C8B-B14F-4D97-AF65-F5344CB8AC3E}">
-        <p14:creationId xmlns:p14="http://schemas.microsoft.com/office/powerpoint/2010/main" val="1626631400"/>
+        <p14:creationId xmlns:p14="http://schemas.microsoft.com/office/powerpoint/2010/main" val="66398417"/>
       </p:ext>
     </p:extLst>
   </p:cSld>
@@ -2600,14 +4749,6 @@
 <file path=ppt/slideLayouts/slideLayout7.xml><?xml version="1.0" encoding="utf-8"?>
 <p:sldLayout xmlns:a="http://schemas.openxmlformats.org/drawingml/2006/main" xmlns:r="http://schemas.openxmlformats.org/officeDocument/2006/relationships" xmlns:p="http://schemas.openxmlformats.org/presentationml/2006/main" type="blank" preserve="1">
   <p:cSld name="Blank">
-    <p:bg>
-      <p:bgPr>
-        <a:solidFill>
-          <a:schemeClr val="bg2"/>
-        </a:solidFill>
-        <a:effectLst/>
-      </p:bgPr>
-    </p:bg>
     <p:spTree>
       <p:nvGrpSpPr>
         <p:cNvPr id="1" name=""/>
@@ -2624,12 +4765,12 @@
       </p:grpSpPr>
       <p:sp>
         <p:nvSpPr>
-          <p:cNvPr id="3" name="Footer Placeholder 2"/>
-          <p:cNvSpPr>
-            <a:spLocks noGrp="1"/>
-          </p:cNvSpPr>
-          <p:nvPr>
-            <p:ph type="ftr" sz="quarter" idx="11"/>
+          <p:cNvPr id="2" name="Date Placeholder 1"/>
+          <p:cNvSpPr>
+            <a:spLocks noGrp="1"/>
+          </p:cNvSpPr>
+          <p:nvPr>
+            <p:ph type="dt" sz="half" idx="10"/>
           </p:nvPr>
         </p:nvSpPr>
         <p:spPr/>
@@ -2637,18 +4778,22 @@
           <a:bodyPr/>
           <a:lstStyle/>
           <a:p>
-            <a:endParaRPr/>
-          </a:p>
-        </p:txBody>
-      </p:sp>
-      <p:sp>
-        <p:nvSpPr>
-          <p:cNvPr id="2" name="Date Placeholder 1"/>
-          <p:cNvSpPr>
-            <a:spLocks noGrp="1"/>
-          </p:cNvSpPr>
-          <p:nvPr>
-            <p:ph type="dt" sz="half" idx="10"/>
+            <a:fld id="{03F41C87-7AD9-4845-A077-840E4A0F3F06}" type="datetimeFigureOut">
+              <a:rPr lang="en-US" smtClean="0"/>
+              <a:t>12/19/2024</a:t>
+            </a:fld>
+            <a:endParaRPr lang="en-US"/>
+          </a:p>
+        </p:txBody>
+      </p:sp>
+      <p:sp>
+        <p:nvSpPr>
+          <p:cNvPr id="3" name="Footer Placeholder 2"/>
+          <p:cNvSpPr>
+            <a:spLocks noGrp="1"/>
+          </p:cNvSpPr>
+          <p:nvPr>
+            <p:ph type="ftr" sz="quarter" idx="11"/>
           </p:nvPr>
         </p:nvSpPr>
         <p:spPr/>
@@ -2656,11 +4801,7 @@
           <a:bodyPr/>
           <a:lstStyle/>
           <a:p>
-            <a:fld id="{03F41C87-7AD9-4845-A077-840E4A0F3F06}" type="datetimeFigureOut">
-              <a:rPr lang="en-US"/>
-              <a:t>12/12/2024</a:t>
-            </a:fld>
-            <a:endParaRPr/>
+            <a:endParaRPr lang="hu-HU"/>
           </a:p>
         </p:txBody>
       </p:sp>
@@ -2680,17 +4821,17 @@
           <a:lstStyle/>
           <a:p>
             <a:fld id="{2A013F82-EE5E-44EE-A61D-E31C6657F26F}" type="slidenum">
-              <a:rPr/>
+              <a:rPr lang="hu-HU" smtClean="0"/>
               <a:t>‹#›</a:t>
             </a:fld>
-            <a:endParaRPr/>
+            <a:endParaRPr lang="hu-HU"/>
           </a:p>
         </p:txBody>
       </p:sp>
     </p:spTree>
     <p:extLst>
       <p:ext uri="{BB962C8B-B14F-4D97-AF65-F5344CB8AC3E}">
-        <p14:creationId xmlns:p14="http://schemas.microsoft.com/office/powerpoint/2010/main" val="3607540120"/>
+        <p14:creationId xmlns:p14="http://schemas.microsoft.com/office/powerpoint/2010/main" val="3342554030"/>
       </p:ext>
     </p:extLst>
   </p:cSld>
@@ -2715,20 +4856,6 @@
 <file path=ppt/slideLayouts/slideLayout8.xml><?xml version="1.0" encoding="utf-8"?>
 <p:sldLayout xmlns:a="http://schemas.openxmlformats.org/drawingml/2006/main" xmlns:r="http://schemas.openxmlformats.org/officeDocument/2006/relationships" xmlns:p="http://schemas.openxmlformats.org/presentationml/2006/main" type="objTx" preserve="1">
   <p:cSld name="Content with Caption">
-    <p:bg>
-      <p:bgPr>
-        <a:blipFill dpi="0" rotWithShape="1">
-          <a:blip r:embed="rId2">
-            <a:lum/>
-          </a:blip>
-          <a:srcRect/>
-          <a:stretch>
-            <a:fillRect/>
-          </a:stretch>
-        </a:blipFill>
-        <a:effectLst/>
-      </p:bgPr>
-    </p:bg>
     <p:spTree>
       <p:nvGrpSpPr>
         <p:cNvPr id="1" name=""/>
@@ -2755,24 +4882,17 @@
         </p:nvSpPr>
         <p:spPr>
           <a:xfrm>
-            <a:off x="1055604" y="1905000"/>
-            <a:ext cx="3596607" cy="2667000"/>
+            <a:off x="7083167" y="685800"/>
+            <a:ext cx="3656648" cy="1371600"/>
           </a:xfrm>
         </p:spPr>
         <p:txBody>
           <a:bodyPr anchor="b">
-            <a:noAutofit/>
+            <a:normAutofit/>
           </a:bodyPr>
           <a:lstStyle>
             <a:lvl1pPr algn="l">
-              <a:lnSpc>
-                <a:spcPct val="90000"/>
-              </a:lnSpc>
-              <a:defRPr sz="3600" b="0" baseline="0">
-                <a:solidFill>
-                  <a:schemeClr val="tx1"/>
-                </a:solidFill>
-              </a:defRPr>
+              <a:defRPr sz="2399" b="0"/>
             </a:lvl1pPr>
           </a:lstStyle>
           <a:p>
@@ -2780,70 +4900,123 @@
               <a:rPr lang="en-US"/>
               <a:t>Click to edit Master title style</a:t>
             </a:r>
-            <a:endParaRPr/>
-          </a:p>
-        </p:txBody>
-      </p:sp>
-      <p:sp>
-        <p:nvSpPr>
-          <p:cNvPr id="4" name="Text Placeholder 3"/>
-          <p:cNvSpPr>
-            <a:spLocks noGrp="1"/>
-          </p:cNvSpPr>
-          <p:nvPr>
-            <p:ph type="body" sz="half" idx="2"/>
+            <a:endParaRPr lang="en-US" dirty="0"/>
+          </a:p>
+        </p:txBody>
+      </p:sp>
+      <p:sp>
+        <p:nvSpPr>
+          <p:cNvPr id="3" name="Content Placeholder 2"/>
+          <p:cNvSpPr>
+            <a:spLocks noGrp="1"/>
+          </p:cNvSpPr>
+          <p:nvPr>
+            <p:ph idx="1"/>
           </p:nvPr>
         </p:nvSpPr>
         <p:spPr>
           <a:xfrm>
-            <a:off x="1065213" y="4648200"/>
-            <a:ext cx="3581399" cy="1371600"/>
+            <a:off x="684034" y="685800"/>
+            <a:ext cx="5942053" cy="5308600"/>
           </a:xfrm>
         </p:spPr>
         <p:txBody>
-          <a:bodyPr>
+          <a:bodyPr anchor="ctr">
+            <a:normAutofit/>
+          </a:bodyPr>
+          <a:lstStyle/>
+          <a:p>
+            <a:pPr lvl="0"/>
+            <a:r>
+              <a:rPr lang="en-US"/>
+              <a:t>Edit Master text styles</a:t>
+            </a:r>
+          </a:p>
+          <a:p>
+            <a:pPr lvl="1"/>
+            <a:r>
+              <a:rPr lang="en-US"/>
+              <a:t>Second level</a:t>
+            </a:r>
+          </a:p>
+          <a:p>
+            <a:pPr lvl="2"/>
+            <a:r>
+              <a:rPr lang="en-US"/>
+              <a:t>Third level</a:t>
+            </a:r>
+          </a:p>
+          <a:p>
+            <a:pPr lvl="3"/>
+            <a:r>
+              <a:rPr lang="en-US"/>
+              <a:t>Fourth level</a:t>
+            </a:r>
+          </a:p>
+          <a:p>
+            <a:pPr lvl="4"/>
+            <a:r>
+              <a:rPr lang="en-US"/>
+              <a:t>Fifth level</a:t>
+            </a:r>
+            <a:endParaRPr lang="en-US" dirty="0"/>
+          </a:p>
+        </p:txBody>
+      </p:sp>
+      <p:sp>
+        <p:nvSpPr>
+          <p:cNvPr id="4" name="Text Placeholder 3"/>
+          <p:cNvSpPr>
+            <a:spLocks noGrp="1"/>
+          </p:cNvSpPr>
+          <p:nvPr>
+            <p:ph type="body" sz="half" idx="2"/>
+          </p:nvPr>
+        </p:nvSpPr>
+        <p:spPr>
+          <a:xfrm>
+            <a:off x="7083167" y="2209800"/>
+            <a:ext cx="3656648" cy="2091267"/>
+          </a:xfrm>
+        </p:spPr>
+        <p:txBody>
+          <a:bodyPr anchor="t">
             <a:normAutofit/>
           </a:bodyPr>
           <a:lstStyle>
             <a:lvl1pPr marL="0" indent="0">
-              <a:lnSpc>
-                <a:spcPct val="90000"/>
-              </a:lnSpc>
-              <a:spcBef>
-                <a:spcPts val="1200"/>
-              </a:spcBef>
-              <a:buNone/>
-              <a:defRPr sz="1800"/>
+              <a:buNone/>
+              <a:defRPr sz="1600"/>
             </a:lvl1pPr>
-            <a:lvl2pPr marL="457200" indent="0">
+            <a:lvl2pPr marL="457063" indent="0">
               <a:buNone/>
               <a:defRPr sz="1200"/>
             </a:lvl2pPr>
-            <a:lvl3pPr marL="914400" indent="0">
+            <a:lvl3pPr marL="914126" indent="0">
               <a:buNone/>
               <a:defRPr sz="1000"/>
             </a:lvl3pPr>
-            <a:lvl4pPr marL="1371600" indent="0">
+            <a:lvl4pPr marL="1371189" indent="0">
               <a:buNone/>
               <a:defRPr sz="900"/>
             </a:lvl4pPr>
-            <a:lvl5pPr marL="1828800" indent="0">
+            <a:lvl5pPr marL="1828251" indent="0">
               <a:buNone/>
               <a:defRPr sz="900"/>
             </a:lvl5pPr>
-            <a:lvl6pPr marL="2286000" indent="0">
+            <a:lvl6pPr marL="2285314" indent="0">
               <a:buNone/>
               <a:defRPr sz="900"/>
             </a:lvl6pPr>
-            <a:lvl7pPr marL="2743200" indent="0">
+            <a:lvl7pPr marL="2742377" indent="0">
               <a:buNone/>
               <a:defRPr sz="900"/>
             </a:lvl7pPr>
-            <a:lvl8pPr marL="3200400" indent="0">
+            <a:lvl8pPr marL="3199440" indent="0">
               <a:buNone/>
               <a:defRPr sz="900"/>
             </a:lvl8pPr>
-            <a:lvl9pPr marL="3657600" indent="0">
+            <a:lvl9pPr marL="3656503" indent="0">
               <a:buNone/>
               <a:defRPr sz="900"/>
             </a:lvl9pPr>
@@ -2859,99 +5032,12 @@
       </p:sp>
       <p:sp>
         <p:nvSpPr>
-          <p:cNvPr id="3" name="Content Placeholder 2"/>
-          <p:cNvSpPr>
-            <a:spLocks noGrp="1"/>
-          </p:cNvSpPr>
-          <p:nvPr>
-            <p:ph idx="1"/>
-          </p:nvPr>
-        </p:nvSpPr>
-        <p:spPr>
-          <a:xfrm>
-            <a:off x="4951414" y="685800"/>
-            <a:ext cx="6400800" cy="5334000"/>
-          </a:xfrm>
-        </p:spPr>
-        <p:txBody>
-          <a:bodyPr>
-            <a:normAutofit/>
-          </a:bodyPr>
-          <a:lstStyle>
-            <a:lvl1pPr>
-              <a:defRPr sz="2400"/>
-            </a:lvl1pPr>
-            <a:lvl2pPr>
-              <a:defRPr sz="2000"/>
-            </a:lvl2pPr>
-            <a:lvl3pPr>
-              <a:defRPr sz="1800"/>
-            </a:lvl3pPr>
-            <a:lvl4pPr>
-              <a:defRPr sz="1600"/>
-            </a:lvl4pPr>
-            <a:lvl5pPr>
-              <a:defRPr sz="1600"/>
-            </a:lvl5pPr>
-            <a:lvl6pPr>
-              <a:defRPr sz="1600"/>
-            </a:lvl6pPr>
-            <a:lvl7pPr>
-              <a:defRPr sz="1600"/>
-            </a:lvl7pPr>
-            <a:lvl8pPr>
-              <a:defRPr sz="1600"/>
-            </a:lvl8pPr>
-            <a:lvl9pPr>
-              <a:defRPr sz="1600"/>
-            </a:lvl9pPr>
-          </a:lstStyle>
-          <a:p>
-            <a:pPr lvl="0"/>
-            <a:r>
-              <a:rPr lang="en-US"/>
-              <a:t>Edit Master text styles</a:t>
-            </a:r>
-          </a:p>
-          <a:p>
-            <a:pPr lvl="1"/>
-            <a:r>
-              <a:rPr lang="en-US"/>
-              <a:t>Second level</a:t>
-            </a:r>
-          </a:p>
-          <a:p>
-            <a:pPr lvl="2"/>
-            <a:r>
-              <a:rPr lang="en-US"/>
-              <a:t>Third level</a:t>
-            </a:r>
-          </a:p>
-          <a:p>
-            <a:pPr lvl="3"/>
-            <a:r>
-              <a:rPr lang="en-US"/>
-              <a:t>Fourth level</a:t>
-            </a:r>
-          </a:p>
-          <a:p>
-            <a:pPr lvl="4"/>
-            <a:r>
-              <a:rPr lang="en-US"/>
-              <a:t>Fifth level</a:t>
-            </a:r>
-            <a:endParaRPr/>
-          </a:p>
-        </p:txBody>
-      </p:sp>
-      <p:sp>
-        <p:nvSpPr>
-          <p:cNvPr id="6" name="Footer Placeholder 5"/>
-          <p:cNvSpPr>
-            <a:spLocks noGrp="1"/>
-          </p:cNvSpPr>
-          <p:nvPr>
-            <p:ph type="ftr" sz="quarter" idx="11"/>
+          <p:cNvPr id="5" name="Date Placeholder 4"/>
+          <p:cNvSpPr>
+            <a:spLocks noGrp="1"/>
+          </p:cNvSpPr>
+          <p:nvPr>
+            <p:ph type="dt" sz="half" idx="10"/>
           </p:nvPr>
         </p:nvSpPr>
         <p:spPr/>
@@ -2959,18 +5045,22 @@
           <a:bodyPr/>
           <a:lstStyle/>
           <a:p>
-            <a:endParaRPr/>
-          </a:p>
-        </p:txBody>
-      </p:sp>
-      <p:sp>
-        <p:nvSpPr>
-          <p:cNvPr id="5" name="Date Placeholder 4"/>
-          <p:cNvSpPr>
-            <a:spLocks noGrp="1"/>
-          </p:cNvSpPr>
-          <p:nvPr>
-            <p:ph type="dt" sz="half" idx="10"/>
+            <a:fld id="{03F41C87-7AD9-4845-A077-840E4A0F3F06}" type="datetimeFigureOut">
+              <a:rPr lang="en-US" smtClean="0"/>
+              <a:t>12/19/2024</a:t>
+            </a:fld>
+            <a:endParaRPr lang="en-US"/>
+          </a:p>
+        </p:txBody>
+      </p:sp>
+      <p:sp>
+        <p:nvSpPr>
+          <p:cNvPr id="6" name="Footer Placeholder 5"/>
+          <p:cNvSpPr>
+            <a:spLocks noGrp="1"/>
+          </p:cNvSpPr>
+          <p:nvPr>
+            <p:ph type="ftr" sz="quarter" idx="11"/>
           </p:nvPr>
         </p:nvSpPr>
         <p:spPr/>
@@ -2978,11 +5068,7 @@
           <a:bodyPr/>
           <a:lstStyle/>
           <a:p>
-            <a:fld id="{03F41C87-7AD9-4845-A077-840E4A0F3F06}" type="datetimeFigureOut">
-              <a:rPr lang="en-US"/>
-              <a:t>12/12/2024</a:t>
-            </a:fld>
-            <a:endParaRPr/>
+            <a:endParaRPr lang="hu-HU"/>
           </a:p>
         </p:txBody>
       </p:sp>
@@ -3002,17 +5088,17 @@
           <a:lstStyle/>
           <a:p>
             <a:fld id="{2A013F82-EE5E-44EE-A61D-E31C6657F26F}" type="slidenum">
-              <a:rPr/>
+              <a:rPr lang="hu-HU" smtClean="0"/>
               <a:t>‹#›</a:t>
             </a:fld>
-            <a:endParaRPr/>
+            <a:endParaRPr lang="hu-HU"/>
           </a:p>
         </p:txBody>
       </p:sp>
     </p:spTree>
     <p:extLst>
       <p:ext uri="{BB962C8B-B14F-4D97-AF65-F5344CB8AC3E}">
-        <p14:creationId xmlns:p14="http://schemas.microsoft.com/office/powerpoint/2010/main" val="2544981540"/>
+        <p14:creationId xmlns:p14="http://schemas.microsoft.com/office/powerpoint/2010/main" val="3632854625"/>
       </p:ext>
     </p:extLst>
   </p:cSld>
@@ -3037,20 +5123,6 @@
 <file path=ppt/slideLayouts/slideLayout9.xml><?xml version="1.0" encoding="utf-8"?>
 <p:sldLayout xmlns:a="http://schemas.openxmlformats.org/drawingml/2006/main" xmlns:r="http://schemas.openxmlformats.org/officeDocument/2006/relationships" xmlns:p="http://schemas.openxmlformats.org/presentationml/2006/main" type="picTx" preserve="1">
   <p:cSld name="Picture with Caption">
-    <p:bg>
-      <p:bgPr>
-        <a:blipFill dpi="0" rotWithShape="1">
-          <a:blip r:embed="rId2">
-            <a:lum/>
-          </a:blip>
-          <a:srcRect/>
-          <a:stretch>
-            <a:fillRect/>
-          </a:stretch>
-        </a:blipFill>
-        <a:effectLst/>
-      </p:bgPr>
-    </p:bg>
     <p:spTree>
       <p:nvGrpSpPr>
         <p:cNvPr id="1" name=""/>
@@ -3077,8 +5149,8 @@
         </p:nvSpPr>
         <p:spPr>
           <a:xfrm>
-            <a:off x="1055604" y="1905000"/>
-            <a:ext cx="3596607" cy="2667000"/>
+            <a:off x="4721582" y="1447800"/>
+            <a:ext cx="6018232" cy="1143000"/>
           </a:xfrm>
         </p:spPr>
         <p:txBody>
@@ -3087,14 +5159,7 @@
           </a:bodyPr>
           <a:lstStyle>
             <a:lvl1pPr algn="l">
-              <a:lnSpc>
-                <a:spcPct val="90000"/>
-              </a:lnSpc>
-              <a:defRPr sz="3600" b="0" i="0" baseline="0">
-                <a:solidFill>
-                  <a:schemeClr val="tx1"/>
-                </a:solidFill>
-              </a:defRPr>
+              <a:defRPr sz="2799" b="0"/>
             </a:lvl1pPr>
           </a:lstStyle>
           <a:p>
@@ -3102,70 +5167,151 @@
               <a:rPr lang="en-US"/>
               <a:t>Click to edit Master title style</a:t>
             </a:r>
-            <a:endParaRPr/>
-          </a:p>
-        </p:txBody>
-      </p:sp>
-      <p:sp>
-        <p:nvSpPr>
-          <p:cNvPr id="4" name="Text Placeholder 3"/>
-          <p:cNvSpPr>
-            <a:spLocks noGrp="1"/>
-          </p:cNvSpPr>
-          <p:nvPr>
-            <p:ph type="body" sz="half" idx="2"/>
+            <a:endParaRPr lang="en-US" dirty="0"/>
+          </a:p>
+        </p:txBody>
+      </p:sp>
+      <p:sp>
+        <p:nvSpPr>
+          <p:cNvPr id="14" name="Picture Placeholder 2"/>
+          <p:cNvSpPr>
+            <a:spLocks noGrp="1" noChangeAspect="1"/>
+          </p:cNvSpPr>
+          <p:nvPr>
+            <p:ph type="pic" idx="1"/>
           </p:nvPr>
         </p:nvSpPr>
         <p:spPr>
           <a:xfrm>
-            <a:off x="1065213" y="4648200"/>
-            <a:ext cx="3581399" cy="1371600"/>
+            <a:off x="988754" y="914400"/>
+            <a:ext cx="3280120" cy="4572000"/>
+          </a:xfrm>
+          <a:prstGeom prst="snip2DiagRect">
+            <a:avLst>
+              <a:gd name="adj1" fmla="val 10815"/>
+              <a:gd name="adj2" fmla="val 0"/>
+            </a:avLst>
+          </a:prstGeom>
+          <a:ln w="15875">
+            <a:solidFill>
+              <a:schemeClr val="tx1">
+                <a:alpha val="40000"/>
+              </a:schemeClr>
+            </a:solidFill>
+          </a:ln>
+          <a:effectLst>
+            <a:innerShdw blurRad="57150" dist="38100" dir="14460000">
+              <a:srgbClr val="000000">
+                <a:alpha val="70000"/>
+              </a:srgbClr>
+            </a:innerShdw>
+          </a:effectLst>
+        </p:spPr>
+        <p:txBody>
+          <a:bodyPr anchor="t">
+            <a:normAutofit/>
+          </a:bodyPr>
+          <a:lstStyle>
+            <a:lvl1pPr marL="0" indent="0" algn="ctr">
+              <a:buNone/>
+              <a:defRPr sz="1600"/>
+            </a:lvl1pPr>
+            <a:lvl2pPr marL="457063" indent="0">
+              <a:buNone/>
+              <a:defRPr sz="1600"/>
+            </a:lvl2pPr>
+            <a:lvl3pPr marL="914126" indent="0">
+              <a:buNone/>
+              <a:defRPr sz="1600"/>
+            </a:lvl3pPr>
+            <a:lvl4pPr marL="1371189" indent="0">
+              <a:buNone/>
+              <a:defRPr sz="1600"/>
+            </a:lvl4pPr>
+            <a:lvl5pPr marL="1828251" indent="0">
+              <a:buNone/>
+              <a:defRPr sz="1600"/>
+            </a:lvl5pPr>
+            <a:lvl6pPr marL="2285314" indent="0">
+              <a:buNone/>
+              <a:defRPr sz="1600"/>
+            </a:lvl6pPr>
+            <a:lvl7pPr marL="2742377" indent="0">
+              <a:buNone/>
+              <a:defRPr sz="1600"/>
+            </a:lvl7pPr>
+            <a:lvl8pPr marL="3199440" indent="0">
+              <a:buNone/>
+              <a:defRPr sz="1600"/>
+            </a:lvl8pPr>
+            <a:lvl9pPr marL="3656503" indent="0">
+              <a:buNone/>
+              <a:defRPr sz="1600"/>
+            </a:lvl9pPr>
+          </a:lstStyle>
+          <a:p>
+            <a:r>
+              <a:rPr lang="en-US"/>
+              <a:t>Click icon to add picture</a:t>
+            </a:r>
+            <a:endParaRPr lang="en-US" dirty="0"/>
+          </a:p>
+        </p:txBody>
+      </p:sp>
+      <p:sp>
+        <p:nvSpPr>
+          <p:cNvPr id="4" name="Text Placeholder 3"/>
+          <p:cNvSpPr>
+            <a:spLocks noGrp="1"/>
+          </p:cNvSpPr>
+          <p:nvPr>
+            <p:ph type="body" sz="half" idx="2"/>
+          </p:nvPr>
+        </p:nvSpPr>
+        <p:spPr>
+          <a:xfrm>
+            <a:off x="4721582" y="2777067"/>
+            <a:ext cx="6019820" cy="2048933"/>
           </a:xfrm>
         </p:spPr>
         <p:txBody>
-          <a:bodyPr>
+          <a:bodyPr anchor="t">
             <a:normAutofit/>
           </a:bodyPr>
           <a:lstStyle>
             <a:lvl1pPr marL="0" indent="0">
-              <a:lnSpc>
-                <a:spcPct val="90000"/>
-              </a:lnSpc>
-              <a:spcBef>
-                <a:spcPts val="1200"/>
-              </a:spcBef>
-              <a:buNone/>
-              <a:defRPr sz="1800"/>
+              <a:buNone/>
+              <a:defRPr sz="1799"/>
             </a:lvl1pPr>
-            <a:lvl2pPr marL="457200" indent="0">
+            <a:lvl2pPr marL="457063" indent="0">
               <a:buNone/>
               <a:defRPr sz="1200"/>
             </a:lvl2pPr>
-            <a:lvl3pPr marL="914400" indent="0">
+            <a:lvl3pPr marL="914126" indent="0">
               <a:buNone/>
               <a:defRPr sz="1000"/>
             </a:lvl3pPr>
-            <a:lvl4pPr marL="1371600" indent="0">
+            <a:lvl4pPr marL="1371189" indent="0">
               <a:buNone/>
               <a:defRPr sz="900"/>
             </a:lvl4pPr>
-            <a:lvl5pPr marL="1828800" indent="0">
+            <a:lvl5pPr marL="1828251" indent="0">
               <a:buNone/>
               <a:defRPr sz="900"/>
             </a:lvl5pPr>
-            <a:lvl6pPr marL="2286000" indent="0">
+            <a:lvl6pPr marL="2285314" indent="0">
               <a:buNone/>
               <a:defRPr sz="900"/>
             </a:lvl6pPr>
-            <a:lvl7pPr marL="2743200" indent="0">
+            <a:lvl7pPr marL="2742377" indent="0">
               <a:buNone/>
               <a:defRPr sz="900"/>
             </a:lvl7pPr>
-            <a:lvl8pPr marL="3200400" indent="0">
+            <a:lvl8pPr marL="3199440" indent="0">
               <a:buNone/>
               <a:defRPr sz="900"/>
             </a:lvl8pPr>
-            <a:lvl9pPr marL="3657600" indent="0">
+            <a:lvl9pPr marL="3656503" indent="0">
               <a:buNone/>
               <a:defRPr sz="900"/>
             </a:lvl9pPr>
@@ -3181,88 +5327,12 @@
       </p:sp>
       <p:sp>
         <p:nvSpPr>
-          <p:cNvPr id="3" name="Picture Placeholder 2" descr="An empty placeholder to add an image. Click on the placeholder and select the image that you wish to add."/>
-          <p:cNvSpPr>
-            <a:spLocks noGrp="1"/>
-          </p:cNvSpPr>
-          <p:nvPr>
-            <p:ph type="pic" idx="1"/>
-          </p:nvPr>
-        </p:nvSpPr>
-        <p:spPr>
-          <a:xfrm>
-            <a:off x="4951414" y="685800"/>
-            <a:ext cx="6400799" cy="5334000"/>
-          </a:xfrm>
-          <a:solidFill>
-            <a:schemeClr val="bg2"/>
-          </a:solidFill>
-          <a:ln w="76200">
-            <a:solidFill>
-              <a:schemeClr val="tx1"/>
-            </a:solidFill>
-            <a:miter lim="800000"/>
-          </a:ln>
-        </p:spPr>
-        <p:txBody>
-          <a:bodyPr>
-            <a:normAutofit/>
-          </a:bodyPr>
-          <a:lstStyle>
-            <a:lvl1pPr marL="0" indent="0" algn="ctr">
-              <a:buNone/>
-              <a:defRPr sz="2400"/>
-            </a:lvl1pPr>
-            <a:lvl2pPr marL="457200" indent="0">
-              <a:buNone/>
-              <a:defRPr sz="2800"/>
-            </a:lvl2pPr>
-            <a:lvl3pPr marL="914400" indent="0">
-              <a:buNone/>
-              <a:defRPr sz="2400"/>
-            </a:lvl3pPr>
-            <a:lvl4pPr marL="1371600" indent="0">
-              <a:buNone/>
-              <a:defRPr sz="2000"/>
-            </a:lvl4pPr>
-            <a:lvl5pPr marL="1828800" indent="0">
-              <a:buNone/>
-              <a:defRPr sz="2000"/>
-            </a:lvl5pPr>
-            <a:lvl6pPr marL="2286000" indent="0">
-              <a:buNone/>
-              <a:defRPr sz="2000"/>
-            </a:lvl6pPr>
-            <a:lvl7pPr marL="2743200" indent="0">
-              <a:buNone/>
-              <a:defRPr sz="2000"/>
-            </a:lvl7pPr>
-            <a:lvl8pPr marL="3200400" indent="0">
-              <a:buNone/>
-              <a:defRPr sz="2000"/>
-            </a:lvl8pPr>
-            <a:lvl9pPr marL="3657600" indent="0">
-              <a:buNone/>
-              <a:defRPr sz="2000"/>
-            </a:lvl9pPr>
-          </a:lstStyle>
-          <a:p>
-            <a:r>
-              <a:rPr lang="en-US"/>
-              <a:t>Click icon to add picture</a:t>
-            </a:r>
-            <a:endParaRPr/>
-          </a:p>
-        </p:txBody>
-      </p:sp>
-      <p:sp>
-        <p:nvSpPr>
-          <p:cNvPr id="6" name="Footer Placeholder 5"/>
-          <p:cNvSpPr>
-            <a:spLocks noGrp="1"/>
-          </p:cNvSpPr>
-          <p:nvPr>
-            <p:ph type="ftr" sz="quarter" idx="11"/>
+          <p:cNvPr id="5" name="Date Placeholder 4"/>
+          <p:cNvSpPr>
+            <a:spLocks noGrp="1"/>
+          </p:cNvSpPr>
+          <p:nvPr>
+            <p:ph type="dt" sz="half" idx="10"/>
           </p:nvPr>
         </p:nvSpPr>
         <p:spPr/>
@@ -3270,18 +5340,23 @@
           <a:bodyPr/>
           <a:lstStyle/>
           <a:p>
-            <a:endParaRPr dirty="0"/>
-          </a:p>
-        </p:txBody>
-      </p:sp>
-      <p:sp>
-        <p:nvSpPr>
-          <p:cNvPr id="5" name="Date Placeholder 4"/>
-          <p:cNvSpPr>
-            <a:spLocks noGrp="1"/>
-          </p:cNvSpPr>
-          <p:nvPr>
-            <p:ph type="dt" sz="half" idx="10"/>
+            <a:fld id="{03F41C87-7AD9-4845-A077-840E4A0F3F06}" type="datetimeFigureOut">
+              <a:rPr lang="en-US" smtClean="0"/>
+              <a:pPr/>
+              <a:t>12/19/2024</a:t>
+            </a:fld>
+            <a:endParaRPr lang="en-US"/>
+          </a:p>
+        </p:txBody>
+      </p:sp>
+      <p:sp>
+        <p:nvSpPr>
+          <p:cNvPr id="6" name="Footer Placeholder 5"/>
+          <p:cNvSpPr>
+            <a:spLocks noGrp="1"/>
+          </p:cNvSpPr>
+          <p:nvPr>
+            <p:ph type="ftr" sz="quarter" idx="11"/>
           </p:nvPr>
         </p:nvSpPr>
         <p:spPr/>
@@ -3289,12 +5364,7 @@
           <a:bodyPr/>
           <a:lstStyle/>
           <a:p>
-            <a:fld id="{03F41C87-7AD9-4845-A077-840E4A0F3F06}" type="datetimeFigureOut">
-              <a:rPr lang="en-US"/>
-              <a:pPr/>
-              <a:t>12/12/2024</a:t>
-            </a:fld>
-            <a:endParaRPr/>
+            <a:endParaRPr lang="hu-HU" dirty="0"/>
           </a:p>
         </p:txBody>
       </p:sp>
@@ -3314,18 +5384,18 @@
           <a:lstStyle/>
           <a:p>
             <a:fld id="{2A013F82-EE5E-44EE-A61D-E31C6657F26F}" type="slidenum">
-              <a:rPr/>
+              <a:rPr lang="hu-HU" smtClean="0"/>
               <a:pPr/>
               <a:t>‹#›</a:t>
             </a:fld>
-            <a:endParaRPr/>
+            <a:endParaRPr lang="hu-HU"/>
           </a:p>
         </p:txBody>
       </p:sp>
     </p:spTree>
     <p:extLst>
       <p:ext uri="{BB962C8B-B14F-4D97-AF65-F5344CB8AC3E}">
-        <p14:creationId xmlns:p14="http://schemas.microsoft.com/office/powerpoint/2010/main" val="2249172152"/>
+        <p14:creationId xmlns:p14="http://schemas.microsoft.com/office/powerpoint/2010/main" val="3884741416"/>
       </p:ext>
     </p:extLst>
   </p:cSld>
@@ -3351,18 +5421,9 @@
 <p:sldMaster xmlns:a="http://schemas.openxmlformats.org/drawingml/2006/main" xmlns:r="http://schemas.openxmlformats.org/officeDocument/2006/relationships" xmlns:p="http://schemas.openxmlformats.org/presentationml/2006/main">
   <p:cSld>
     <p:bg>
-      <p:bgPr>
-        <a:blipFill dpi="0" rotWithShape="1">
-          <a:blip r:embed="rId13">
-            <a:lum/>
-          </a:blip>
-          <a:srcRect/>
-          <a:stretch>
-            <a:fillRect/>
-          </a:stretch>
-        </a:blipFill>
-        <a:effectLst/>
-      </p:bgPr>
+      <p:bgRef idx="1002">
+        <a:schemeClr val="bg2"/>
+      </p:bgRef>
     </p:bg>
     <p:spTree>
       <p:nvGrpSpPr>
@@ -3378,6 +5439,196 @@
           <a:chExt cx="0" cy="0"/>
         </a:xfrm>
       </p:grpSpPr>
+      <p:grpSp>
+        <p:nvGrpSpPr>
+          <p:cNvPr id="7" name="Group 6"/>
+          <p:cNvGrpSpPr/>
+          <p:nvPr/>
+        </p:nvGrpSpPr>
+        <p:grpSpPr>
+          <a:xfrm>
+            <a:off x="9204572" y="2963334"/>
+            <a:ext cx="2981081" cy="3208867"/>
+            <a:chOff x="9206969" y="2963333"/>
+            <a:chExt cx="2981858" cy="3208867"/>
+          </a:xfrm>
+        </p:grpSpPr>
+        <p:cxnSp>
+          <p:nvCxnSpPr>
+            <p:cNvPr id="8" name="Straight Connector 7"/>
+            <p:cNvCxnSpPr/>
+            <p:nvPr/>
+          </p:nvCxnSpPr>
+          <p:spPr>
+            <a:xfrm flipH="1">
+              <a:off x="11276012" y="2963333"/>
+              <a:ext cx="912814" cy="912812"/>
+            </a:xfrm>
+            <a:prstGeom prst="line">
+              <a:avLst/>
+            </a:prstGeom>
+            <a:ln w="9525">
+              <a:solidFill>
+                <a:schemeClr val="tx1"/>
+              </a:solidFill>
+            </a:ln>
+          </p:spPr>
+          <p:style>
+            <a:lnRef idx="2">
+              <a:schemeClr val="accent1"/>
+            </a:lnRef>
+            <a:fillRef idx="0">
+              <a:schemeClr val="accent1"/>
+            </a:fillRef>
+            <a:effectRef idx="1">
+              <a:schemeClr val="accent1"/>
+            </a:effectRef>
+            <a:fontRef idx="minor">
+              <a:schemeClr val="tx1"/>
+            </a:fontRef>
+          </p:style>
+        </p:cxnSp>
+        <p:cxnSp>
+          <p:nvCxnSpPr>
+            <p:cNvPr id="9" name="Straight Connector 8"/>
+            <p:cNvCxnSpPr/>
+            <p:nvPr/>
+          </p:nvCxnSpPr>
+          <p:spPr>
+            <a:xfrm flipH="1">
+              <a:off x="9206969" y="3190344"/>
+              <a:ext cx="2981857" cy="2981856"/>
+            </a:xfrm>
+            <a:prstGeom prst="line">
+              <a:avLst/>
+            </a:prstGeom>
+            <a:ln w="9525">
+              <a:solidFill>
+                <a:schemeClr val="tx1"/>
+              </a:solidFill>
+            </a:ln>
+          </p:spPr>
+          <p:style>
+            <a:lnRef idx="2">
+              <a:schemeClr val="accent1"/>
+            </a:lnRef>
+            <a:fillRef idx="0">
+              <a:schemeClr val="accent1"/>
+            </a:fillRef>
+            <a:effectRef idx="1">
+              <a:schemeClr val="accent1"/>
+            </a:effectRef>
+            <a:fontRef idx="minor">
+              <a:schemeClr val="tx1"/>
+            </a:fontRef>
+          </p:style>
+        </p:cxnSp>
+        <p:cxnSp>
+          <p:nvCxnSpPr>
+            <p:cNvPr id="10" name="Straight Connector 9"/>
+            <p:cNvCxnSpPr/>
+            <p:nvPr/>
+          </p:nvCxnSpPr>
+          <p:spPr>
+            <a:xfrm flipH="1">
+              <a:off x="10292292" y="3285067"/>
+              <a:ext cx="1896534" cy="1896533"/>
+            </a:xfrm>
+            <a:prstGeom prst="line">
+              <a:avLst/>
+            </a:prstGeom>
+            <a:ln w="9525">
+              <a:solidFill>
+                <a:schemeClr val="tx1"/>
+              </a:solidFill>
+            </a:ln>
+          </p:spPr>
+          <p:style>
+            <a:lnRef idx="2">
+              <a:schemeClr val="accent1"/>
+            </a:lnRef>
+            <a:fillRef idx="0">
+              <a:schemeClr val="accent1"/>
+            </a:fillRef>
+            <a:effectRef idx="1">
+              <a:schemeClr val="accent1"/>
+            </a:effectRef>
+            <a:fontRef idx="minor">
+              <a:schemeClr val="tx1"/>
+            </a:fontRef>
+          </p:style>
+        </p:cxnSp>
+        <p:cxnSp>
+          <p:nvCxnSpPr>
+            <p:cNvPr id="11" name="Straight Connector 10"/>
+            <p:cNvCxnSpPr/>
+            <p:nvPr/>
+          </p:nvCxnSpPr>
+          <p:spPr>
+            <a:xfrm flipH="1">
+              <a:off x="10443103" y="3131080"/>
+              <a:ext cx="1745722" cy="1745720"/>
+            </a:xfrm>
+            <a:prstGeom prst="line">
+              <a:avLst/>
+            </a:prstGeom>
+            <a:ln w="28575">
+              <a:solidFill>
+                <a:schemeClr val="tx1"/>
+              </a:solidFill>
+            </a:ln>
+          </p:spPr>
+          <p:style>
+            <a:lnRef idx="2">
+              <a:schemeClr val="accent1"/>
+            </a:lnRef>
+            <a:fillRef idx="0">
+              <a:schemeClr val="accent1"/>
+            </a:fillRef>
+            <a:effectRef idx="1">
+              <a:schemeClr val="accent1"/>
+            </a:effectRef>
+            <a:fontRef idx="minor">
+              <a:schemeClr val="tx1"/>
+            </a:fontRef>
+          </p:style>
+        </p:cxnSp>
+        <p:cxnSp>
+          <p:nvCxnSpPr>
+            <p:cNvPr id="12" name="Straight Connector 11"/>
+            <p:cNvCxnSpPr/>
+            <p:nvPr/>
+          </p:nvCxnSpPr>
+          <p:spPr>
+            <a:xfrm flipH="1">
+              <a:off x="10918826" y="3683001"/>
+              <a:ext cx="1270001" cy="1269999"/>
+            </a:xfrm>
+            <a:prstGeom prst="line">
+              <a:avLst/>
+            </a:prstGeom>
+            <a:ln w="28575">
+              <a:solidFill>
+                <a:schemeClr val="tx1"/>
+              </a:solidFill>
+            </a:ln>
+          </p:spPr>
+          <p:style>
+            <a:lnRef idx="2">
+              <a:schemeClr val="accent1"/>
+            </a:lnRef>
+            <a:fillRef idx="0">
+              <a:schemeClr val="accent1"/>
+            </a:fillRef>
+            <a:effectRef idx="1">
+              <a:schemeClr val="accent1"/>
+            </a:effectRef>
+            <a:fontRef idx="minor">
+              <a:schemeClr val="tx1"/>
+            </a:fontRef>
+          </p:style>
+        </p:cxnSp>
+      </p:grpSp>
       <p:sp>
         <p:nvSpPr>
           <p:cNvPr id="2" name="Title Placeholder 1"/>
@@ -3390,86 +5641,131 @@
         </p:nvSpPr>
         <p:spPr>
           <a:xfrm>
-            <a:off x="1522413" y="381000"/>
-            <a:ext cx="9144001" cy="1371600"/>
+            <a:off x="684034" y="4487333"/>
+            <a:ext cx="8532178" cy="1507067"/>
+          </a:xfrm>
+          <a:prstGeom prst="rect">
+            <a:avLst/>
+          </a:prstGeom>
+          <a:effectLst/>
+        </p:spPr>
+        <p:txBody>
+          <a:bodyPr vert="horz" lIns="91440" tIns="45720" rIns="91440" bIns="45720" rtlCol="0" anchor="ctr">
+            <a:normAutofit/>
+          </a:bodyPr>
+          <a:lstStyle/>
+          <a:p>
+            <a:r>
+              <a:rPr lang="en-US"/>
+              <a:t>Click to edit Master title style</a:t>
+            </a:r>
+            <a:endParaRPr lang="en-US" dirty="0"/>
+          </a:p>
+        </p:txBody>
+      </p:sp>
+      <p:sp>
+        <p:nvSpPr>
+          <p:cNvPr id="3" name="Text Placeholder 2"/>
+          <p:cNvSpPr>
+            <a:spLocks noGrp="1"/>
+          </p:cNvSpPr>
+          <p:nvPr>
+            <p:ph type="body" idx="1"/>
+          </p:nvPr>
+        </p:nvSpPr>
+        <p:spPr>
+          <a:xfrm>
+            <a:off x="684034" y="685801"/>
+            <a:ext cx="8532178" cy="3615267"/>
           </a:xfrm>
           <a:prstGeom prst="rect">
             <a:avLst/>
           </a:prstGeom>
         </p:spPr>
         <p:txBody>
-          <a:bodyPr vert="horz" lIns="91440" tIns="45720" rIns="91440" bIns="45720" rtlCol="0" anchor="b">
+          <a:bodyPr vert="horz" lIns="91440" tIns="45720" rIns="91440" bIns="45720" rtlCol="0" anchor="ctr">
             <a:normAutofit/>
           </a:bodyPr>
           <a:lstStyle/>
           <a:p>
+            <a:pPr lvl="0"/>
             <a:r>
               <a:rPr lang="en-US"/>
-              <a:t>Click to edit Master title style</a:t>
-            </a:r>
-            <a:endParaRPr/>
-          </a:p>
-        </p:txBody>
-      </p:sp>
-      <p:sp>
-        <p:nvSpPr>
-          <p:cNvPr id="3" name="Text Placeholder 2"/>
-          <p:cNvSpPr>
-            <a:spLocks noGrp="1"/>
-          </p:cNvSpPr>
-          <p:nvPr>
-            <p:ph type="body" idx="1"/>
+              <a:t>Edit Master text styles</a:t>
+            </a:r>
+          </a:p>
+          <a:p>
+            <a:pPr lvl="1"/>
+            <a:r>
+              <a:rPr lang="en-US"/>
+              <a:t>Second level</a:t>
+            </a:r>
+          </a:p>
+          <a:p>
+            <a:pPr lvl="2"/>
+            <a:r>
+              <a:rPr lang="en-US"/>
+              <a:t>Third level</a:t>
+            </a:r>
+          </a:p>
+          <a:p>
+            <a:pPr lvl="3"/>
+            <a:r>
+              <a:rPr lang="en-US"/>
+              <a:t>Fourth level</a:t>
+            </a:r>
+          </a:p>
+          <a:p>
+            <a:pPr lvl="4"/>
+            <a:r>
+              <a:rPr lang="en-US"/>
+              <a:t>Fifth level</a:t>
+            </a:r>
+            <a:endParaRPr lang="en-US" dirty="0"/>
+          </a:p>
+        </p:txBody>
+      </p:sp>
+      <p:sp>
+        <p:nvSpPr>
+          <p:cNvPr id="4" name="Date Placeholder 3"/>
+          <p:cNvSpPr>
+            <a:spLocks noGrp="1"/>
+          </p:cNvSpPr>
+          <p:nvPr>
+            <p:ph type="dt" sz="half" idx="2"/>
           </p:nvPr>
         </p:nvSpPr>
         <p:spPr>
           <a:xfrm>
-            <a:off x="1522413" y="1904999"/>
-            <a:ext cx="9134391" cy="4114801"/>
+            <a:off x="9901833" y="6172201"/>
+            <a:ext cx="1599783" cy="365125"/>
           </a:xfrm>
           <a:prstGeom prst="rect">
             <a:avLst/>
           </a:prstGeom>
         </p:spPr>
         <p:txBody>
-          <a:bodyPr vert="horz" lIns="91440" tIns="45720" rIns="91440" bIns="45720" rtlCol="0">
-            <a:normAutofit/>
-          </a:bodyPr>
-          <a:lstStyle/>
-          <a:p>
-            <a:pPr lvl="0"/>
-            <a:r>
-              <a:rPr lang="en-US"/>
-              <a:t>Edit Master text styles</a:t>
-            </a:r>
-          </a:p>
-          <a:p>
-            <a:pPr lvl="1"/>
-            <a:r>
-              <a:rPr lang="en-US"/>
-              <a:t>Second level</a:t>
-            </a:r>
-          </a:p>
-          <a:p>
-            <a:pPr lvl="2"/>
-            <a:r>
-              <a:rPr lang="en-US"/>
-              <a:t>Third level</a:t>
-            </a:r>
-          </a:p>
-          <a:p>
-            <a:pPr lvl="3"/>
-            <a:r>
-              <a:rPr lang="en-US"/>
-              <a:t>Fourth level</a:t>
-            </a:r>
-          </a:p>
-          <a:p>
-            <a:pPr lvl="4"/>
-            <a:r>
-              <a:rPr lang="en-US"/>
-              <a:t>Fifth level</a:t>
-            </a:r>
-            <a:endParaRPr dirty="0"/>
+          <a:bodyPr vert="horz" lIns="91440" tIns="45720" rIns="91440" bIns="45720" rtlCol="0" anchor="t"/>
+          <a:lstStyle>
+            <a:lvl1pPr algn="r">
+              <a:defRPr sz="1000" b="0" i="0">
+                <a:solidFill>
+                  <a:schemeClr val="bg2">
+                    <a:lumMod val="50000"/>
+                  </a:schemeClr>
+                </a:solidFill>
+                <a:effectLst/>
+                <a:latin typeface="+mn-lt"/>
+              </a:defRPr>
+            </a:lvl1pPr>
+          </a:lstStyle>
+          <a:p>
+            <a:fld id="{03F41C87-7AD9-4845-A077-840E4A0F3F06}" type="datetimeFigureOut">
+              <a:rPr lang="en-US" smtClean="0"/>
+              <a:pPr/>
+              <a:t>12/19/2024</a:t>
+            </a:fld>
+            <a:endParaRPr lang="en-US"/>
           </a:p>
         </p:txBody>
       </p:sp>
@@ -3485,23 +5781,25 @@
         </p:nvSpPr>
         <p:spPr>
           <a:xfrm>
-            <a:off x="1522413" y="6400800"/>
-            <a:ext cx="6553199" cy="276228"/>
+            <a:off x="684034" y="6172201"/>
+            <a:ext cx="7541835" cy="365125"/>
           </a:xfrm>
           <a:prstGeom prst="rect">
             <a:avLst/>
           </a:prstGeom>
         </p:spPr>
         <p:txBody>
-          <a:bodyPr vert="horz" lIns="91440" tIns="45720" rIns="91440" bIns="45720" rtlCol="0" anchor="ctr"/>
+          <a:bodyPr vert="horz" lIns="91440" tIns="45720" rIns="91440" bIns="45720" rtlCol="0" anchor="t"/>
           <a:lstStyle>
             <a:lvl1pPr algn="l">
-              <a:defRPr sz="1100">
+              <a:defRPr sz="1000" b="0" i="0">
                 <a:solidFill>
-                  <a:schemeClr val="tx1">
-                    <a:tint val="75000"/>
+                  <a:schemeClr val="bg2">
+                    <a:lumMod val="50000"/>
                   </a:schemeClr>
                 </a:solidFill>
+                <a:effectLst/>
+                <a:latin typeface="+mn-lt"/>
               </a:defRPr>
             </a:lvl1pPr>
           </a:lstStyle>
@@ -3512,75 +5810,35 @@
       </p:sp>
       <p:sp>
         <p:nvSpPr>
-          <p:cNvPr id="4" name="Date Placeholder 3"/>
-          <p:cNvSpPr>
-            <a:spLocks noGrp="1"/>
-          </p:cNvSpPr>
-          <p:nvPr>
-            <p:ph type="dt" sz="half" idx="2"/>
+          <p:cNvPr id="6" name="Slide Number Placeholder 5"/>
+          <p:cNvSpPr>
+            <a:spLocks noGrp="1"/>
+          </p:cNvSpPr>
+          <p:nvPr>
+            <p:ph type="sldNum" sz="quarter" idx="4"/>
           </p:nvPr>
         </p:nvSpPr>
         <p:spPr>
           <a:xfrm>
-            <a:off x="8226422" y="6400800"/>
-            <a:ext cx="1449389" cy="276228"/>
+            <a:off x="10360502" y="5578476"/>
+            <a:ext cx="1141948" cy="669925"/>
           </a:xfrm>
           <a:prstGeom prst="rect">
             <a:avLst/>
           </a:prstGeom>
         </p:spPr>
         <p:txBody>
-          <a:bodyPr vert="horz" lIns="91440" tIns="45720" rIns="91440" bIns="45720" rtlCol="0" anchor="ctr"/>
+          <a:bodyPr vert="horz" lIns="91440" tIns="45720" rIns="91440" bIns="45720" rtlCol="0" anchor="b"/>
           <a:lstStyle>
             <a:lvl1pPr algn="r">
-              <a:defRPr sz="1100">
+              <a:defRPr sz="3199" b="0" i="0">
                 <a:solidFill>
-                  <a:schemeClr val="tx1">
-                    <a:tint val="75000"/>
+                  <a:schemeClr val="bg2">
+                    <a:lumMod val="50000"/>
                   </a:schemeClr>
                 </a:solidFill>
-              </a:defRPr>
-            </a:lvl1pPr>
-          </a:lstStyle>
-          <a:p>
-            <a:fld id="{03F41C87-7AD9-4845-A077-840E4A0F3F06}" type="datetimeFigureOut">
-              <a:rPr lang="en-US" smtClean="0"/>
-              <a:pPr/>
-              <a:t>12/12/2024</a:t>
-            </a:fld>
-            <a:endParaRPr lang="en-US"/>
-          </a:p>
-        </p:txBody>
-      </p:sp>
-      <p:sp>
-        <p:nvSpPr>
-          <p:cNvPr id="6" name="Slide Number Placeholder 5"/>
-          <p:cNvSpPr>
-            <a:spLocks noGrp="1"/>
-          </p:cNvSpPr>
-          <p:nvPr>
-            <p:ph type="sldNum" sz="quarter" idx="4"/>
-          </p:nvPr>
-        </p:nvSpPr>
-        <p:spPr>
-          <a:xfrm>
-            <a:off x="9828211" y="6400800"/>
-            <a:ext cx="838201" cy="276228"/>
-          </a:xfrm>
-          <a:prstGeom prst="rect">
-            <a:avLst/>
-          </a:prstGeom>
-        </p:spPr>
-        <p:txBody>
-          <a:bodyPr vert="horz" lIns="91440" tIns="45720" rIns="91440" bIns="45720" rtlCol="0" anchor="ctr"/>
-          <a:lstStyle>
-            <a:lvl1pPr algn="r">
-              <a:defRPr sz="1100">
-                <a:solidFill>
-                  <a:schemeClr val="tx1">
-                    <a:tint val="75000"/>
-                  </a:schemeClr>
-                </a:solidFill>
+                <a:effectLst/>
+                <a:latin typeface="+mn-lt"/>
               </a:defRPr>
             </a:lvl1pPr>
           </a:lstStyle>
@@ -3597,23 +5855,29 @@
     </p:spTree>
     <p:extLst>
       <p:ext uri="{BB962C8B-B14F-4D97-AF65-F5344CB8AC3E}">
-        <p14:creationId xmlns:p14="http://schemas.microsoft.com/office/powerpoint/2010/main" val="1403059996"/>
+        <p14:creationId xmlns:p14="http://schemas.microsoft.com/office/powerpoint/2010/main" val="2949295470"/>
       </p:ext>
     </p:extLst>
   </p:cSld>
   <p:clrMap bg1="dk1" tx1="lt1" bg2="dk2" tx2="lt2" accent1="accent1" accent2="accent2" accent3="accent3" accent4="accent4" accent5="accent5" accent6="accent6" hlink="hlink" folHlink="folHlink"/>
   <p:sldLayoutIdLst>
-    <p:sldLayoutId id="2147483649" r:id="rId1"/>
-    <p:sldLayoutId id="2147483650" r:id="rId2"/>
-    <p:sldLayoutId id="2147483651" r:id="rId3"/>
-    <p:sldLayoutId id="2147483652" r:id="rId4"/>
-    <p:sldLayoutId id="2147483653" r:id="rId5"/>
-    <p:sldLayoutId id="2147483654" r:id="rId6"/>
-    <p:sldLayoutId id="2147483655" r:id="rId7"/>
-    <p:sldLayoutId id="2147483656" r:id="rId8"/>
-    <p:sldLayoutId id="2147483657" r:id="rId9"/>
-    <p:sldLayoutId id="2147483658" r:id="rId10"/>
-    <p:sldLayoutId id="2147483659" r:id="rId11"/>
+    <p:sldLayoutId id="2147483661" r:id="rId1"/>
+    <p:sldLayoutId id="2147483662" r:id="rId2"/>
+    <p:sldLayoutId id="2147483663" r:id="rId3"/>
+    <p:sldLayoutId id="2147483664" r:id="rId4"/>
+    <p:sldLayoutId id="2147483665" r:id="rId5"/>
+    <p:sldLayoutId id="2147483666" r:id="rId6"/>
+    <p:sldLayoutId id="2147483667" r:id="rId7"/>
+    <p:sldLayoutId id="2147483668" r:id="rId8"/>
+    <p:sldLayoutId id="2147483669" r:id="rId9"/>
+    <p:sldLayoutId id="2147483670" r:id="rId10"/>
+    <p:sldLayoutId id="2147483671" r:id="rId11"/>
+    <p:sldLayoutId id="2147483672" r:id="rId12"/>
+    <p:sldLayoutId id="2147483673" r:id="rId13"/>
+    <p:sldLayoutId id="2147483674" r:id="rId14"/>
+    <p:sldLayoutId id="2147483675" r:id="rId15"/>
+    <p:sldLayoutId id="2147483676" r:id="rId16"/>
+    <p:sldLayoutId id="2147483677" r:id="rId17"/>
   </p:sldLayoutIdLst>
   <mc:AlternateContent xmlns:mc="http://schemas.openxmlformats.org/markup-compatibility/2006" xmlns:p14="http://schemas.microsoft.com/office/powerpoint/2010/main">
     <mc:Choice Requires="p14">
@@ -3629,39 +5893,314 @@
   </mc:AlternateContent>
   <p:txStyles>
     <p:titleStyle>
-      <a:lvl1pPr algn="l" defTabSz="914400" rtl="0" eaLnBrk="1" latinLnBrk="0" hangingPunct="1">
-        <a:lnSpc>
-          <a:spcPct val="90000"/>
-        </a:lnSpc>
+      <a:lvl1pPr algn="l" defTabSz="457063" rtl="0" eaLnBrk="1" latinLnBrk="0" hangingPunct="1">
         <a:spcBef>
           <a:spcPct val="0"/>
         </a:spcBef>
         <a:buNone/>
-        <a:defRPr sz="3600" kern="1200" spc="100" baseline="0">
+        <a:defRPr sz="3599" kern="1200" cap="all">
+          <a:ln w="3175" cmpd="sng">
+            <a:noFill/>
+          </a:ln>
           <a:solidFill>
             <a:schemeClr val="tx1"/>
           </a:solidFill>
+          <a:effectLst/>
           <a:latin typeface="+mj-lt"/>
           <a:ea typeface="+mj-ea"/>
           <a:cs typeface="+mj-cs"/>
         </a:defRPr>
       </a:lvl1pPr>
+      <a:lvl2pPr eaLnBrk="1" hangingPunct="1">
+        <a:defRPr>
+          <a:solidFill>
+            <a:schemeClr val="tx2"/>
+          </a:solidFill>
+        </a:defRPr>
+      </a:lvl2pPr>
+      <a:lvl3pPr eaLnBrk="1" hangingPunct="1">
+        <a:defRPr>
+          <a:solidFill>
+            <a:schemeClr val="tx2"/>
+          </a:solidFill>
+        </a:defRPr>
+      </a:lvl3pPr>
+      <a:lvl4pPr eaLnBrk="1" hangingPunct="1">
+        <a:defRPr>
+          <a:solidFill>
+            <a:schemeClr val="tx2"/>
+          </a:solidFill>
+        </a:defRPr>
+      </a:lvl4pPr>
+      <a:lvl5pPr eaLnBrk="1" hangingPunct="1">
+        <a:defRPr>
+          <a:solidFill>
+            <a:schemeClr val="tx2"/>
+          </a:solidFill>
+        </a:defRPr>
+      </a:lvl5pPr>
+      <a:lvl6pPr eaLnBrk="1" hangingPunct="1">
+        <a:defRPr>
+          <a:solidFill>
+            <a:schemeClr val="tx2"/>
+          </a:solidFill>
+        </a:defRPr>
+      </a:lvl6pPr>
+      <a:lvl7pPr eaLnBrk="1" hangingPunct="1">
+        <a:defRPr>
+          <a:solidFill>
+            <a:schemeClr val="tx2"/>
+          </a:solidFill>
+        </a:defRPr>
+      </a:lvl7pPr>
+      <a:lvl8pPr eaLnBrk="1" hangingPunct="1">
+        <a:defRPr>
+          <a:solidFill>
+            <a:schemeClr val="tx2"/>
+          </a:solidFill>
+        </a:defRPr>
+      </a:lvl8pPr>
+      <a:lvl9pPr eaLnBrk="1" hangingPunct="1">
+        <a:defRPr>
+          <a:solidFill>
+            <a:schemeClr val="tx2"/>
+          </a:solidFill>
+        </a:defRPr>
+      </a:lvl9pPr>
     </p:titleStyle>
     <p:bodyStyle>
-      <a:lvl1pPr marL="223838" indent="-223838" algn="l" defTabSz="914400" rtl="0" eaLnBrk="1" latinLnBrk="0" hangingPunct="1">
-        <a:lnSpc>
-          <a:spcPct val="90000"/>
-        </a:lnSpc>
+      <a:lvl1pPr marL="285664" indent="-285664" algn="l" defTabSz="457063" rtl="0" eaLnBrk="1" latinLnBrk="0" hangingPunct="1">
         <a:spcBef>
-          <a:spcPts val="1800"/>
+          <a:spcPct val="20000"/>
         </a:spcBef>
+        <a:spcAft>
+          <a:spcPts val="600"/>
+        </a:spcAft>
         <a:buClr>
-          <a:schemeClr val="accent1"/>
+          <a:schemeClr val="tx1"/>
         </a:buClr>
-        <a:buSzPct val="100000"/>
-        <a:buFont typeface="Arial" pitchFamily="34" charset="0"/>
-        <a:buChar char="•"/>
-        <a:defRPr sz="2400" kern="1200">
+        <a:buSzPct val="80000"/>
+        <a:buFont typeface="Wingdings 3" panose="05040102010807070707" pitchFamily="18" charset="2"/>
+        <a:buChar char=""/>
+        <a:defRPr sz="1999" kern="1200" cap="none">
+          <a:solidFill>
+            <a:schemeClr val="bg2">
+              <a:lumMod val="75000"/>
+            </a:schemeClr>
+          </a:solidFill>
+          <a:effectLst/>
+          <a:latin typeface="+mn-lt"/>
+          <a:ea typeface="+mn-ea"/>
+          <a:cs typeface="+mn-cs"/>
+        </a:defRPr>
+      </a:lvl1pPr>
+      <a:lvl2pPr marL="742727" indent="-285664" algn="l" defTabSz="457063" rtl="0" eaLnBrk="1" latinLnBrk="0" hangingPunct="1">
+        <a:spcBef>
+          <a:spcPct val="20000"/>
+        </a:spcBef>
+        <a:spcAft>
+          <a:spcPts val="600"/>
+        </a:spcAft>
+        <a:buClr>
+          <a:schemeClr val="tx1"/>
+        </a:buClr>
+        <a:buSzPct val="80000"/>
+        <a:buFont typeface="Wingdings 3" panose="05040102010807070707" pitchFamily="18" charset="2"/>
+        <a:buChar char=""/>
+        <a:defRPr sz="1799" kern="1200" cap="none">
+          <a:solidFill>
+            <a:schemeClr val="bg2">
+              <a:lumMod val="75000"/>
+            </a:schemeClr>
+          </a:solidFill>
+          <a:effectLst/>
+          <a:latin typeface="+mn-lt"/>
+          <a:ea typeface="+mn-ea"/>
+          <a:cs typeface="+mn-cs"/>
+        </a:defRPr>
+      </a:lvl2pPr>
+      <a:lvl3pPr marL="1199790" indent="-285664" algn="l" defTabSz="457063" rtl="0" eaLnBrk="1" latinLnBrk="0" hangingPunct="1">
+        <a:spcBef>
+          <a:spcPct val="20000"/>
+        </a:spcBef>
+        <a:spcAft>
+          <a:spcPts val="600"/>
+        </a:spcAft>
+        <a:buClr>
+          <a:schemeClr val="tx1"/>
+        </a:buClr>
+        <a:buSzPct val="80000"/>
+        <a:buFont typeface="Wingdings 3" panose="05040102010807070707" pitchFamily="18" charset="2"/>
+        <a:buChar char=""/>
+        <a:defRPr sz="1600" kern="1200" cap="none">
+          <a:solidFill>
+            <a:schemeClr val="bg2">
+              <a:lumMod val="75000"/>
+            </a:schemeClr>
+          </a:solidFill>
+          <a:effectLst/>
+          <a:latin typeface="+mn-lt"/>
+          <a:ea typeface="+mn-ea"/>
+          <a:cs typeface="+mn-cs"/>
+        </a:defRPr>
+      </a:lvl3pPr>
+      <a:lvl4pPr marL="1542587" indent="-171399" algn="l" defTabSz="457063" rtl="0" eaLnBrk="1" latinLnBrk="0" hangingPunct="1">
+        <a:spcBef>
+          <a:spcPct val="20000"/>
+        </a:spcBef>
+        <a:spcAft>
+          <a:spcPts val="600"/>
+        </a:spcAft>
+        <a:buClr>
+          <a:schemeClr val="tx1"/>
+        </a:buClr>
+        <a:buSzPct val="80000"/>
+        <a:buFont typeface="Wingdings 3" panose="05040102010807070707" pitchFamily="18" charset="2"/>
+        <a:buChar char=""/>
+        <a:defRPr sz="1400" kern="1200" cap="none">
+          <a:solidFill>
+            <a:schemeClr val="bg2">
+              <a:lumMod val="75000"/>
+            </a:schemeClr>
+          </a:solidFill>
+          <a:effectLst/>
+          <a:latin typeface="+mn-lt"/>
+          <a:ea typeface="+mn-ea"/>
+          <a:cs typeface="+mn-cs"/>
+        </a:defRPr>
+      </a:lvl4pPr>
+      <a:lvl5pPr marL="1999650" indent="-171399" algn="l" defTabSz="457063" rtl="0" eaLnBrk="1" latinLnBrk="0" hangingPunct="1">
+        <a:spcBef>
+          <a:spcPct val="20000"/>
+        </a:spcBef>
+        <a:spcAft>
+          <a:spcPts val="600"/>
+        </a:spcAft>
+        <a:buClr>
+          <a:schemeClr val="tx1"/>
+        </a:buClr>
+        <a:buSzPct val="80000"/>
+        <a:buFont typeface="Wingdings 3" panose="05040102010807070707" pitchFamily="18" charset="2"/>
+        <a:buChar char=""/>
+        <a:defRPr sz="1400" kern="1200" cap="none">
+          <a:solidFill>
+            <a:schemeClr val="bg2">
+              <a:lumMod val="75000"/>
+            </a:schemeClr>
+          </a:solidFill>
+          <a:effectLst/>
+          <a:latin typeface="+mn-lt"/>
+          <a:ea typeface="+mn-ea"/>
+          <a:cs typeface="+mn-cs"/>
+        </a:defRPr>
+      </a:lvl5pPr>
+      <a:lvl6pPr marL="2513846" indent="-228531" algn="l" defTabSz="457063" rtl="0" eaLnBrk="1" latinLnBrk="0" hangingPunct="1">
+        <a:spcBef>
+          <a:spcPct val="20000"/>
+        </a:spcBef>
+        <a:spcAft>
+          <a:spcPts val="600"/>
+        </a:spcAft>
+        <a:buClr>
+          <a:schemeClr val="tx1"/>
+        </a:buClr>
+        <a:buSzPct val="80000"/>
+        <a:buFont typeface="Wingdings 3" panose="05040102010807070707" pitchFamily="18" charset="2"/>
+        <a:buChar char=""/>
+        <a:defRPr sz="1400" kern="1200" cap="none">
+          <a:solidFill>
+            <a:schemeClr val="bg2">
+              <a:lumMod val="75000"/>
+            </a:schemeClr>
+          </a:solidFill>
+          <a:effectLst/>
+          <a:latin typeface="+mn-lt"/>
+          <a:ea typeface="+mn-ea"/>
+          <a:cs typeface="+mn-cs"/>
+        </a:defRPr>
+      </a:lvl6pPr>
+      <a:lvl7pPr marL="2970908" indent="-228531" algn="l" defTabSz="457063" rtl="0" eaLnBrk="1" latinLnBrk="0" hangingPunct="1">
+        <a:spcBef>
+          <a:spcPct val="20000"/>
+        </a:spcBef>
+        <a:spcAft>
+          <a:spcPts val="600"/>
+        </a:spcAft>
+        <a:buClr>
+          <a:schemeClr val="tx1"/>
+        </a:buClr>
+        <a:buSzPct val="80000"/>
+        <a:buFont typeface="Wingdings 3" panose="05040102010807070707" pitchFamily="18" charset="2"/>
+        <a:buChar char=""/>
+        <a:defRPr sz="1400" kern="1200" cap="none">
+          <a:solidFill>
+            <a:schemeClr val="bg2">
+              <a:lumMod val="75000"/>
+            </a:schemeClr>
+          </a:solidFill>
+          <a:effectLst/>
+          <a:latin typeface="+mn-lt"/>
+          <a:ea typeface="+mn-ea"/>
+          <a:cs typeface="+mn-cs"/>
+        </a:defRPr>
+      </a:lvl7pPr>
+      <a:lvl8pPr marL="3427971" indent="-228531" algn="l" defTabSz="457063" rtl="0" eaLnBrk="1" latinLnBrk="0" hangingPunct="1">
+        <a:spcBef>
+          <a:spcPct val="20000"/>
+        </a:spcBef>
+        <a:spcAft>
+          <a:spcPts val="600"/>
+        </a:spcAft>
+        <a:buClr>
+          <a:schemeClr val="tx1"/>
+        </a:buClr>
+        <a:buSzPct val="80000"/>
+        <a:buFont typeface="Wingdings 3" panose="05040102010807070707" pitchFamily="18" charset="2"/>
+        <a:buChar char=""/>
+        <a:defRPr sz="1400" kern="1200" cap="none">
+          <a:solidFill>
+            <a:schemeClr val="bg2">
+              <a:lumMod val="75000"/>
+            </a:schemeClr>
+          </a:solidFill>
+          <a:effectLst/>
+          <a:latin typeface="+mn-lt"/>
+          <a:ea typeface="+mn-ea"/>
+          <a:cs typeface="+mn-cs"/>
+        </a:defRPr>
+      </a:lvl8pPr>
+      <a:lvl9pPr marL="3885034" indent="-228531" algn="l" defTabSz="457063" rtl="0" eaLnBrk="1" latinLnBrk="0" hangingPunct="1">
+        <a:spcBef>
+          <a:spcPct val="20000"/>
+        </a:spcBef>
+        <a:spcAft>
+          <a:spcPts val="600"/>
+        </a:spcAft>
+        <a:buClr>
+          <a:schemeClr val="tx1"/>
+        </a:buClr>
+        <a:buSzPct val="80000"/>
+        <a:buFont typeface="Wingdings 3" panose="05040102010807070707" pitchFamily="18" charset="2"/>
+        <a:buChar char=""/>
+        <a:defRPr sz="1400" kern="1200" cap="none">
+          <a:solidFill>
+            <a:schemeClr val="bg2">
+              <a:lumMod val="75000"/>
+            </a:schemeClr>
+          </a:solidFill>
+          <a:effectLst/>
+          <a:latin typeface="+mn-lt"/>
+          <a:ea typeface="+mn-ea"/>
+          <a:cs typeface="+mn-cs"/>
+        </a:defRPr>
+      </a:lvl9pPr>
+    </p:bodyStyle>
+    <p:otherStyle>
+      <a:defPPr>
+        <a:defRPr lang="en-US"/>
+      </a:defPPr>
+      <a:lvl1pPr marL="0" algn="l" defTabSz="457063" rtl="0" eaLnBrk="1" latinLnBrk="0" hangingPunct="1">
+        <a:defRPr sz="1799" kern="1200">
           <a:solidFill>
             <a:schemeClr val="tx1"/>
           </a:solidFill>
@@ -3670,20 +6209,8 @@
           <a:cs typeface="+mn-cs"/>
         </a:defRPr>
       </a:lvl1pPr>
-      <a:lvl2pPr marL="463550" indent="-231775" algn="l" defTabSz="914400" rtl="0" eaLnBrk="1" latinLnBrk="0" hangingPunct="1">
-        <a:lnSpc>
-          <a:spcPct val="90000"/>
-        </a:lnSpc>
-        <a:spcBef>
-          <a:spcPts val="1200"/>
-        </a:spcBef>
-        <a:buClr>
-          <a:schemeClr val="accent1"/>
-        </a:buClr>
-        <a:buSzPct val="100000"/>
-        <a:buFont typeface="Arial" pitchFamily="34" charset="0"/>
-        <a:buChar char="•"/>
-        <a:defRPr sz="2000" kern="1200">
+      <a:lvl2pPr marL="457063" algn="l" defTabSz="457063" rtl="0" eaLnBrk="1" latinLnBrk="0" hangingPunct="1">
+        <a:defRPr sz="1799" kern="1200">
           <a:solidFill>
             <a:schemeClr val="tx1"/>
           </a:solidFill>
@@ -3692,20 +6219,8 @@
           <a:cs typeface="+mn-cs"/>
         </a:defRPr>
       </a:lvl2pPr>
-      <a:lvl3pPr marL="682625" indent="-219075" algn="l" defTabSz="914400" rtl="0" eaLnBrk="1" latinLnBrk="0" hangingPunct="1">
-        <a:lnSpc>
-          <a:spcPct val="90000"/>
-        </a:lnSpc>
-        <a:spcBef>
-          <a:spcPts val="600"/>
-        </a:spcBef>
-        <a:buClr>
-          <a:schemeClr val="accent1"/>
-        </a:buClr>
-        <a:buSzPct val="100000"/>
-        <a:buFont typeface="Arial" pitchFamily="34" charset="0"/>
-        <a:buChar char="•"/>
-        <a:defRPr sz="1800" kern="1200">
+      <a:lvl3pPr marL="914126" algn="l" defTabSz="457063" rtl="0" eaLnBrk="1" latinLnBrk="0" hangingPunct="1">
+        <a:defRPr sz="1799" kern="1200">
           <a:solidFill>
             <a:schemeClr val="tx1"/>
           </a:solidFill>
@@ -3714,20 +6229,8 @@
           <a:cs typeface="+mn-cs"/>
         </a:defRPr>
       </a:lvl3pPr>
-      <a:lvl4pPr marL="857250" indent="-174625" algn="l" defTabSz="914400" rtl="0" eaLnBrk="1" latinLnBrk="0" hangingPunct="1">
-        <a:lnSpc>
-          <a:spcPct val="90000"/>
-        </a:lnSpc>
-        <a:spcBef>
-          <a:spcPts val="600"/>
-        </a:spcBef>
-        <a:buClr>
-          <a:schemeClr val="accent1"/>
-        </a:buClr>
-        <a:buSzPct val="100000"/>
-        <a:buFont typeface="Arial" pitchFamily="34" charset="0"/>
-        <a:buChar char="•"/>
-        <a:defRPr sz="1600" kern="1200">
+      <a:lvl4pPr marL="1371189" algn="l" defTabSz="457063" rtl="0" eaLnBrk="1" latinLnBrk="0" hangingPunct="1">
+        <a:defRPr sz="1799" kern="1200">
           <a:solidFill>
             <a:schemeClr val="tx1"/>
           </a:solidFill>
@@ -3736,20 +6239,8 @@
           <a:cs typeface="+mn-cs"/>
         </a:defRPr>
       </a:lvl4pPr>
-      <a:lvl5pPr marL="1030288" indent="-173038" algn="l" defTabSz="914400" rtl="0" eaLnBrk="1" latinLnBrk="0" hangingPunct="1">
-        <a:lnSpc>
-          <a:spcPct val="90000"/>
-        </a:lnSpc>
-        <a:spcBef>
-          <a:spcPts val="600"/>
-        </a:spcBef>
-        <a:buClr>
-          <a:schemeClr val="accent1"/>
-        </a:buClr>
-        <a:buSzPct val="100000"/>
-        <a:buFont typeface="Arial" pitchFamily="34" charset="0"/>
-        <a:buChar char="•"/>
-        <a:defRPr sz="1600" kern="1200">
+      <a:lvl5pPr marL="1828251" algn="l" defTabSz="457063" rtl="0" eaLnBrk="1" latinLnBrk="0" hangingPunct="1">
+        <a:defRPr sz="1799" kern="1200">
           <a:solidFill>
             <a:schemeClr val="tx1"/>
           </a:solidFill>
@@ -3758,16 +6249,8 @@
           <a:cs typeface="+mn-cs"/>
         </a:defRPr>
       </a:lvl5pPr>
-      <a:lvl6pPr marL="1207008" indent="-173736" algn="l" defTabSz="914400" rtl="0" eaLnBrk="1" latinLnBrk="0" hangingPunct="1">
-        <a:spcBef>
-          <a:spcPts val="600"/>
-        </a:spcBef>
-        <a:buClr>
-          <a:schemeClr val="accent1"/>
-        </a:buClr>
-        <a:buFont typeface="Arial" pitchFamily="34" charset="0"/>
-        <a:buChar char="•"/>
-        <a:defRPr sz="1600" kern="1200">
+      <a:lvl6pPr marL="2285314" algn="l" defTabSz="457063" rtl="0" eaLnBrk="1" latinLnBrk="0" hangingPunct="1">
+        <a:defRPr sz="1799" kern="1200">
           <a:solidFill>
             <a:schemeClr val="tx1"/>
           </a:solidFill>
@@ -3776,16 +6259,8 @@
           <a:cs typeface="+mn-cs"/>
         </a:defRPr>
       </a:lvl6pPr>
-      <a:lvl7pPr marL="1380744" indent="-173736" algn="l" defTabSz="914400" rtl="0" eaLnBrk="1" latinLnBrk="0" hangingPunct="1">
-        <a:spcBef>
-          <a:spcPts val="600"/>
-        </a:spcBef>
-        <a:buClr>
-          <a:schemeClr val="accent1"/>
-        </a:buClr>
-        <a:buFont typeface="Arial" pitchFamily="34" charset="0"/>
-        <a:buChar char="•"/>
-        <a:defRPr sz="1600" kern="1200">
+      <a:lvl7pPr marL="2742377" algn="l" defTabSz="457063" rtl="0" eaLnBrk="1" latinLnBrk="0" hangingPunct="1">
+        <a:defRPr sz="1799" kern="1200">
           <a:solidFill>
             <a:schemeClr val="tx1"/>
           </a:solidFill>
@@ -3794,16 +6269,8 @@
           <a:cs typeface="+mn-cs"/>
         </a:defRPr>
       </a:lvl7pPr>
-      <a:lvl8pPr marL="1554480" indent="-173736" algn="l" defTabSz="914400" rtl="0" eaLnBrk="1" latinLnBrk="0" hangingPunct="1">
-        <a:spcBef>
-          <a:spcPts val="600"/>
-        </a:spcBef>
-        <a:buClr>
-          <a:schemeClr val="accent1"/>
-        </a:buClr>
-        <a:buFont typeface="Arial" pitchFamily="34" charset="0"/>
-        <a:buChar char="•"/>
-        <a:defRPr sz="1600" kern="1200">
+      <a:lvl8pPr marL="3199440" algn="l" defTabSz="457063" rtl="0" eaLnBrk="1" latinLnBrk="0" hangingPunct="1">
+        <a:defRPr sz="1799" kern="1200">
           <a:solidFill>
             <a:schemeClr val="tx1"/>
           </a:solidFill>
@@ -3812,111 +6279,8 @@
           <a:cs typeface="+mn-cs"/>
         </a:defRPr>
       </a:lvl8pPr>
-      <a:lvl9pPr marL="1728216" indent="-173736" algn="l" defTabSz="914400" rtl="0" eaLnBrk="1" latinLnBrk="0" hangingPunct="1">
-        <a:spcBef>
-          <a:spcPts val="600"/>
-        </a:spcBef>
-        <a:buClr>
-          <a:schemeClr val="accent1"/>
-        </a:buClr>
-        <a:buFont typeface="Arial" pitchFamily="34" charset="0"/>
-        <a:buChar char="•"/>
-        <a:defRPr sz="1600" kern="1200">
-          <a:solidFill>
-            <a:schemeClr val="tx1"/>
-          </a:solidFill>
-          <a:latin typeface="+mn-lt"/>
-          <a:ea typeface="+mn-ea"/>
-          <a:cs typeface="+mn-cs"/>
-        </a:defRPr>
-      </a:lvl9pPr>
-    </p:bodyStyle>
-    <p:otherStyle>
-      <a:defPPr>
-        <a:defRPr/>
-      </a:defPPr>
-      <a:lvl1pPr marL="0" algn="l" defTabSz="914400" rtl="0" eaLnBrk="1" latinLnBrk="0" hangingPunct="1">
-        <a:defRPr sz="1800" kern="1200">
-          <a:solidFill>
-            <a:schemeClr val="tx1"/>
-          </a:solidFill>
-          <a:latin typeface="+mn-lt"/>
-          <a:ea typeface="+mn-ea"/>
-          <a:cs typeface="+mn-cs"/>
-        </a:defRPr>
-      </a:lvl1pPr>
-      <a:lvl2pPr marL="457200" algn="l" defTabSz="914400" rtl="0" eaLnBrk="1" latinLnBrk="0" hangingPunct="1">
-        <a:defRPr sz="1800" kern="1200">
-          <a:solidFill>
-            <a:schemeClr val="tx1"/>
-          </a:solidFill>
-          <a:latin typeface="+mn-lt"/>
-          <a:ea typeface="+mn-ea"/>
-          <a:cs typeface="+mn-cs"/>
-        </a:defRPr>
-      </a:lvl2pPr>
-      <a:lvl3pPr marL="914400" algn="l" defTabSz="914400" rtl="0" eaLnBrk="1" latinLnBrk="0" hangingPunct="1">
-        <a:defRPr sz="1800" kern="1200">
-          <a:solidFill>
-            <a:schemeClr val="tx1"/>
-          </a:solidFill>
-          <a:latin typeface="+mn-lt"/>
-          <a:ea typeface="+mn-ea"/>
-          <a:cs typeface="+mn-cs"/>
-        </a:defRPr>
-      </a:lvl3pPr>
-      <a:lvl4pPr marL="1371600" algn="l" defTabSz="914400" rtl="0" eaLnBrk="1" latinLnBrk="0" hangingPunct="1">
-        <a:defRPr sz="1800" kern="1200">
-          <a:solidFill>
-            <a:schemeClr val="tx1"/>
-          </a:solidFill>
-          <a:latin typeface="+mn-lt"/>
-          <a:ea typeface="+mn-ea"/>
-          <a:cs typeface="+mn-cs"/>
-        </a:defRPr>
-      </a:lvl4pPr>
-      <a:lvl5pPr marL="1828800" algn="l" defTabSz="914400" rtl="0" eaLnBrk="1" latinLnBrk="0" hangingPunct="1">
-        <a:defRPr sz="1800" kern="1200">
-          <a:solidFill>
-            <a:schemeClr val="tx1"/>
-          </a:solidFill>
-          <a:latin typeface="+mn-lt"/>
-          <a:ea typeface="+mn-ea"/>
-          <a:cs typeface="+mn-cs"/>
-        </a:defRPr>
-      </a:lvl5pPr>
-      <a:lvl6pPr marL="2286000" algn="l" defTabSz="914400" rtl="0" eaLnBrk="1" latinLnBrk="0" hangingPunct="1">
-        <a:defRPr sz="1800" kern="1200">
-          <a:solidFill>
-            <a:schemeClr val="tx1"/>
-          </a:solidFill>
-          <a:latin typeface="+mn-lt"/>
-          <a:ea typeface="+mn-ea"/>
-          <a:cs typeface="+mn-cs"/>
-        </a:defRPr>
-      </a:lvl6pPr>
-      <a:lvl7pPr marL="2743200" algn="l" defTabSz="914400" rtl="0" eaLnBrk="1" latinLnBrk="0" hangingPunct="1">
-        <a:defRPr sz="1800" kern="1200">
-          <a:solidFill>
-            <a:schemeClr val="tx1"/>
-          </a:solidFill>
-          <a:latin typeface="+mn-lt"/>
-          <a:ea typeface="+mn-ea"/>
-          <a:cs typeface="+mn-cs"/>
-        </a:defRPr>
-      </a:lvl7pPr>
-      <a:lvl8pPr marL="3200400" algn="l" defTabSz="914400" rtl="0" eaLnBrk="1" latinLnBrk="0" hangingPunct="1">
-        <a:defRPr sz="1800" kern="1200">
-          <a:solidFill>
-            <a:schemeClr val="tx1"/>
-          </a:solidFill>
-          <a:latin typeface="+mn-lt"/>
-          <a:ea typeface="+mn-ea"/>
-          <a:cs typeface="+mn-cs"/>
-        </a:defRPr>
-      </a:lvl8pPr>
-      <a:lvl9pPr marL="3657600" algn="l" defTabSz="914400" rtl="0" eaLnBrk="1" latinLnBrk="0" hangingPunct="1">
-        <a:defRPr sz="1800" kern="1200">
+      <a:lvl9pPr marL="3656503" algn="l" defTabSz="457063" rtl="0" eaLnBrk="1" latinLnBrk="0" hangingPunct="1">
+        <a:defRPr sz="1799" kern="1200">
           <a:solidFill>
             <a:schemeClr val="tx1"/>
           </a:solidFill>
@@ -3927,7 +6291,7 @@
       </a:lvl9pPr>
     </p:otherStyle>
   </p:txStyles>
-  <p:extLst mod="1">
+  <p:extLst>
     <p:ext uri="{27BBF7A9-308A-43DC-89C8-2F10F3537804}">
       <p15:sldGuideLst xmlns:p15="http://schemas.microsoft.com/office/powerpoint/2012/main">
         <p15:guide id="1" pos="3839" userDrawn="1">
@@ -4030,18 +6394,246 @@
   <p:clrMapOvr>
     <a:masterClrMapping/>
   </p:clrMapOvr>
-  <mc:AlternateContent xmlns:mc="http://schemas.openxmlformats.org/markup-compatibility/2006" xmlns:p14="http://schemas.microsoft.com/office/powerpoint/2010/main">
-    <mc:Choice Requires="p14">
-      <p:transition spd="med" p14:dur="700">
-        <p:fade/>
+  <mc:AlternateContent xmlns:mc="http://schemas.openxmlformats.org/markup-compatibility/2006" xmlns:p159="http://schemas.microsoft.com/office/powerpoint/2015/09/main">
+    <mc:Choice Requires="p159">
+      <p:transition xmlns:p14="http://schemas.microsoft.com/office/powerpoint/2010/main" spd="slow" p14:dur="2000">
+        <p159:morph option="byObject"/>
       </p:transition>
     </mc:Choice>
     <mc:Fallback xmlns="">
-      <p:transition spd="med">
+      <p:transition spd="slow">
         <p:fade/>
       </p:transition>
     </mc:Fallback>
   </mc:AlternateContent>
+  <p:timing>
+    <p:tnLst>
+      <p:par>
+        <p:cTn id="1" dur="indefinite" restart="never" nodeType="tmRoot">
+          <p:childTnLst>
+            <p:seq concurrent="1" nextAc="seek">
+              <p:cTn id="2" dur="indefinite" nodeType="mainSeq">
+                <p:childTnLst>
+                  <p:par>
+                    <p:cTn id="3" fill="hold">
+                      <p:stCondLst>
+                        <p:cond delay="indefinite"/>
+                      </p:stCondLst>
+                      <p:childTnLst>
+                        <p:par>
+                          <p:cTn id="4" fill="hold">
+                            <p:stCondLst>
+                              <p:cond delay="0"/>
+                            </p:stCondLst>
+                            <p:childTnLst>
+                              <p:par>
+                                <p:cTn id="5" presetID="2" presetClass="entr" presetSubtype="4" fill="hold" grpId="0" nodeType="clickEffect">
+                                  <p:stCondLst>
+                                    <p:cond delay="0"/>
+                                  </p:stCondLst>
+                                  <p:childTnLst>
+                                    <p:set>
+                                      <p:cBhvr>
+                                        <p:cTn id="6" dur="1" fill="hold">
+                                          <p:stCondLst>
+                                            <p:cond delay="0"/>
+                                          </p:stCondLst>
+                                        </p:cTn>
+                                        <p:tgtEl>
+                                          <p:spTgt spid="2"/>
+                                        </p:tgtEl>
+                                        <p:attrNameLst>
+                                          <p:attrName>style.visibility</p:attrName>
+                                        </p:attrNameLst>
+                                      </p:cBhvr>
+                                      <p:to>
+                                        <p:strVal val="visible"/>
+                                      </p:to>
+                                    </p:set>
+                                    <p:anim calcmode="lin" valueType="num">
+                                      <p:cBhvr additive="base">
+                                        <p:cTn id="7" dur="500" fill="hold"/>
+                                        <p:tgtEl>
+                                          <p:spTgt spid="2"/>
+                                        </p:tgtEl>
+                                        <p:attrNameLst>
+                                          <p:attrName>ppt_x</p:attrName>
+                                        </p:attrNameLst>
+                                      </p:cBhvr>
+                                      <p:tavLst>
+                                        <p:tav tm="0">
+                                          <p:val>
+                                            <p:strVal val="#ppt_x"/>
+                                          </p:val>
+                                        </p:tav>
+                                        <p:tav tm="100000">
+                                          <p:val>
+                                            <p:strVal val="#ppt_x"/>
+                                          </p:val>
+                                        </p:tav>
+                                      </p:tavLst>
+                                    </p:anim>
+                                    <p:anim calcmode="lin" valueType="num">
+                                      <p:cBhvr additive="base">
+                                        <p:cTn id="8" dur="500" fill="hold"/>
+                                        <p:tgtEl>
+                                          <p:spTgt spid="2"/>
+                                        </p:tgtEl>
+                                        <p:attrNameLst>
+                                          <p:attrName>ppt_y</p:attrName>
+                                        </p:attrNameLst>
+                                      </p:cBhvr>
+                                      <p:tavLst>
+                                        <p:tav tm="0">
+                                          <p:val>
+                                            <p:strVal val="1+#ppt_h/2"/>
+                                          </p:val>
+                                        </p:tav>
+                                        <p:tav tm="100000">
+                                          <p:val>
+                                            <p:strVal val="#ppt_y"/>
+                                          </p:val>
+                                        </p:tav>
+                                      </p:tavLst>
+                                    </p:anim>
+                                  </p:childTnLst>
+                                </p:cTn>
+                              </p:par>
+                            </p:childTnLst>
+                          </p:cTn>
+                        </p:par>
+                      </p:childTnLst>
+                    </p:cTn>
+                  </p:par>
+                  <p:par>
+                    <p:cTn id="9" fill="hold">
+                      <p:stCondLst>
+                        <p:cond delay="indefinite"/>
+                      </p:stCondLst>
+                      <p:childTnLst>
+                        <p:par>
+                          <p:cTn id="10" fill="hold">
+                            <p:stCondLst>
+                              <p:cond delay="0"/>
+                            </p:stCondLst>
+                            <p:childTnLst>
+                              <p:par>
+                                <p:cTn id="11" presetID="2" presetClass="entr" presetSubtype="4" fill="hold" grpId="0" nodeType="clickEffect">
+                                  <p:stCondLst>
+                                    <p:cond delay="0"/>
+                                  </p:stCondLst>
+                                  <p:childTnLst>
+                                    <p:set>
+                                      <p:cBhvr>
+                                        <p:cTn id="12" dur="1" fill="hold">
+                                          <p:stCondLst>
+                                            <p:cond delay="0"/>
+                                          </p:stCondLst>
+                                        </p:cTn>
+                                        <p:tgtEl>
+                                          <p:spTgt spid="3">
+                                            <p:txEl>
+                                              <p:pRg st="0" end="0"/>
+                                            </p:txEl>
+                                          </p:spTgt>
+                                        </p:tgtEl>
+                                        <p:attrNameLst>
+                                          <p:attrName>style.visibility</p:attrName>
+                                        </p:attrNameLst>
+                                      </p:cBhvr>
+                                      <p:to>
+                                        <p:strVal val="visible"/>
+                                      </p:to>
+                                    </p:set>
+                                    <p:anim calcmode="lin" valueType="num">
+                                      <p:cBhvr additive="base">
+                                        <p:cTn id="13" dur="500" fill="hold"/>
+                                        <p:tgtEl>
+                                          <p:spTgt spid="3">
+                                            <p:txEl>
+                                              <p:pRg st="0" end="0"/>
+                                            </p:txEl>
+                                          </p:spTgt>
+                                        </p:tgtEl>
+                                        <p:attrNameLst>
+                                          <p:attrName>ppt_x</p:attrName>
+                                        </p:attrNameLst>
+                                      </p:cBhvr>
+                                      <p:tavLst>
+                                        <p:tav tm="0">
+                                          <p:val>
+                                            <p:strVal val="#ppt_x"/>
+                                          </p:val>
+                                        </p:tav>
+                                        <p:tav tm="100000">
+                                          <p:val>
+                                            <p:strVal val="#ppt_x"/>
+                                          </p:val>
+                                        </p:tav>
+                                      </p:tavLst>
+                                    </p:anim>
+                                    <p:anim calcmode="lin" valueType="num">
+                                      <p:cBhvr additive="base">
+                                        <p:cTn id="14" dur="500" fill="hold"/>
+                                        <p:tgtEl>
+                                          <p:spTgt spid="3">
+                                            <p:txEl>
+                                              <p:pRg st="0" end="0"/>
+                                            </p:txEl>
+                                          </p:spTgt>
+                                        </p:tgtEl>
+                                        <p:attrNameLst>
+                                          <p:attrName>ppt_y</p:attrName>
+                                        </p:attrNameLst>
+                                      </p:cBhvr>
+                                      <p:tavLst>
+                                        <p:tav tm="0">
+                                          <p:val>
+                                            <p:strVal val="1+#ppt_h/2"/>
+                                          </p:val>
+                                        </p:tav>
+                                        <p:tav tm="100000">
+                                          <p:val>
+                                            <p:strVal val="#ppt_y"/>
+                                          </p:val>
+                                        </p:tav>
+                                      </p:tavLst>
+                                    </p:anim>
+                                  </p:childTnLst>
+                                </p:cTn>
+                              </p:par>
+                            </p:childTnLst>
+                          </p:cTn>
+                        </p:par>
+                      </p:childTnLst>
+                    </p:cTn>
+                  </p:par>
+                </p:childTnLst>
+              </p:cTn>
+              <p:prevCondLst>
+                <p:cond evt="onPrev" delay="0">
+                  <p:tgtEl>
+                    <p:sldTgt/>
+                  </p:tgtEl>
+                </p:cond>
+              </p:prevCondLst>
+              <p:nextCondLst>
+                <p:cond evt="onNext" delay="0">
+                  <p:tgtEl>
+                    <p:sldTgt/>
+                  </p:tgtEl>
+                </p:cond>
+              </p:nextCondLst>
+            </p:seq>
+          </p:childTnLst>
+        </p:cTn>
+      </p:par>
+    </p:tnLst>
+    <p:bldLst>
+      <p:bldP spid="2" grpId="0"/>
+      <p:bldP spid="3" grpId="0" build="p"/>
+    </p:bldLst>
+  </p:timing>
 </p:sld>
 </file>
 
@@ -4078,7 +6670,12 @@
             <p:ph type="title"/>
           </p:nvPr>
         </p:nvSpPr>
-        <p:spPr/>
+        <p:spPr>
+          <a:xfrm>
+            <a:off x="303212" y="304800"/>
+            <a:ext cx="8532178" cy="1507067"/>
+          </a:xfrm>
+        </p:spPr>
         <p:txBody>
           <a:bodyPr/>
           <a:lstStyle/>
@@ -4106,15 +6703,42 @@
             <p:ph idx="1"/>
           </p:nvPr>
         </p:nvSpPr>
-        <p:spPr/>
-        <p:txBody>
-          <a:bodyPr/>
+        <p:spPr>
+          <a:xfrm>
+            <a:off x="303212" y="1447800"/>
+            <a:ext cx="8532178" cy="3615267"/>
+          </a:xfrm>
+        </p:spPr>
+        <p:txBody>
+          <a:bodyPr vert="horz" lIns="91440" tIns="45720" rIns="91440" bIns="45720" rtlCol="0" anchor="t">
+            <a:normAutofit/>
+          </a:bodyPr>
           <a:lstStyle/>
           <a:p>
+            <a:pPr marL="223520" indent="-223520"/>
             <a:r>
               <a:rPr lang="hu-HU" dirty="0"/>
-              <a:t>Egy 3D nyomtatással foglalkozó vállalat/cég</a:t>
-            </a:r>
+              <a:t>Egy 3D nyomtatással foglalkozó vállalat/cég.</a:t>
+            </a:r>
+          </a:p>
+          <a:p>
+            <a:pPr marL="223520" indent="-223520"/>
+            <a:r>
+              <a:rPr lang="hu-HU" dirty="0"/>
+              <a:t>Ennek egy </a:t>
+            </a:r>
+            <a:r>
+              <a:rPr lang="hu-HU" dirty="0" err="1"/>
+              <a:t>html</a:t>
+            </a:r>
+            <a:r>
+              <a:rPr lang="hu-HU" dirty="0"/>
+              <a:t> oldalt is készült.</a:t>
+            </a:r>
+          </a:p>
+          <a:p>
+            <a:pPr marL="223520" indent="-223520"/>
+            <a:endParaRPr lang="hu-HU" dirty="0"/>
           </a:p>
         </p:txBody>
       </p:sp>
@@ -4128,18 +6752,2469 @@
   <p:clrMapOvr>
     <a:masterClrMapping/>
   </p:clrMapOvr>
-  <mc:AlternateContent xmlns:mc="http://schemas.openxmlformats.org/markup-compatibility/2006" xmlns:p14="http://schemas.microsoft.com/office/powerpoint/2010/main">
-    <mc:Choice Requires="p14">
-      <p:transition spd="med" p14:dur="700">
-        <p:fade/>
+  <mc:AlternateContent xmlns:mc="http://schemas.openxmlformats.org/markup-compatibility/2006" xmlns:p159="http://schemas.microsoft.com/office/powerpoint/2015/09/main">
+    <mc:Choice Requires="p159">
+      <p:transition xmlns:p14="http://schemas.microsoft.com/office/powerpoint/2010/main" spd="slow" p14:dur="2000">
+        <p159:morph option="byObject"/>
       </p:transition>
     </mc:Choice>
     <mc:Fallback xmlns="">
-      <p:transition spd="med">
+      <p:transition spd="slow">
         <p:fade/>
       </p:transition>
     </mc:Fallback>
   </mc:AlternateContent>
+  <p:timing>
+    <p:tnLst>
+      <p:par>
+        <p:cTn id="1" dur="indefinite" restart="never" nodeType="tmRoot">
+          <p:childTnLst>
+            <p:seq concurrent="1" nextAc="seek">
+              <p:cTn id="2" dur="indefinite" nodeType="mainSeq">
+                <p:childTnLst>
+                  <p:par>
+                    <p:cTn id="3" fill="hold">
+                      <p:stCondLst>
+                        <p:cond delay="indefinite"/>
+                      </p:stCondLst>
+                      <p:childTnLst>
+                        <p:par>
+                          <p:cTn id="4" fill="hold">
+                            <p:stCondLst>
+                              <p:cond delay="0"/>
+                            </p:stCondLst>
+                            <p:childTnLst>
+                              <p:par>
+                                <p:cTn id="5" presetID="2" presetClass="entr" presetSubtype="4" fill="hold" grpId="0" nodeType="clickEffect">
+                                  <p:stCondLst>
+                                    <p:cond delay="0"/>
+                                  </p:stCondLst>
+                                  <p:childTnLst>
+                                    <p:set>
+                                      <p:cBhvr>
+                                        <p:cTn id="6" dur="1" fill="hold">
+                                          <p:stCondLst>
+                                            <p:cond delay="0"/>
+                                          </p:stCondLst>
+                                        </p:cTn>
+                                        <p:tgtEl>
+                                          <p:spTgt spid="2"/>
+                                        </p:tgtEl>
+                                        <p:attrNameLst>
+                                          <p:attrName>style.visibility</p:attrName>
+                                        </p:attrNameLst>
+                                      </p:cBhvr>
+                                      <p:to>
+                                        <p:strVal val="visible"/>
+                                      </p:to>
+                                    </p:set>
+                                    <p:anim calcmode="lin" valueType="num">
+                                      <p:cBhvr additive="base">
+                                        <p:cTn id="7" dur="500" fill="hold"/>
+                                        <p:tgtEl>
+                                          <p:spTgt spid="2"/>
+                                        </p:tgtEl>
+                                        <p:attrNameLst>
+                                          <p:attrName>ppt_x</p:attrName>
+                                        </p:attrNameLst>
+                                      </p:cBhvr>
+                                      <p:tavLst>
+                                        <p:tav tm="0">
+                                          <p:val>
+                                            <p:strVal val="#ppt_x"/>
+                                          </p:val>
+                                        </p:tav>
+                                        <p:tav tm="100000">
+                                          <p:val>
+                                            <p:strVal val="#ppt_x"/>
+                                          </p:val>
+                                        </p:tav>
+                                      </p:tavLst>
+                                    </p:anim>
+                                    <p:anim calcmode="lin" valueType="num">
+                                      <p:cBhvr additive="base">
+                                        <p:cTn id="8" dur="500" fill="hold"/>
+                                        <p:tgtEl>
+                                          <p:spTgt spid="2"/>
+                                        </p:tgtEl>
+                                        <p:attrNameLst>
+                                          <p:attrName>ppt_y</p:attrName>
+                                        </p:attrNameLst>
+                                      </p:cBhvr>
+                                      <p:tavLst>
+                                        <p:tav tm="0">
+                                          <p:val>
+                                            <p:strVal val="1+#ppt_h/2"/>
+                                          </p:val>
+                                        </p:tav>
+                                        <p:tav tm="100000">
+                                          <p:val>
+                                            <p:strVal val="#ppt_y"/>
+                                          </p:val>
+                                        </p:tav>
+                                      </p:tavLst>
+                                    </p:anim>
+                                  </p:childTnLst>
+                                </p:cTn>
+                              </p:par>
+                            </p:childTnLst>
+                          </p:cTn>
+                        </p:par>
+                      </p:childTnLst>
+                    </p:cTn>
+                  </p:par>
+                  <p:par>
+                    <p:cTn id="9" fill="hold">
+                      <p:stCondLst>
+                        <p:cond delay="indefinite"/>
+                      </p:stCondLst>
+                      <p:childTnLst>
+                        <p:par>
+                          <p:cTn id="10" fill="hold">
+                            <p:stCondLst>
+                              <p:cond delay="0"/>
+                            </p:stCondLst>
+                            <p:childTnLst>
+                              <p:par>
+                                <p:cTn id="11" presetID="2" presetClass="entr" presetSubtype="4" fill="hold" grpId="0" nodeType="clickEffect">
+                                  <p:stCondLst>
+                                    <p:cond delay="0"/>
+                                  </p:stCondLst>
+                                  <p:childTnLst>
+                                    <p:set>
+                                      <p:cBhvr>
+                                        <p:cTn id="12" dur="1" fill="hold">
+                                          <p:stCondLst>
+                                            <p:cond delay="0"/>
+                                          </p:stCondLst>
+                                        </p:cTn>
+                                        <p:tgtEl>
+                                          <p:spTgt spid="3">
+                                            <p:txEl>
+                                              <p:pRg st="0" end="0"/>
+                                            </p:txEl>
+                                          </p:spTgt>
+                                        </p:tgtEl>
+                                        <p:attrNameLst>
+                                          <p:attrName>style.visibility</p:attrName>
+                                        </p:attrNameLst>
+                                      </p:cBhvr>
+                                      <p:to>
+                                        <p:strVal val="visible"/>
+                                      </p:to>
+                                    </p:set>
+                                    <p:anim calcmode="lin" valueType="num">
+                                      <p:cBhvr additive="base">
+                                        <p:cTn id="13" dur="500" fill="hold"/>
+                                        <p:tgtEl>
+                                          <p:spTgt spid="3">
+                                            <p:txEl>
+                                              <p:pRg st="0" end="0"/>
+                                            </p:txEl>
+                                          </p:spTgt>
+                                        </p:tgtEl>
+                                        <p:attrNameLst>
+                                          <p:attrName>ppt_x</p:attrName>
+                                        </p:attrNameLst>
+                                      </p:cBhvr>
+                                      <p:tavLst>
+                                        <p:tav tm="0">
+                                          <p:val>
+                                            <p:strVal val="#ppt_x"/>
+                                          </p:val>
+                                        </p:tav>
+                                        <p:tav tm="100000">
+                                          <p:val>
+                                            <p:strVal val="#ppt_x"/>
+                                          </p:val>
+                                        </p:tav>
+                                      </p:tavLst>
+                                    </p:anim>
+                                    <p:anim calcmode="lin" valueType="num">
+                                      <p:cBhvr additive="base">
+                                        <p:cTn id="14" dur="500" fill="hold"/>
+                                        <p:tgtEl>
+                                          <p:spTgt spid="3">
+                                            <p:txEl>
+                                              <p:pRg st="0" end="0"/>
+                                            </p:txEl>
+                                          </p:spTgt>
+                                        </p:tgtEl>
+                                        <p:attrNameLst>
+                                          <p:attrName>ppt_y</p:attrName>
+                                        </p:attrNameLst>
+                                      </p:cBhvr>
+                                      <p:tavLst>
+                                        <p:tav tm="0">
+                                          <p:val>
+                                            <p:strVal val="1+#ppt_h/2"/>
+                                          </p:val>
+                                        </p:tav>
+                                        <p:tav tm="100000">
+                                          <p:val>
+                                            <p:strVal val="#ppt_y"/>
+                                          </p:val>
+                                        </p:tav>
+                                      </p:tavLst>
+                                    </p:anim>
+                                  </p:childTnLst>
+                                </p:cTn>
+                              </p:par>
+                            </p:childTnLst>
+                          </p:cTn>
+                        </p:par>
+                      </p:childTnLst>
+                    </p:cTn>
+                  </p:par>
+                  <p:par>
+                    <p:cTn id="15" fill="hold">
+                      <p:stCondLst>
+                        <p:cond delay="indefinite"/>
+                      </p:stCondLst>
+                      <p:childTnLst>
+                        <p:par>
+                          <p:cTn id="16" fill="hold">
+                            <p:stCondLst>
+                              <p:cond delay="0"/>
+                            </p:stCondLst>
+                            <p:childTnLst>
+                              <p:par>
+                                <p:cTn id="17" presetID="2" presetClass="entr" presetSubtype="4" fill="hold" grpId="0" nodeType="clickEffect">
+                                  <p:stCondLst>
+                                    <p:cond delay="0"/>
+                                  </p:stCondLst>
+                                  <p:childTnLst>
+                                    <p:set>
+                                      <p:cBhvr>
+                                        <p:cTn id="18" dur="1" fill="hold">
+                                          <p:stCondLst>
+                                            <p:cond delay="0"/>
+                                          </p:stCondLst>
+                                        </p:cTn>
+                                        <p:tgtEl>
+                                          <p:spTgt spid="3">
+                                            <p:txEl>
+                                              <p:pRg st="1" end="1"/>
+                                            </p:txEl>
+                                          </p:spTgt>
+                                        </p:tgtEl>
+                                        <p:attrNameLst>
+                                          <p:attrName>style.visibility</p:attrName>
+                                        </p:attrNameLst>
+                                      </p:cBhvr>
+                                      <p:to>
+                                        <p:strVal val="visible"/>
+                                      </p:to>
+                                    </p:set>
+                                    <p:anim calcmode="lin" valueType="num">
+                                      <p:cBhvr additive="base">
+                                        <p:cTn id="19" dur="500" fill="hold"/>
+                                        <p:tgtEl>
+                                          <p:spTgt spid="3">
+                                            <p:txEl>
+                                              <p:pRg st="1" end="1"/>
+                                            </p:txEl>
+                                          </p:spTgt>
+                                        </p:tgtEl>
+                                        <p:attrNameLst>
+                                          <p:attrName>ppt_x</p:attrName>
+                                        </p:attrNameLst>
+                                      </p:cBhvr>
+                                      <p:tavLst>
+                                        <p:tav tm="0">
+                                          <p:val>
+                                            <p:strVal val="#ppt_x"/>
+                                          </p:val>
+                                        </p:tav>
+                                        <p:tav tm="100000">
+                                          <p:val>
+                                            <p:strVal val="#ppt_x"/>
+                                          </p:val>
+                                        </p:tav>
+                                      </p:tavLst>
+                                    </p:anim>
+                                    <p:anim calcmode="lin" valueType="num">
+                                      <p:cBhvr additive="base">
+                                        <p:cTn id="20" dur="500" fill="hold"/>
+                                        <p:tgtEl>
+                                          <p:spTgt spid="3">
+                                            <p:txEl>
+                                              <p:pRg st="1" end="1"/>
+                                            </p:txEl>
+                                          </p:spTgt>
+                                        </p:tgtEl>
+                                        <p:attrNameLst>
+                                          <p:attrName>ppt_y</p:attrName>
+                                        </p:attrNameLst>
+                                      </p:cBhvr>
+                                      <p:tavLst>
+                                        <p:tav tm="0">
+                                          <p:val>
+                                            <p:strVal val="1+#ppt_h/2"/>
+                                          </p:val>
+                                        </p:tav>
+                                        <p:tav tm="100000">
+                                          <p:val>
+                                            <p:strVal val="#ppt_y"/>
+                                          </p:val>
+                                        </p:tav>
+                                      </p:tavLst>
+                                    </p:anim>
+                                  </p:childTnLst>
+                                </p:cTn>
+                              </p:par>
+                            </p:childTnLst>
+                          </p:cTn>
+                        </p:par>
+                      </p:childTnLst>
+                    </p:cTn>
+                  </p:par>
+                </p:childTnLst>
+              </p:cTn>
+              <p:prevCondLst>
+                <p:cond evt="onPrev" delay="0">
+                  <p:tgtEl>
+                    <p:sldTgt/>
+                  </p:tgtEl>
+                </p:cond>
+              </p:prevCondLst>
+              <p:nextCondLst>
+                <p:cond evt="onNext" delay="0">
+                  <p:tgtEl>
+                    <p:sldTgt/>
+                  </p:tgtEl>
+                </p:cond>
+              </p:nextCondLst>
+            </p:seq>
+          </p:childTnLst>
+        </p:cTn>
+      </p:par>
+    </p:tnLst>
+    <p:bldLst>
+      <p:bldP spid="2" grpId="0"/>
+      <p:bldP spid="3" grpId="0" build="p"/>
+    </p:bldLst>
+  </p:timing>
+</p:sld>
+</file>
+
+<file path=ppt/slides/slide3.xml><?xml version="1.0" encoding="utf-8"?>
+<p:sld xmlns:a="http://schemas.openxmlformats.org/drawingml/2006/main" xmlns:r="http://schemas.openxmlformats.org/officeDocument/2006/relationships" xmlns:p="http://schemas.openxmlformats.org/presentationml/2006/main">
+  <p:cSld>
+    <p:spTree>
+      <p:nvGrpSpPr>
+        <p:cNvPr id="1" name=""/>
+        <p:cNvGrpSpPr/>
+        <p:nvPr/>
+      </p:nvGrpSpPr>
+      <p:grpSpPr>
+        <a:xfrm>
+          <a:off x="0" y="0"/>
+          <a:ext cx="0" cy="0"/>
+          <a:chOff x="0" y="0"/>
+          <a:chExt cx="0" cy="0"/>
+        </a:xfrm>
+      </p:grpSpPr>
+      <p:sp>
+        <p:nvSpPr>
+          <p:cNvPr id="2" name="Cím 1">
+            <a:extLst>
+              <a:ext uri="{FF2B5EF4-FFF2-40B4-BE49-F238E27FC236}">
+                <a16:creationId xmlns:a16="http://schemas.microsoft.com/office/drawing/2014/main" id="{71C2681D-A66A-E3E7-5E6C-0654EF151F44}"/>
+              </a:ext>
+            </a:extLst>
+          </p:cNvPr>
+          <p:cNvSpPr>
+            <a:spLocks noGrp="1"/>
+          </p:cNvSpPr>
+          <p:nvPr>
+            <p:ph type="title"/>
+          </p:nvPr>
+        </p:nvSpPr>
+        <p:spPr>
+          <a:xfrm>
+            <a:off x="455612" y="248912"/>
+            <a:ext cx="8532178" cy="1507067"/>
+          </a:xfrm>
+        </p:spPr>
+        <p:txBody>
+          <a:bodyPr/>
+          <a:lstStyle/>
+          <a:p>
+            <a:r>
+              <a:rPr lang="hu-HU" dirty="0"/>
+              <a:t>Milyen eszközökkel dolgoztam?</a:t>
+            </a:r>
+          </a:p>
+        </p:txBody>
+      </p:sp>
+      <p:sp>
+        <p:nvSpPr>
+          <p:cNvPr id="3" name="Tartalom helye 2">
+            <a:extLst>
+              <a:ext uri="{FF2B5EF4-FFF2-40B4-BE49-F238E27FC236}">
+                <a16:creationId xmlns:a16="http://schemas.microsoft.com/office/drawing/2014/main" id="{4C6E2CFF-28A8-4C0A-81F8-06CE90CAD758}"/>
+              </a:ext>
+            </a:extLst>
+          </p:cNvPr>
+          <p:cNvSpPr>
+            <a:spLocks noGrp="1"/>
+          </p:cNvSpPr>
+          <p:nvPr>
+            <p:ph idx="1"/>
+          </p:nvPr>
+        </p:nvSpPr>
+        <p:spPr>
+          <a:xfrm>
+            <a:off x="473598" y="1456694"/>
+            <a:ext cx="8532178" cy="3615267"/>
+          </a:xfrm>
+        </p:spPr>
+        <p:txBody>
+          <a:bodyPr vert="horz" lIns="91440" tIns="45720" rIns="91440" bIns="45720" rtlCol="0" anchor="t">
+            <a:normAutofit/>
+          </a:bodyPr>
+          <a:lstStyle/>
+          <a:p>
+            <a:pPr marL="223520" indent="-223520"/>
+            <a:r>
+              <a:rPr lang="hu-HU" dirty="0"/>
+              <a:t>Visual </a:t>
+            </a:r>
+            <a:r>
+              <a:rPr lang="hu-HU" dirty="0" err="1"/>
+              <a:t>Studio</a:t>
+            </a:r>
+            <a:r>
+              <a:rPr lang="hu-HU" dirty="0"/>
+              <a:t> kódban csináltam a </a:t>
+            </a:r>
+            <a:r>
+              <a:rPr lang="hu-HU" dirty="0" err="1"/>
+              <a:t>css</a:t>
+            </a:r>
+            <a:r>
+              <a:rPr lang="hu-HU" dirty="0"/>
+              <a:t>-t és a </a:t>
+            </a:r>
+            <a:r>
+              <a:rPr lang="hu-HU" dirty="0" err="1"/>
+              <a:t>html</a:t>
+            </a:r>
+            <a:r>
+              <a:rPr lang="hu-HU" dirty="0"/>
+              <a:t> fájlokat.</a:t>
+            </a:r>
+          </a:p>
+          <a:p>
+            <a:pPr marL="223520" indent="-223520"/>
+            <a:r>
+              <a:rPr lang="hu-HU" dirty="0"/>
+              <a:t>Nagyon kevés AI-t használtam a </a:t>
+            </a:r>
+            <a:r>
+              <a:rPr lang="hu-HU" dirty="0" err="1"/>
+              <a:t>html</a:t>
+            </a:r>
+            <a:r>
+              <a:rPr lang="hu-HU" dirty="0"/>
+              <a:t> kódhoz.</a:t>
+            </a:r>
+          </a:p>
+          <a:p>
+            <a:pPr marL="223520" indent="-223520"/>
+            <a:r>
+              <a:rPr lang="hu-HU" dirty="0"/>
+              <a:t>Videó „vágáshoz” </a:t>
+            </a:r>
+            <a:r>
+              <a:rPr lang="hu-HU" dirty="0" err="1"/>
+              <a:t>Capcut</a:t>
+            </a:r>
+            <a:r>
+              <a:rPr lang="hu-HU" dirty="0"/>
+              <a:t>-ot használtam.</a:t>
+            </a:r>
+          </a:p>
+          <a:p>
+            <a:pPr marL="223520" indent="-223520"/>
+            <a:endParaRPr lang="hu-HU" dirty="0"/>
+          </a:p>
+        </p:txBody>
+      </p:sp>
+      <p:pic>
+        <p:nvPicPr>
+          <p:cNvPr id="4" name="Kép 3" descr="A képen szöveg, képernyőkép, szoftver látható&#10;&#10;Automatikusan generált leírás">
+            <a:extLst>
+              <a:ext uri="{FF2B5EF4-FFF2-40B4-BE49-F238E27FC236}">
+                <a16:creationId xmlns:a16="http://schemas.microsoft.com/office/drawing/2014/main" id="{9E518861-0776-1733-934C-CBD4328BB8FB}"/>
+              </a:ext>
+            </a:extLst>
+          </p:cNvPr>
+          <p:cNvPicPr>
+            <a:picLocks noChangeAspect="1"/>
+          </p:cNvPicPr>
+          <p:nvPr/>
+        </p:nvPicPr>
+        <p:blipFill>
+          <a:blip r:embed="rId2"/>
+          <a:stretch>
+            <a:fillRect/>
+          </a:stretch>
+        </p:blipFill>
+        <p:spPr>
+          <a:xfrm>
+            <a:off x="4005" y="3299281"/>
+            <a:ext cx="6311596" cy="3135617"/>
+          </a:xfrm>
+          <a:prstGeom prst="rect">
+            <a:avLst/>
+          </a:prstGeom>
+        </p:spPr>
+      </p:pic>
+      <p:pic>
+        <p:nvPicPr>
+          <p:cNvPr id="5" name="Kép 4" descr="A képen szöveg, képernyőkép, képernyő, szoftver látható&#10;&#10;Automatikusan generált leírás">
+            <a:extLst>
+              <a:ext uri="{FF2B5EF4-FFF2-40B4-BE49-F238E27FC236}">
+                <a16:creationId xmlns:a16="http://schemas.microsoft.com/office/drawing/2014/main" id="{9FABA811-9815-9ECE-5814-0A59ECD2CACA}"/>
+              </a:ext>
+            </a:extLst>
+          </p:cNvPr>
+          <p:cNvPicPr>
+            <a:picLocks noChangeAspect="1"/>
+          </p:cNvPicPr>
+          <p:nvPr/>
+        </p:nvPicPr>
+        <p:blipFill>
+          <a:blip r:embed="rId3"/>
+          <a:stretch>
+            <a:fillRect/>
+          </a:stretch>
+        </p:blipFill>
+        <p:spPr>
+          <a:xfrm>
+            <a:off x="6418808" y="1981200"/>
+            <a:ext cx="5770017" cy="3352935"/>
+          </a:xfrm>
+          <a:prstGeom prst="rect">
+            <a:avLst/>
+          </a:prstGeom>
+        </p:spPr>
+      </p:pic>
+    </p:spTree>
+    <p:extLst>
+      <p:ext uri="{BB962C8B-B14F-4D97-AF65-F5344CB8AC3E}">
+        <p14:creationId xmlns:p14="http://schemas.microsoft.com/office/powerpoint/2010/main" val="4253310220"/>
+      </p:ext>
+    </p:extLst>
+  </p:cSld>
+  <p:clrMapOvr>
+    <a:masterClrMapping/>
+  </p:clrMapOvr>
+  <mc:AlternateContent xmlns:mc="http://schemas.openxmlformats.org/markup-compatibility/2006" xmlns:p159="http://schemas.microsoft.com/office/powerpoint/2015/09/main">
+    <mc:Choice Requires="p159">
+      <p:transition xmlns:p14="http://schemas.microsoft.com/office/powerpoint/2010/main" spd="slow" p14:dur="2000">
+        <p159:morph option="byObject"/>
+      </p:transition>
+    </mc:Choice>
+    <mc:Fallback xmlns="">
+      <p:transition spd="slow">
+        <p:fade/>
+      </p:transition>
+    </mc:Fallback>
+  </mc:AlternateContent>
+  <p:timing>
+    <p:tnLst>
+      <p:par>
+        <p:cTn id="1" dur="indefinite" restart="never" nodeType="tmRoot">
+          <p:childTnLst>
+            <p:seq concurrent="1" nextAc="seek">
+              <p:cTn id="2" dur="indefinite" nodeType="mainSeq">
+                <p:childTnLst>
+                  <p:par>
+                    <p:cTn id="3" fill="hold">
+                      <p:stCondLst>
+                        <p:cond delay="indefinite"/>
+                      </p:stCondLst>
+                      <p:childTnLst>
+                        <p:par>
+                          <p:cTn id="4" fill="hold">
+                            <p:stCondLst>
+                              <p:cond delay="0"/>
+                            </p:stCondLst>
+                            <p:childTnLst>
+                              <p:par>
+                                <p:cTn id="5" presetID="2" presetClass="entr" presetSubtype="4" fill="hold" grpId="0" nodeType="clickEffect">
+                                  <p:stCondLst>
+                                    <p:cond delay="0"/>
+                                  </p:stCondLst>
+                                  <p:childTnLst>
+                                    <p:set>
+                                      <p:cBhvr>
+                                        <p:cTn id="6" dur="1" fill="hold">
+                                          <p:stCondLst>
+                                            <p:cond delay="0"/>
+                                          </p:stCondLst>
+                                        </p:cTn>
+                                        <p:tgtEl>
+                                          <p:spTgt spid="2"/>
+                                        </p:tgtEl>
+                                        <p:attrNameLst>
+                                          <p:attrName>style.visibility</p:attrName>
+                                        </p:attrNameLst>
+                                      </p:cBhvr>
+                                      <p:to>
+                                        <p:strVal val="visible"/>
+                                      </p:to>
+                                    </p:set>
+                                    <p:anim calcmode="lin" valueType="num">
+                                      <p:cBhvr additive="base">
+                                        <p:cTn id="7" dur="500" fill="hold"/>
+                                        <p:tgtEl>
+                                          <p:spTgt spid="2"/>
+                                        </p:tgtEl>
+                                        <p:attrNameLst>
+                                          <p:attrName>ppt_x</p:attrName>
+                                        </p:attrNameLst>
+                                      </p:cBhvr>
+                                      <p:tavLst>
+                                        <p:tav tm="0">
+                                          <p:val>
+                                            <p:strVal val="#ppt_x"/>
+                                          </p:val>
+                                        </p:tav>
+                                        <p:tav tm="100000">
+                                          <p:val>
+                                            <p:strVal val="#ppt_x"/>
+                                          </p:val>
+                                        </p:tav>
+                                      </p:tavLst>
+                                    </p:anim>
+                                    <p:anim calcmode="lin" valueType="num">
+                                      <p:cBhvr additive="base">
+                                        <p:cTn id="8" dur="500" fill="hold"/>
+                                        <p:tgtEl>
+                                          <p:spTgt spid="2"/>
+                                        </p:tgtEl>
+                                        <p:attrNameLst>
+                                          <p:attrName>ppt_y</p:attrName>
+                                        </p:attrNameLst>
+                                      </p:cBhvr>
+                                      <p:tavLst>
+                                        <p:tav tm="0">
+                                          <p:val>
+                                            <p:strVal val="1+#ppt_h/2"/>
+                                          </p:val>
+                                        </p:tav>
+                                        <p:tav tm="100000">
+                                          <p:val>
+                                            <p:strVal val="#ppt_y"/>
+                                          </p:val>
+                                        </p:tav>
+                                      </p:tavLst>
+                                    </p:anim>
+                                  </p:childTnLst>
+                                </p:cTn>
+                              </p:par>
+                            </p:childTnLst>
+                          </p:cTn>
+                        </p:par>
+                      </p:childTnLst>
+                    </p:cTn>
+                  </p:par>
+                  <p:par>
+                    <p:cTn id="9" fill="hold">
+                      <p:stCondLst>
+                        <p:cond delay="indefinite"/>
+                      </p:stCondLst>
+                      <p:childTnLst>
+                        <p:par>
+                          <p:cTn id="10" fill="hold">
+                            <p:stCondLst>
+                              <p:cond delay="0"/>
+                            </p:stCondLst>
+                            <p:childTnLst>
+                              <p:par>
+                                <p:cTn id="11" presetID="2" presetClass="entr" presetSubtype="4" fill="hold" grpId="0" nodeType="clickEffect">
+                                  <p:stCondLst>
+                                    <p:cond delay="0"/>
+                                  </p:stCondLst>
+                                  <p:childTnLst>
+                                    <p:set>
+                                      <p:cBhvr>
+                                        <p:cTn id="12" dur="1" fill="hold">
+                                          <p:stCondLst>
+                                            <p:cond delay="0"/>
+                                          </p:stCondLst>
+                                        </p:cTn>
+                                        <p:tgtEl>
+                                          <p:spTgt spid="3">
+                                            <p:txEl>
+                                              <p:pRg st="0" end="0"/>
+                                            </p:txEl>
+                                          </p:spTgt>
+                                        </p:tgtEl>
+                                        <p:attrNameLst>
+                                          <p:attrName>style.visibility</p:attrName>
+                                        </p:attrNameLst>
+                                      </p:cBhvr>
+                                      <p:to>
+                                        <p:strVal val="visible"/>
+                                      </p:to>
+                                    </p:set>
+                                    <p:anim calcmode="lin" valueType="num">
+                                      <p:cBhvr additive="base">
+                                        <p:cTn id="13" dur="500" fill="hold"/>
+                                        <p:tgtEl>
+                                          <p:spTgt spid="3">
+                                            <p:txEl>
+                                              <p:pRg st="0" end="0"/>
+                                            </p:txEl>
+                                          </p:spTgt>
+                                        </p:tgtEl>
+                                        <p:attrNameLst>
+                                          <p:attrName>ppt_x</p:attrName>
+                                        </p:attrNameLst>
+                                      </p:cBhvr>
+                                      <p:tavLst>
+                                        <p:tav tm="0">
+                                          <p:val>
+                                            <p:strVal val="#ppt_x"/>
+                                          </p:val>
+                                        </p:tav>
+                                        <p:tav tm="100000">
+                                          <p:val>
+                                            <p:strVal val="#ppt_x"/>
+                                          </p:val>
+                                        </p:tav>
+                                      </p:tavLst>
+                                    </p:anim>
+                                    <p:anim calcmode="lin" valueType="num">
+                                      <p:cBhvr additive="base">
+                                        <p:cTn id="14" dur="500" fill="hold"/>
+                                        <p:tgtEl>
+                                          <p:spTgt spid="3">
+                                            <p:txEl>
+                                              <p:pRg st="0" end="0"/>
+                                            </p:txEl>
+                                          </p:spTgt>
+                                        </p:tgtEl>
+                                        <p:attrNameLst>
+                                          <p:attrName>ppt_y</p:attrName>
+                                        </p:attrNameLst>
+                                      </p:cBhvr>
+                                      <p:tavLst>
+                                        <p:tav tm="0">
+                                          <p:val>
+                                            <p:strVal val="1+#ppt_h/2"/>
+                                          </p:val>
+                                        </p:tav>
+                                        <p:tav tm="100000">
+                                          <p:val>
+                                            <p:strVal val="#ppt_y"/>
+                                          </p:val>
+                                        </p:tav>
+                                      </p:tavLst>
+                                    </p:anim>
+                                  </p:childTnLst>
+                                </p:cTn>
+                              </p:par>
+                            </p:childTnLst>
+                          </p:cTn>
+                        </p:par>
+                      </p:childTnLst>
+                    </p:cTn>
+                  </p:par>
+                  <p:par>
+                    <p:cTn id="15" fill="hold">
+                      <p:stCondLst>
+                        <p:cond delay="indefinite"/>
+                      </p:stCondLst>
+                      <p:childTnLst>
+                        <p:par>
+                          <p:cTn id="16" fill="hold">
+                            <p:stCondLst>
+                              <p:cond delay="0"/>
+                            </p:stCondLst>
+                            <p:childTnLst>
+                              <p:par>
+                                <p:cTn id="17" presetID="2" presetClass="entr" presetSubtype="4" fill="hold" grpId="0" nodeType="clickEffect">
+                                  <p:stCondLst>
+                                    <p:cond delay="0"/>
+                                  </p:stCondLst>
+                                  <p:childTnLst>
+                                    <p:set>
+                                      <p:cBhvr>
+                                        <p:cTn id="18" dur="1" fill="hold">
+                                          <p:stCondLst>
+                                            <p:cond delay="0"/>
+                                          </p:stCondLst>
+                                        </p:cTn>
+                                        <p:tgtEl>
+                                          <p:spTgt spid="3">
+                                            <p:txEl>
+                                              <p:pRg st="1" end="1"/>
+                                            </p:txEl>
+                                          </p:spTgt>
+                                        </p:tgtEl>
+                                        <p:attrNameLst>
+                                          <p:attrName>style.visibility</p:attrName>
+                                        </p:attrNameLst>
+                                      </p:cBhvr>
+                                      <p:to>
+                                        <p:strVal val="visible"/>
+                                      </p:to>
+                                    </p:set>
+                                    <p:anim calcmode="lin" valueType="num">
+                                      <p:cBhvr additive="base">
+                                        <p:cTn id="19" dur="500" fill="hold"/>
+                                        <p:tgtEl>
+                                          <p:spTgt spid="3">
+                                            <p:txEl>
+                                              <p:pRg st="1" end="1"/>
+                                            </p:txEl>
+                                          </p:spTgt>
+                                        </p:tgtEl>
+                                        <p:attrNameLst>
+                                          <p:attrName>ppt_x</p:attrName>
+                                        </p:attrNameLst>
+                                      </p:cBhvr>
+                                      <p:tavLst>
+                                        <p:tav tm="0">
+                                          <p:val>
+                                            <p:strVal val="#ppt_x"/>
+                                          </p:val>
+                                        </p:tav>
+                                        <p:tav tm="100000">
+                                          <p:val>
+                                            <p:strVal val="#ppt_x"/>
+                                          </p:val>
+                                        </p:tav>
+                                      </p:tavLst>
+                                    </p:anim>
+                                    <p:anim calcmode="lin" valueType="num">
+                                      <p:cBhvr additive="base">
+                                        <p:cTn id="20" dur="500" fill="hold"/>
+                                        <p:tgtEl>
+                                          <p:spTgt spid="3">
+                                            <p:txEl>
+                                              <p:pRg st="1" end="1"/>
+                                            </p:txEl>
+                                          </p:spTgt>
+                                        </p:tgtEl>
+                                        <p:attrNameLst>
+                                          <p:attrName>ppt_y</p:attrName>
+                                        </p:attrNameLst>
+                                      </p:cBhvr>
+                                      <p:tavLst>
+                                        <p:tav tm="0">
+                                          <p:val>
+                                            <p:strVal val="1+#ppt_h/2"/>
+                                          </p:val>
+                                        </p:tav>
+                                        <p:tav tm="100000">
+                                          <p:val>
+                                            <p:strVal val="#ppt_y"/>
+                                          </p:val>
+                                        </p:tav>
+                                      </p:tavLst>
+                                    </p:anim>
+                                  </p:childTnLst>
+                                </p:cTn>
+                              </p:par>
+                            </p:childTnLst>
+                          </p:cTn>
+                        </p:par>
+                      </p:childTnLst>
+                    </p:cTn>
+                  </p:par>
+                  <p:par>
+                    <p:cTn id="21" fill="hold">
+                      <p:stCondLst>
+                        <p:cond delay="indefinite"/>
+                      </p:stCondLst>
+                      <p:childTnLst>
+                        <p:par>
+                          <p:cTn id="22" fill="hold">
+                            <p:stCondLst>
+                              <p:cond delay="0"/>
+                            </p:stCondLst>
+                            <p:childTnLst>
+                              <p:par>
+                                <p:cTn id="23" presetID="2" presetClass="entr" presetSubtype="4" fill="hold" grpId="0" nodeType="clickEffect">
+                                  <p:stCondLst>
+                                    <p:cond delay="0"/>
+                                  </p:stCondLst>
+                                  <p:childTnLst>
+                                    <p:set>
+                                      <p:cBhvr>
+                                        <p:cTn id="24" dur="1" fill="hold">
+                                          <p:stCondLst>
+                                            <p:cond delay="0"/>
+                                          </p:stCondLst>
+                                        </p:cTn>
+                                        <p:tgtEl>
+                                          <p:spTgt spid="3">
+                                            <p:txEl>
+                                              <p:pRg st="2" end="2"/>
+                                            </p:txEl>
+                                          </p:spTgt>
+                                        </p:tgtEl>
+                                        <p:attrNameLst>
+                                          <p:attrName>style.visibility</p:attrName>
+                                        </p:attrNameLst>
+                                      </p:cBhvr>
+                                      <p:to>
+                                        <p:strVal val="visible"/>
+                                      </p:to>
+                                    </p:set>
+                                    <p:anim calcmode="lin" valueType="num">
+                                      <p:cBhvr additive="base">
+                                        <p:cTn id="25" dur="500" fill="hold"/>
+                                        <p:tgtEl>
+                                          <p:spTgt spid="3">
+                                            <p:txEl>
+                                              <p:pRg st="2" end="2"/>
+                                            </p:txEl>
+                                          </p:spTgt>
+                                        </p:tgtEl>
+                                        <p:attrNameLst>
+                                          <p:attrName>ppt_x</p:attrName>
+                                        </p:attrNameLst>
+                                      </p:cBhvr>
+                                      <p:tavLst>
+                                        <p:tav tm="0">
+                                          <p:val>
+                                            <p:strVal val="#ppt_x"/>
+                                          </p:val>
+                                        </p:tav>
+                                        <p:tav tm="100000">
+                                          <p:val>
+                                            <p:strVal val="#ppt_x"/>
+                                          </p:val>
+                                        </p:tav>
+                                      </p:tavLst>
+                                    </p:anim>
+                                    <p:anim calcmode="lin" valueType="num">
+                                      <p:cBhvr additive="base">
+                                        <p:cTn id="26" dur="500" fill="hold"/>
+                                        <p:tgtEl>
+                                          <p:spTgt spid="3">
+                                            <p:txEl>
+                                              <p:pRg st="2" end="2"/>
+                                            </p:txEl>
+                                          </p:spTgt>
+                                        </p:tgtEl>
+                                        <p:attrNameLst>
+                                          <p:attrName>ppt_y</p:attrName>
+                                        </p:attrNameLst>
+                                      </p:cBhvr>
+                                      <p:tavLst>
+                                        <p:tav tm="0">
+                                          <p:val>
+                                            <p:strVal val="1+#ppt_h/2"/>
+                                          </p:val>
+                                        </p:tav>
+                                        <p:tav tm="100000">
+                                          <p:val>
+                                            <p:strVal val="#ppt_y"/>
+                                          </p:val>
+                                        </p:tav>
+                                      </p:tavLst>
+                                    </p:anim>
+                                  </p:childTnLst>
+                                </p:cTn>
+                              </p:par>
+                            </p:childTnLst>
+                          </p:cTn>
+                        </p:par>
+                      </p:childTnLst>
+                    </p:cTn>
+                  </p:par>
+                  <p:par>
+                    <p:cTn id="27" fill="hold">
+                      <p:stCondLst>
+                        <p:cond delay="indefinite"/>
+                      </p:stCondLst>
+                      <p:childTnLst>
+                        <p:par>
+                          <p:cTn id="28" fill="hold">
+                            <p:stCondLst>
+                              <p:cond delay="0"/>
+                            </p:stCondLst>
+                            <p:childTnLst>
+                              <p:par>
+                                <p:cTn id="29" presetID="42" presetClass="entr" presetSubtype="0" fill="hold" nodeType="clickEffect">
+                                  <p:stCondLst>
+                                    <p:cond delay="0"/>
+                                  </p:stCondLst>
+                                  <p:childTnLst>
+                                    <p:set>
+                                      <p:cBhvr>
+                                        <p:cTn id="30" dur="1" fill="hold">
+                                          <p:stCondLst>
+                                            <p:cond delay="0"/>
+                                          </p:stCondLst>
+                                        </p:cTn>
+                                        <p:tgtEl>
+                                          <p:spTgt spid="4"/>
+                                        </p:tgtEl>
+                                        <p:attrNameLst>
+                                          <p:attrName>style.visibility</p:attrName>
+                                        </p:attrNameLst>
+                                      </p:cBhvr>
+                                      <p:to>
+                                        <p:strVal val="visible"/>
+                                      </p:to>
+                                    </p:set>
+                                    <p:animEffect transition="in" filter="fade">
+                                      <p:cBhvr>
+                                        <p:cTn id="31" dur="1000"/>
+                                        <p:tgtEl>
+                                          <p:spTgt spid="4"/>
+                                        </p:tgtEl>
+                                      </p:cBhvr>
+                                    </p:animEffect>
+                                    <p:anim calcmode="lin" valueType="num">
+                                      <p:cBhvr>
+                                        <p:cTn id="32" dur="1000" fill="hold"/>
+                                        <p:tgtEl>
+                                          <p:spTgt spid="4"/>
+                                        </p:tgtEl>
+                                        <p:attrNameLst>
+                                          <p:attrName>ppt_x</p:attrName>
+                                        </p:attrNameLst>
+                                      </p:cBhvr>
+                                      <p:tavLst>
+                                        <p:tav tm="0">
+                                          <p:val>
+                                            <p:strVal val="#ppt_x"/>
+                                          </p:val>
+                                        </p:tav>
+                                        <p:tav tm="100000">
+                                          <p:val>
+                                            <p:strVal val="#ppt_x"/>
+                                          </p:val>
+                                        </p:tav>
+                                      </p:tavLst>
+                                    </p:anim>
+                                    <p:anim calcmode="lin" valueType="num">
+                                      <p:cBhvr>
+                                        <p:cTn id="33" dur="1000" fill="hold"/>
+                                        <p:tgtEl>
+                                          <p:spTgt spid="4"/>
+                                        </p:tgtEl>
+                                        <p:attrNameLst>
+                                          <p:attrName>ppt_y</p:attrName>
+                                        </p:attrNameLst>
+                                      </p:cBhvr>
+                                      <p:tavLst>
+                                        <p:tav tm="0">
+                                          <p:val>
+                                            <p:strVal val="#ppt_y+.1"/>
+                                          </p:val>
+                                        </p:tav>
+                                        <p:tav tm="100000">
+                                          <p:val>
+                                            <p:strVal val="#ppt_y"/>
+                                          </p:val>
+                                        </p:tav>
+                                      </p:tavLst>
+                                    </p:anim>
+                                  </p:childTnLst>
+                                </p:cTn>
+                              </p:par>
+                            </p:childTnLst>
+                          </p:cTn>
+                        </p:par>
+                      </p:childTnLst>
+                    </p:cTn>
+                  </p:par>
+                  <p:par>
+                    <p:cTn id="34" fill="hold">
+                      <p:stCondLst>
+                        <p:cond delay="indefinite"/>
+                      </p:stCondLst>
+                      <p:childTnLst>
+                        <p:par>
+                          <p:cTn id="35" fill="hold">
+                            <p:stCondLst>
+                              <p:cond delay="0"/>
+                            </p:stCondLst>
+                            <p:childTnLst>
+                              <p:par>
+                                <p:cTn id="36" presetID="42" presetClass="entr" presetSubtype="0" fill="hold" nodeType="clickEffect">
+                                  <p:stCondLst>
+                                    <p:cond delay="0"/>
+                                  </p:stCondLst>
+                                  <p:childTnLst>
+                                    <p:set>
+                                      <p:cBhvr>
+                                        <p:cTn id="37" dur="1" fill="hold">
+                                          <p:stCondLst>
+                                            <p:cond delay="0"/>
+                                          </p:stCondLst>
+                                        </p:cTn>
+                                        <p:tgtEl>
+                                          <p:spTgt spid="5"/>
+                                        </p:tgtEl>
+                                        <p:attrNameLst>
+                                          <p:attrName>style.visibility</p:attrName>
+                                        </p:attrNameLst>
+                                      </p:cBhvr>
+                                      <p:to>
+                                        <p:strVal val="visible"/>
+                                      </p:to>
+                                    </p:set>
+                                    <p:animEffect transition="in" filter="fade">
+                                      <p:cBhvr>
+                                        <p:cTn id="38" dur="1000"/>
+                                        <p:tgtEl>
+                                          <p:spTgt spid="5"/>
+                                        </p:tgtEl>
+                                      </p:cBhvr>
+                                    </p:animEffect>
+                                    <p:anim calcmode="lin" valueType="num">
+                                      <p:cBhvr>
+                                        <p:cTn id="39" dur="1000" fill="hold"/>
+                                        <p:tgtEl>
+                                          <p:spTgt spid="5"/>
+                                        </p:tgtEl>
+                                        <p:attrNameLst>
+                                          <p:attrName>ppt_x</p:attrName>
+                                        </p:attrNameLst>
+                                      </p:cBhvr>
+                                      <p:tavLst>
+                                        <p:tav tm="0">
+                                          <p:val>
+                                            <p:strVal val="#ppt_x"/>
+                                          </p:val>
+                                        </p:tav>
+                                        <p:tav tm="100000">
+                                          <p:val>
+                                            <p:strVal val="#ppt_x"/>
+                                          </p:val>
+                                        </p:tav>
+                                      </p:tavLst>
+                                    </p:anim>
+                                    <p:anim calcmode="lin" valueType="num">
+                                      <p:cBhvr>
+                                        <p:cTn id="40" dur="1000" fill="hold"/>
+                                        <p:tgtEl>
+                                          <p:spTgt spid="5"/>
+                                        </p:tgtEl>
+                                        <p:attrNameLst>
+                                          <p:attrName>ppt_y</p:attrName>
+                                        </p:attrNameLst>
+                                      </p:cBhvr>
+                                      <p:tavLst>
+                                        <p:tav tm="0">
+                                          <p:val>
+                                            <p:strVal val="#ppt_y+.1"/>
+                                          </p:val>
+                                        </p:tav>
+                                        <p:tav tm="100000">
+                                          <p:val>
+                                            <p:strVal val="#ppt_y"/>
+                                          </p:val>
+                                        </p:tav>
+                                      </p:tavLst>
+                                    </p:anim>
+                                  </p:childTnLst>
+                                </p:cTn>
+                              </p:par>
+                            </p:childTnLst>
+                          </p:cTn>
+                        </p:par>
+                      </p:childTnLst>
+                    </p:cTn>
+                  </p:par>
+                </p:childTnLst>
+              </p:cTn>
+              <p:prevCondLst>
+                <p:cond evt="onPrev" delay="0">
+                  <p:tgtEl>
+                    <p:sldTgt/>
+                  </p:tgtEl>
+                </p:cond>
+              </p:prevCondLst>
+              <p:nextCondLst>
+                <p:cond evt="onNext" delay="0">
+                  <p:tgtEl>
+                    <p:sldTgt/>
+                  </p:tgtEl>
+                </p:cond>
+              </p:nextCondLst>
+            </p:seq>
+          </p:childTnLst>
+        </p:cTn>
+      </p:par>
+    </p:tnLst>
+    <p:bldLst>
+      <p:bldP spid="2" grpId="0"/>
+      <p:bldP spid="3" grpId="0" build="p"/>
+    </p:bldLst>
+  </p:timing>
+</p:sld>
+</file>
+
+<file path=ppt/slides/slide4.xml><?xml version="1.0" encoding="utf-8"?>
+<p:sld xmlns:a="http://schemas.openxmlformats.org/drawingml/2006/main" xmlns:r="http://schemas.openxmlformats.org/officeDocument/2006/relationships" xmlns:p="http://schemas.openxmlformats.org/presentationml/2006/main">
+  <p:cSld>
+    <p:spTree>
+      <p:nvGrpSpPr>
+        <p:cNvPr id="1" name=""/>
+        <p:cNvGrpSpPr/>
+        <p:nvPr/>
+      </p:nvGrpSpPr>
+      <p:grpSpPr>
+        <a:xfrm>
+          <a:off x="0" y="0"/>
+          <a:ext cx="0" cy="0"/>
+          <a:chOff x="0" y="0"/>
+          <a:chExt cx="0" cy="0"/>
+        </a:xfrm>
+      </p:grpSpPr>
+      <p:sp>
+        <p:nvSpPr>
+          <p:cNvPr id="2" name="Cím 1">
+            <a:extLst>
+              <a:ext uri="{FF2B5EF4-FFF2-40B4-BE49-F238E27FC236}">
+                <a16:creationId xmlns:a16="http://schemas.microsoft.com/office/drawing/2014/main" id="{6088CDAE-86C1-4328-9E8E-BDD9DD5195CF}"/>
+              </a:ext>
+            </a:extLst>
+          </p:cNvPr>
+          <p:cNvSpPr>
+            <a:spLocks noGrp="1"/>
+          </p:cNvSpPr>
+          <p:nvPr>
+            <p:ph type="title"/>
+          </p:nvPr>
+        </p:nvSpPr>
+        <p:spPr>
+          <a:xfrm>
+            <a:off x="455612" y="304800"/>
+            <a:ext cx="8532178" cy="1507067"/>
+          </a:xfrm>
+        </p:spPr>
+        <p:txBody>
+          <a:bodyPr/>
+          <a:lstStyle/>
+          <a:p>
+            <a:r>
+              <a:rPr lang="hu-HU" dirty="0"/>
+              <a:t>Tervezés és megvalósítás(nehézségek)</a:t>
+            </a:r>
+          </a:p>
+        </p:txBody>
+      </p:sp>
+      <p:sp>
+        <p:nvSpPr>
+          <p:cNvPr id="3" name="Tartalom helye 2">
+            <a:extLst>
+              <a:ext uri="{FF2B5EF4-FFF2-40B4-BE49-F238E27FC236}">
+                <a16:creationId xmlns:a16="http://schemas.microsoft.com/office/drawing/2014/main" id="{29537428-D797-B03C-7CFE-19E87A47A81B}"/>
+              </a:ext>
+            </a:extLst>
+          </p:cNvPr>
+          <p:cNvSpPr>
+            <a:spLocks noGrp="1"/>
+          </p:cNvSpPr>
+          <p:nvPr>
+            <p:ph idx="1"/>
+          </p:nvPr>
+        </p:nvSpPr>
+        <p:spPr>
+          <a:xfrm>
+            <a:off x="455612" y="1981200"/>
+            <a:ext cx="8532178" cy="3615267"/>
+          </a:xfrm>
+        </p:spPr>
+        <p:txBody>
+          <a:bodyPr vert="horz" lIns="91440" tIns="45720" rIns="91440" bIns="45720" rtlCol="0" anchor="t">
+            <a:normAutofit/>
+          </a:bodyPr>
+          <a:lstStyle/>
+          <a:p>
+            <a:pPr marL="223520" indent="-223520"/>
+            <a:r>
+              <a:rPr lang="hu-HU" dirty="0"/>
+              <a:t>Az eltervezett időn belül végeztem a projektemmel.</a:t>
+            </a:r>
+          </a:p>
+          <a:p>
+            <a:pPr marL="223520" indent="-223520"/>
+            <a:endParaRPr lang="hu-HU" dirty="0"/>
+          </a:p>
+          <a:p>
+            <a:pPr marL="223520" indent="-223520"/>
+            <a:r>
+              <a:rPr lang="hu-HU" dirty="0"/>
+              <a:t>Nehézségek nem nagyon voltak, kivéve a </a:t>
+            </a:r>
+            <a:r>
+              <a:rPr lang="hu-HU" dirty="0" err="1"/>
+              <a:t>Trello</a:t>
+            </a:r>
+            <a:r>
+              <a:rPr lang="hu-HU" dirty="0"/>
+              <a:t>, mert nem működött és az utolsó előtti órán kezdtem el használni a </a:t>
+            </a:r>
+            <a:r>
+              <a:rPr lang="hu-HU" dirty="0" err="1"/>
+              <a:t>Githubot</a:t>
+            </a:r>
+            <a:r>
+              <a:rPr lang="hu-HU" dirty="0"/>
+              <a:t>. </a:t>
+            </a:r>
+          </a:p>
+        </p:txBody>
+      </p:sp>
+    </p:spTree>
+    <p:extLst>
+      <p:ext uri="{BB962C8B-B14F-4D97-AF65-F5344CB8AC3E}">
+        <p14:creationId xmlns:p14="http://schemas.microsoft.com/office/powerpoint/2010/main" val="4196619145"/>
+      </p:ext>
+    </p:extLst>
+  </p:cSld>
+  <p:clrMapOvr>
+    <a:masterClrMapping/>
+  </p:clrMapOvr>
+  <mc:AlternateContent xmlns:mc="http://schemas.openxmlformats.org/markup-compatibility/2006" xmlns:p159="http://schemas.microsoft.com/office/powerpoint/2015/09/main">
+    <mc:Choice Requires="p159">
+      <p:transition xmlns:p14="http://schemas.microsoft.com/office/powerpoint/2010/main" spd="slow" p14:dur="2000">
+        <p159:morph option="byObject"/>
+      </p:transition>
+    </mc:Choice>
+    <mc:Fallback xmlns="">
+      <p:transition spd="slow">
+        <p:fade/>
+      </p:transition>
+    </mc:Fallback>
+  </mc:AlternateContent>
+  <p:timing>
+    <p:tnLst>
+      <p:par>
+        <p:cTn id="1" dur="indefinite" restart="never" nodeType="tmRoot">
+          <p:childTnLst>
+            <p:seq concurrent="1" nextAc="seek">
+              <p:cTn id="2" dur="indefinite" nodeType="mainSeq">
+                <p:childTnLst>
+                  <p:par>
+                    <p:cTn id="3" fill="hold">
+                      <p:stCondLst>
+                        <p:cond delay="indefinite"/>
+                      </p:stCondLst>
+                      <p:childTnLst>
+                        <p:par>
+                          <p:cTn id="4" fill="hold">
+                            <p:stCondLst>
+                              <p:cond delay="0"/>
+                            </p:stCondLst>
+                            <p:childTnLst>
+                              <p:par>
+                                <p:cTn id="5" presetID="2" presetClass="entr" presetSubtype="4" fill="hold" grpId="0" nodeType="clickEffect">
+                                  <p:stCondLst>
+                                    <p:cond delay="0"/>
+                                  </p:stCondLst>
+                                  <p:childTnLst>
+                                    <p:set>
+                                      <p:cBhvr>
+                                        <p:cTn id="6" dur="1" fill="hold">
+                                          <p:stCondLst>
+                                            <p:cond delay="0"/>
+                                          </p:stCondLst>
+                                        </p:cTn>
+                                        <p:tgtEl>
+                                          <p:spTgt spid="2"/>
+                                        </p:tgtEl>
+                                        <p:attrNameLst>
+                                          <p:attrName>style.visibility</p:attrName>
+                                        </p:attrNameLst>
+                                      </p:cBhvr>
+                                      <p:to>
+                                        <p:strVal val="visible"/>
+                                      </p:to>
+                                    </p:set>
+                                    <p:anim calcmode="lin" valueType="num">
+                                      <p:cBhvr additive="base">
+                                        <p:cTn id="7" dur="500" fill="hold"/>
+                                        <p:tgtEl>
+                                          <p:spTgt spid="2"/>
+                                        </p:tgtEl>
+                                        <p:attrNameLst>
+                                          <p:attrName>ppt_x</p:attrName>
+                                        </p:attrNameLst>
+                                      </p:cBhvr>
+                                      <p:tavLst>
+                                        <p:tav tm="0">
+                                          <p:val>
+                                            <p:strVal val="#ppt_x"/>
+                                          </p:val>
+                                        </p:tav>
+                                        <p:tav tm="100000">
+                                          <p:val>
+                                            <p:strVal val="#ppt_x"/>
+                                          </p:val>
+                                        </p:tav>
+                                      </p:tavLst>
+                                    </p:anim>
+                                    <p:anim calcmode="lin" valueType="num">
+                                      <p:cBhvr additive="base">
+                                        <p:cTn id="8" dur="500" fill="hold"/>
+                                        <p:tgtEl>
+                                          <p:spTgt spid="2"/>
+                                        </p:tgtEl>
+                                        <p:attrNameLst>
+                                          <p:attrName>ppt_y</p:attrName>
+                                        </p:attrNameLst>
+                                      </p:cBhvr>
+                                      <p:tavLst>
+                                        <p:tav tm="0">
+                                          <p:val>
+                                            <p:strVal val="1+#ppt_h/2"/>
+                                          </p:val>
+                                        </p:tav>
+                                        <p:tav tm="100000">
+                                          <p:val>
+                                            <p:strVal val="#ppt_y"/>
+                                          </p:val>
+                                        </p:tav>
+                                      </p:tavLst>
+                                    </p:anim>
+                                  </p:childTnLst>
+                                </p:cTn>
+                              </p:par>
+                            </p:childTnLst>
+                          </p:cTn>
+                        </p:par>
+                      </p:childTnLst>
+                    </p:cTn>
+                  </p:par>
+                  <p:par>
+                    <p:cTn id="9" fill="hold">
+                      <p:stCondLst>
+                        <p:cond delay="indefinite"/>
+                      </p:stCondLst>
+                      <p:childTnLst>
+                        <p:par>
+                          <p:cTn id="10" fill="hold">
+                            <p:stCondLst>
+                              <p:cond delay="0"/>
+                            </p:stCondLst>
+                            <p:childTnLst>
+                              <p:par>
+                                <p:cTn id="11" presetID="2" presetClass="entr" presetSubtype="4" fill="hold" grpId="0" nodeType="clickEffect">
+                                  <p:stCondLst>
+                                    <p:cond delay="0"/>
+                                  </p:stCondLst>
+                                  <p:childTnLst>
+                                    <p:set>
+                                      <p:cBhvr>
+                                        <p:cTn id="12" dur="1" fill="hold">
+                                          <p:stCondLst>
+                                            <p:cond delay="0"/>
+                                          </p:stCondLst>
+                                        </p:cTn>
+                                        <p:tgtEl>
+                                          <p:spTgt spid="3">
+                                            <p:txEl>
+                                              <p:pRg st="0" end="0"/>
+                                            </p:txEl>
+                                          </p:spTgt>
+                                        </p:tgtEl>
+                                        <p:attrNameLst>
+                                          <p:attrName>style.visibility</p:attrName>
+                                        </p:attrNameLst>
+                                      </p:cBhvr>
+                                      <p:to>
+                                        <p:strVal val="visible"/>
+                                      </p:to>
+                                    </p:set>
+                                    <p:anim calcmode="lin" valueType="num">
+                                      <p:cBhvr additive="base">
+                                        <p:cTn id="13" dur="500" fill="hold"/>
+                                        <p:tgtEl>
+                                          <p:spTgt spid="3">
+                                            <p:txEl>
+                                              <p:pRg st="0" end="0"/>
+                                            </p:txEl>
+                                          </p:spTgt>
+                                        </p:tgtEl>
+                                        <p:attrNameLst>
+                                          <p:attrName>ppt_x</p:attrName>
+                                        </p:attrNameLst>
+                                      </p:cBhvr>
+                                      <p:tavLst>
+                                        <p:tav tm="0">
+                                          <p:val>
+                                            <p:strVal val="#ppt_x"/>
+                                          </p:val>
+                                        </p:tav>
+                                        <p:tav tm="100000">
+                                          <p:val>
+                                            <p:strVal val="#ppt_x"/>
+                                          </p:val>
+                                        </p:tav>
+                                      </p:tavLst>
+                                    </p:anim>
+                                    <p:anim calcmode="lin" valueType="num">
+                                      <p:cBhvr additive="base">
+                                        <p:cTn id="14" dur="500" fill="hold"/>
+                                        <p:tgtEl>
+                                          <p:spTgt spid="3">
+                                            <p:txEl>
+                                              <p:pRg st="0" end="0"/>
+                                            </p:txEl>
+                                          </p:spTgt>
+                                        </p:tgtEl>
+                                        <p:attrNameLst>
+                                          <p:attrName>ppt_y</p:attrName>
+                                        </p:attrNameLst>
+                                      </p:cBhvr>
+                                      <p:tavLst>
+                                        <p:tav tm="0">
+                                          <p:val>
+                                            <p:strVal val="1+#ppt_h/2"/>
+                                          </p:val>
+                                        </p:tav>
+                                        <p:tav tm="100000">
+                                          <p:val>
+                                            <p:strVal val="#ppt_y"/>
+                                          </p:val>
+                                        </p:tav>
+                                      </p:tavLst>
+                                    </p:anim>
+                                  </p:childTnLst>
+                                </p:cTn>
+                              </p:par>
+                            </p:childTnLst>
+                          </p:cTn>
+                        </p:par>
+                      </p:childTnLst>
+                    </p:cTn>
+                  </p:par>
+                  <p:par>
+                    <p:cTn id="15" fill="hold">
+                      <p:stCondLst>
+                        <p:cond delay="indefinite"/>
+                      </p:stCondLst>
+                      <p:childTnLst>
+                        <p:par>
+                          <p:cTn id="16" fill="hold">
+                            <p:stCondLst>
+                              <p:cond delay="0"/>
+                            </p:stCondLst>
+                            <p:childTnLst>
+                              <p:par>
+                                <p:cTn id="17" presetID="2" presetClass="entr" presetSubtype="4" fill="hold" grpId="0" nodeType="clickEffect">
+                                  <p:stCondLst>
+                                    <p:cond delay="0"/>
+                                  </p:stCondLst>
+                                  <p:childTnLst>
+                                    <p:set>
+                                      <p:cBhvr>
+                                        <p:cTn id="18" dur="1" fill="hold">
+                                          <p:stCondLst>
+                                            <p:cond delay="0"/>
+                                          </p:stCondLst>
+                                        </p:cTn>
+                                        <p:tgtEl>
+                                          <p:spTgt spid="3">
+                                            <p:txEl>
+                                              <p:pRg st="2" end="2"/>
+                                            </p:txEl>
+                                          </p:spTgt>
+                                        </p:tgtEl>
+                                        <p:attrNameLst>
+                                          <p:attrName>style.visibility</p:attrName>
+                                        </p:attrNameLst>
+                                      </p:cBhvr>
+                                      <p:to>
+                                        <p:strVal val="visible"/>
+                                      </p:to>
+                                    </p:set>
+                                    <p:anim calcmode="lin" valueType="num">
+                                      <p:cBhvr additive="base">
+                                        <p:cTn id="19" dur="500" fill="hold"/>
+                                        <p:tgtEl>
+                                          <p:spTgt spid="3">
+                                            <p:txEl>
+                                              <p:pRg st="2" end="2"/>
+                                            </p:txEl>
+                                          </p:spTgt>
+                                        </p:tgtEl>
+                                        <p:attrNameLst>
+                                          <p:attrName>ppt_x</p:attrName>
+                                        </p:attrNameLst>
+                                      </p:cBhvr>
+                                      <p:tavLst>
+                                        <p:tav tm="0">
+                                          <p:val>
+                                            <p:strVal val="#ppt_x"/>
+                                          </p:val>
+                                        </p:tav>
+                                        <p:tav tm="100000">
+                                          <p:val>
+                                            <p:strVal val="#ppt_x"/>
+                                          </p:val>
+                                        </p:tav>
+                                      </p:tavLst>
+                                    </p:anim>
+                                    <p:anim calcmode="lin" valueType="num">
+                                      <p:cBhvr additive="base">
+                                        <p:cTn id="20" dur="500" fill="hold"/>
+                                        <p:tgtEl>
+                                          <p:spTgt spid="3">
+                                            <p:txEl>
+                                              <p:pRg st="2" end="2"/>
+                                            </p:txEl>
+                                          </p:spTgt>
+                                        </p:tgtEl>
+                                        <p:attrNameLst>
+                                          <p:attrName>ppt_y</p:attrName>
+                                        </p:attrNameLst>
+                                      </p:cBhvr>
+                                      <p:tavLst>
+                                        <p:tav tm="0">
+                                          <p:val>
+                                            <p:strVal val="1+#ppt_h/2"/>
+                                          </p:val>
+                                        </p:tav>
+                                        <p:tav tm="100000">
+                                          <p:val>
+                                            <p:strVal val="#ppt_y"/>
+                                          </p:val>
+                                        </p:tav>
+                                      </p:tavLst>
+                                    </p:anim>
+                                  </p:childTnLst>
+                                </p:cTn>
+                              </p:par>
+                            </p:childTnLst>
+                          </p:cTn>
+                        </p:par>
+                      </p:childTnLst>
+                    </p:cTn>
+                  </p:par>
+                </p:childTnLst>
+              </p:cTn>
+              <p:prevCondLst>
+                <p:cond evt="onPrev" delay="0">
+                  <p:tgtEl>
+                    <p:sldTgt/>
+                  </p:tgtEl>
+                </p:cond>
+              </p:prevCondLst>
+              <p:nextCondLst>
+                <p:cond evt="onNext" delay="0">
+                  <p:tgtEl>
+                    <p:sldTgt/>
+                  </p:tgtEl>
+                </p:cond>
+              </p:nextCondLst>
+            </p:seq>
+          </p:childTnLst>
+        </p:cTn>
+      </p:par>
+    </p:tnLst>
+    <p:bldLst>
+      <p:bldP spid="2" grpId="0"/>
+      <p:bldP spid="3" grpId="0" build="p"/>
+    </p:bldLst>
+  </p:timing>
+</p:sld>
+</file>
+
+<file path=ppt/slides/slide5.xml><?xml version="1.0" encoding="utf-8"?>
+<p:sld xmlns:a="http://schemas.openxmlformats.org/drawingml/2006/main" xmlns:r="http://schemas.openxmlformats.org/officeDocument/2006/relationships" xmlns:p="http://schemas.openxmlformats.org/presentationml/2006/main">
+  <p:cSld>
+    <p:spTree>
+      <p:nvGrpSpPr>
+        <p:cNvPr id="1" name=""/>
+        <p:cNvGrpSpPr/>
+        <p:nvPr/>
+      </p:nvGrpSpPr>
+      <p:grpSpPr>
+        <a:xfrm>
+          <a:off x="0" y="0"/>
+          <a:ext cx="0" cy="0"/>
+          <a:chOff x="0" y="0"/>
+          <a:chExt cx="0" cy="0"/>
+        </a:xfrm>
+      </p:grpSpPr>
+      <p:sp>
+        <p:nvSpPr>
+          <p:cNvPr id="2" name="Cím 1">
+            <a:extLst>
+              <a:ext uri="{FF2B5EF4-FFF2-40B4-BE49-F238E27FC236}">
+                <a16:creationId xmlns:a16="http://schemas.microsoft.com/office/drawing/2014/main" id="{E073ADFD-A4E0-81E1-4EBB-653AF7AA8AF8}"/>
+              </a:ext>
+            </a:extLst>
+          </p:cNvPr>
+          <p:cNvSpPr>
+            <a:spLocks noGrp="1"/>
+          </p:cNvSpPr>
+          <p:nvPr>
+            <p:ph type="title"/>
+          </p:nvPr>
+        </p:nvSpPr>
+        <p:spPr>
+          <a:xfrm>
+            <a:off x="455612" y="228600"/>
+            <a:ext cx="8532178" cy="1507067"/>
+          </a:xfrm>
+        </p:spPr>
+        <p:txBody>
+          <a:bodyPr/>
+          <a:lstStyle/>
+          <a:p>
+            <a:r>
+              <a:rPr lang="hu-HU" dirty="0"/>
+              <a:t>Partnerek</a:t>
+            </a:r>
+          </a:p>
+        </p:txBody>
+      </p:sp>
+      <p:sp>
+        <p:nvSpPr>
+          <p:cNvPr id="3" name="Tartalom helye 2">
+            <a:extLst>
+              <a:ext uri="{FF2B5EF4-FFF2-40B4-BE49-F238E27FC236}">
+                <a16:creationId xmlns:a16="http://schemas.microsoft.com/office/drawing/2014/main" id="{029367C6-BE46-2CAA-E6E5-BD56DBDA651E}"/>
+              </a:ext>
+            </a:extLst>
+          </p:cNvPr>
+          <p:cNvSpPr>
+            <a:spLocks noGrp="1"/>
+          </p:cNvSpPr>
+          <p:nvPr>
+            <p:ph idx="1"/>
+          </p:nvPr>
+        </p:nvSpPr>
+        <p:spPr>
+          <a:xfrm>
+            <a:off x="455612" y="1905000"/>
+            <a:ext cx="8532178" cy="3615267"/>
+          </a:xfrm>
+        </p:spPr>
+        <p:txBody>
+          <a:bodyPr vert="horz" lIns="91440" tIns="45720" rIns="91440" bIns="45720" rtlCol="0" anchor="t">
+            <a:normAutofit/>
+          </a:bodyPr>
+          <a:lstStyle/>
+          <a:p>
+            <a:pPr marL="223520" indent="-223520"/>
+            <a:r>
+              <a:rPr lang="hu-HU" dirty="0"/>
+              <a:t>A </a:t>
+            </a:r>
+            <a:r>
+              <a:rPr lang="hu-HU" dirty="0" err="1"/>
+              <a:t>partenereim</a:t>
+            </a:r>
+            <a:r>
+              <a:rPr lang="hu-HU" dirty="0"/>
+              <a:t> lehetnek bárkik, hiszen minden pályán hasznosítható a 3D nyomtatás.</a:t>
+            </a:r>
+          </a:p>
+          <a:p>
+            <a:pPr marL="223520" indent="-223520"/>
+            <a:r>
+              <a:rPr lang="hu-HU" dirty="0" err="1"/>
+              <a:t>Pl</a:t>
+            </a:r>
+            <a:r>
+              <a:rPr lang="hu-HU" dirty="0"/>
+              <a:t>: - építészeti pályán(falak vagy bútorok le modellezése).</a:t>
+            </a:r>
+          </a:p>
+          <a:p>
+            <a:pPr marL="223520" indent="-223520"/>
+            <a:r>
+              <a:rPr lang="hu-HU" dirty="0"/>
+              <a:t>      - orvosi pályán (szervek 3D-s megvalósítása).</a:t>
+            </a:r>
+          </a:p>
+        </p:txBody>
+      </p:sp>
+    </p:spTree>
+    <p:extLst>
+      <p:ext uri="{BB962C8B-B14F-4D97-AF65-F5344CB8AC3E}">
+        <p14:creationId xmlns:p14="http://schemas.microsoft.com/office/powerpoint/2010/main" val="1171830964"/>
+      </p:ext>
+    </p:extLst>
+  </p:cSld>
+  <p:clrMapOvr>
+    <a:masterClrMapping/>
+  </p:clrMapOvr>
+  <mc:AlternateContent xmlns:mc="http://schemas.openxmlformats.org/markup-compatibility/2006" xmlns:p159="http://schemas.microsoft.com/office/powerpoint/2015/09/main">
+    <mc:Choice Requires="p159">
+      <p:transition xmlns:p14="http://schemas.microsoft.com/office/powerpoint/2010/main" spd="slow" p14:dur="2000">
+        <p159:morph option="byObject"/>
+      </p:transition>
+    </mc:Choice>
+    <mc:Fallback xmlns="">
+      <p:transition spd="slow">
+        <p:fade/>
+      </p:transition>
+    </mc:Fallback>
+  </mc:AlternateContent>
+  <p:timing>
+    <p:tnLst>
+      <p:par>
+        <p:cTn id="1" dur="indefinite" restart="never" nodeType="tmRoot">
+          <p:childTnLst>
+            <p:seq concurrent="1" nextAc="seek">
+              <p:cTn id="2" dur="indefinite" nodeType="mainSeq">
+                <p:childTnLst>
+                  <p:par>
+                    <p:cTn id="3" fill="hold">
+                      <p:stCondLst>
+                        <p:cond delay="indefinite"/>
+                      </p:stCondLst>
+                      <p:childTnLst>
+                        <p:par>
+                          <p:cTn id="4" fill="hold">
+                            <p:stCondLst>
+                              <p:cond delay="0"/>
+                            </p:stCondLst>
+                            <p:childTnLst>
+                              <p:par>
+                                <p:cTn id="5" presetID="2" presetClass="entr" presetSubtype="4" fill="hold" grpId="0" nodeType="clickEffect">
+                                  <p:stCondLst>
+                                    <p:cond delay="0"/>
+                                  </p:stCondLst>
+                                  <p:childTnLst>
+                                    <p:set>
+                                      <p:cBhvr>
+                                        <p:cTn id="6" dur="1" fill="hold">
+                                          <p:stCondLst>
+                                            <p:cond delay="0"/>
+                                          </p:stCondLst>
+                                        </p:cTn>
+                                        <p:tgtEl>
+                                          <p:spTgt spid="2"/>
+                                        </p:tgtEl>
+                                        <p:attrNameLst>
+                                          <p:attrName>style.visibility</p:attrName>
+                                        </p:attrNameLst>
+                                      </p:cBhvr>
+                                      <p:to>
+                                        <p:strVal val="visible"/>
+                                      </p:to>
+                                    </p:set>
+                                    <p:anim calcmode="lin" valueType="num">
+                                      <p:cBhvr additive="base">
+                                        <p:cTn id="7" dur="500" fill="hold"/>
+                                        <p:tgtEl>
+                                          <p:spTgt spid="2"/>
+                                        </p:tgtEl>
+                                        <p:attrNameLst>
+                                          <p:attrName>ppt_x</p:attrName>
+                                        </p:attrNameLst>
+                                      </p:cBhvr>
+                                      <p:tavLst>
+                                        <p:tav tm="0">
+                                          <p:val>
+                                            <p:strVal val="#ppt_x"/>
+                                          </p:val>
+                                        </p:tav>
+                                        <p:tav tm="100000">
+                                          <p:val>
+                                            <p:strVal val="#ppt_x"/>
+                                          </p:val>
+                                        </p:tav>
+                                      </p:tavLst>
+                                    </p:anim>
+                                    <p:anim calcmode="lin" valueType="num">
+                                      <p:cBhvr additive="base">
+                                        <p:cTn id="8" dur="500" fill="hold"/>
+                                        <p:tgtEl>
+                                          <p:spTgt spid="2"/>
+                                        </p:tgtEl>
+                                        <p:attrNameLst>
+                                          <p:attrName>ppt_y</p:attrName>
+                                        </p:attrNameLst>
+                                      </p:cBhvr>
+                                      <p:tavLst>
+                                        <p:tav tm="0">
+                                          <p:val>
+                                            <p:strVal val="1+#ppt_h/2"/>
+                                          </p:val>
+                                        </p:tav>
+                                        <p:tav tm="100000">
+                                          <p:val>
+                                            <p:strVal val="#ppt_y"/>
+                                          </p:val>
+                                        </p:tav>
+                                      </p:tavLst>
+                                    </p:anim>
+                                  </p:childTnLst>
+                                </p:cTn>
+                              </p:par>
+                            </p:childTnLst>
+                          </p:cTn>
+                        </p:par>
+                      </p:childTnLst>
+                    </p:cTn>
+                  </p:par>
+                  <p:par>
+                    <p:cTn id="9" fill="hold">
+                      <p:stCondLst>
+                        <p:cond delay="indefinite"/>
+                      </p:stCondLst>
+                      <p:childTnLst>
+                        <p:par>
+                          <p:cTn id="10" fill="hold">
+                            <p:stCondLst>
+                              <p:cond delay="0"/>
+                            </p:stCondLst>
+                            <p:childTnLst>
+                              <p:par>
+                                <p:cTn id="11" presetID="2" presetClass="entr" presetSubtype="4" fill="hold" grpId="0" nodeType="clickEffect">
+                                  <p:stCondLst>
+                                    <p:cond delay="0"/>
+                                  </p:stCondLst>
+                                  <p:childTnLst>
+                                    <p:set>
+                                      <p:cBhvr>
+                                        <p:cTn id="12" dur="1" fill="hold">
+                                          <p:stCondLst>
+                                            <p:cond delay="0"/>
+                                          </p:stCondLst>
+                                        </p:cTn>
+                                        <p:tgtEl>
+                                          <p:spTgt spid="3">
+                                            <p:txEl>
+                                              <p:pRg st="0" end="0"/>
+                                            </p:txEl>
+                                          </p:spTgt>
+                                        </p:tgtEl>
+                                        <p:attrNameLst>
+                                          <p:attrName>style.visibility</p:attrName>
+                                        </p:attrNameLst>
+                                      </p:cBhvr>
+                                      <p:to>
+                                        <p:strVal val="visible"/>
+                                      </p:to>
+                                    </p:set>
+                                    <p:anim calcmode="lin" valueType="num">
+                                      <p:cBhvr additive="base">
+                                        <p:cTn id="13" dur="500" fill="hold"/>
+                                        <p:tgtEl>
+                                          <p:spTgt spid="3">
+                                            <p:txEl>
+                                              <p:pRg st="0" end="0"/>
+                                            </p:txEl>
+                                          </p:spTgt>
+                                        </p:tgtEl>
+                                        <p:attrNameLst>
+                                          <p:attrName>ppt_x</p:attrName>
+                                        </p:attrNameLst>
+                                      </p:cBhvr>
+                                      <p:tavLst>
+                                        <p:tav tm="0">
+                                          <p:val>
+                                            <p:strVal val="#ppt_x"/>
+                                          </p:val>
+                                        </p:tav>
+                                        <p:tav tm="100000">
+                                          <p:val>
+                                            <p:strVal val="#ppt_x"/>
+                                          </p:val>
+                                        </p:tav>
+                                      </p:tavLst>
+                                    </p:anim>
+                                    <p:anim calcmode="lin" valueType="num">
+                                      <p:cBhvr additive="base">
+                                        <p:cTn id="14" dur="500" fill="hold"/>
+                                        <p:tgtEl>
+                                          <p:spTgt spid="3">
+                                            <p:txEl>
+                                              <p:pRg st="0" end="0"/>
+                                            </p:txEl>
+                                          </p:spTgt>
+                                        </p:tgtEl>
+                                        <p:attrNameLst>
+                                          <p:attrName>ppt_y</p:attrName>
+                                        </p:attrNameLst>
+                                      </p:cBhvr>
+                                      <p:tavLst>
+                                        <p:tav tm="0">
+                                          <p:val>
+                                            <p:strVal val="1+#ppt_h/2"/>
+                                          </p:val>
+                                        </p:tav>
+                                        <p:tav tm="100000">
+                                          <p:val>
+                                            <p:strVal val="#ppt_y"/>
+                                          </p:val>
+                                        </p:tav>
+                                      </p:tavLst>
+                                    </p:anim>
+                                  </p:childTnLst>
+                                </p:cTn>
+                              </p:par>
+                            </p:childTnLst>
+                          </p:cTn>
+                        </p:par>
+                      </p:childTnLst>
+                    </p:cTn>
+                  </p:par>
+                  <p:par>
+                    <p:cTn id="15" fill="hold">
+                      <p:stCondLst>
+                        <p:cond delay="indefinite"/>
+                      </p:stCondLst>
+                      <p:childTnLst>
+                        <p:par>
+                          <p:cTn id="16" fill="hold">
+                            <p:stCondLst>
+                              <p:cond delay="0"/>
+                            </p:stCondLst>
+                            <p:childTnLst>
+                              <p:par>
+                                <p:cTn id="17" presetID="2" presetClass="entr" presetSubtype="4" fill="hold" grpId="0" nodeType="clickEffect">
+                                  <p:stCondLst>
+                                    <p:cond delay="0"/>
+                                  </p:stCondLst>
+                                  <p:childTnLst>
+                                    <p:set>
+                                      <p:cBhvr>
+                                        <p:cTn id="18" dur="1" fill="hold">
+                                          <p:stCondLst>
+                                            <p:cond delay="0"/>
+                                          </p:stCondLst>
+                                        </p:cTn>
+                                        <p:tgtEl>
+                                          <p:spTgt spid="3">
+                                            <p:txEl>
+                                              <p:pRg st="1" end="1"/>
+                                            </p:txEl>
+                                          </p:spTgt>
+                                        </p:tgtEl>
+                                        <p:attrNameLst>
+                                          <p:attrName>style.visibility</p:attrName>
+                                        </p:attrNameLst>
+                                      </p:cBhvr>
+                                      <p:to>
+                                        <p:strVal val="visible"/>
+                                      </p:to>
+                                    </p:set>
+                                    <p:anim calcmode="lin" valueType="num">
+                                      <p:cBhvr additive="base">
+                                        <p:cTn id="19" dur="500" fill="hold"/>
+                                        <p:tgtEl>
+                                          <p:spTgt spid="3">
+                                            <p:txEl>
+                                              <p:pRg st="1" end="1"/>
+                                            </p:txEl>
+                                          </p:spTgt>
+                                        </p:tgtEl>
+                                        <p:attrNameLst>
+                                          <p:attrName>ppt_x</p:attrName>
+                                        </p:attrNameLst>
+                                      </p:cBhvr>
+                                      <p:tavLst>
+                                        <p:tav tm="0">
+                                          <p:val>
+                                            <p:strVal val="#ppt_x"/>
+                                          </p:val>
+                                        </p:tav>
+                                        <p:tav tm="100000">
+                                          <p:val>
+                                            <p:strVal val="#ppt_x"/>
+                                          </p:val>
+                                        </p:tav>
+                                      </p:tavLst>
+                                    </p:anim>
+                                    <p:anim calcmode="lin" valueType="num">
+                                      <p:cBhvr additive="base">
+                                        <p:cTn id="20" dur="500" fill="hold"/>
+                                        <p:tgtEl>
+                                          <p:spTgt spid="3">
+                                            <p:txEl>
+                                              <p:pRg st="1" end="1"/>
+                                            </p:txEl>
+                                          </p:spTgt>
+                                        </p:tgtEl>
+                                        <p:attrNameLst>
+                                          <p:attrName>ppt_y</p:attrName>
+                                        </p:attrNameLst>
+                                      </p:cBhvr>
+                                      <p:tavLst>
+                                        <p:tav tm="0">
+                                          <p:val>
+                                            <p:strVal val="1+#ppt_h/2"/>
+                                          </p:val>
+                                        </p:tav>
+                                        <p:tav tm="100000">
+                                          <p:val>
+                                            <p:strVal val="#ppt_y"/>
+                                          </p:val>
+                                        </p:tav>
+                                      </p:tavLst>
+                                    </p:anim>
+                                  </p:childTnLst>
+                                </p:cTn>
+                              </p:par>
+                            </p:childTnLst>
+                          </p:cTn>
+                        </p:par>
+                      </p:childTnLst>
+                    </p:cTn>
+                  </p:par>
+                  <p:par>
+                    <p:cTn id="21" fill="hold">
+                      <p:stCondLst>
+                        <p:cond delay="indefinite"/>
+                      </p:stCondLst>
+                      <p:childTnLst>
+                        <p:par>
+                          <p:cTn id="22" fill="hold">
+                            <p:stCondLst>
+                              <p:cond delay="0"/>
+                            </p:stCondLst>
+                            <p:childTnLst>
+                              <p:par>
+                                <p:cTn id="23" presetID="2" presetClass="entr" presetSubtype="4" fill="hold" grpId="0" nodeType="clickEffect">
+                                  <p:stCondLst>
+                                    <p:cond delay="0"/>
+                                  </p:stCondLst>
+                                  <p:childTnLst>
+                                    <p:set>
+                                      <p:cBhvr>
+                                        <p:cTn id="24" dur="1" fill="hold">
+                                          <p:stCondLst>
+                                            <p:cond delay="0"/>
+                                          </p:stCondLst>
+                                        </p:cTn>
+                                        <p:tgtEl>
+                                          <p:spTgt spid="3">
+                                            <p:txEl>
+                                              <p:pRg st="2" end="2"/>
+                                            </p:txEl>
+                                          </p:spTgt>
+                                        </p:tgtEl>
+                                        <p:attrNameLst>
+                                          <p:attrName>style.visibility</p:attrName>
+                                        </p:attrNameLst>
+                                      </p:cBhvr>
+                                      <p:to>
+                                        <p:strVal val="visible"/>
+                                      </p:to>
+                                    </p:set>
+                                    <p:anim calcmode="lin" valueType="num">
+                                      <p:cBhvr additive="base">
+                                        <p:cTn id="25" dur="500" fill="hold"/>
+                                        <p:tgtEl>
+                                          <p:spTgt spid="3">
+                                            <p:txEl>
+                                              <p:pRg st="2" end="2"/>
+                                            </p:txEl>
+                                          </p:spTgt>
+                                        </p:tgtEl>
+                                        <p:attrNameLst>
+                                          <p:attrName>ppt_x</p:attrName>
+                                        </p:attrNameLst>
+                                      </p:cBhvr>
+                                      <p:tavLst>
+                                        <p:tav tm="0">
+                                          <p:val>
+                                            <p:strVal val="#ppt_x"/>
+                                          </p:val>
+                                        </p:tav>
+                                        <p:tav tm="100000">
+                                          <p:val>
+                                            <p:strVal val="#ppt_x"/>
+                                          </p:val>
+                                        </p:tav>
+                                      </p:tavLst>
+                                    </p:anim>
+                                    <p:anim calcmode="lin" valueType="num">
+                                      <p:cBhvr additive="base">
+                                        <p:cTn id="26" dur="500" fill="hold"/>
+                                        <p:tgtEl>
+                                          <p:spTgt spid="3">
+                                            <p:txEl>
+                                              <p:pRg st="2" end="2"/>
+                                            </p:txEl>
+                                          </p:spTgt>
+                                        </p:tgtEl>
+                                        <p:attrNameLst>
+                                          <p:attrName>ppt_y</p:attrName>
+                                        </p:attrNameLst>
+                                      </p:cBhvr>
+                                      <p:tavLst>
+                                        <p:tav tm="0">
+                                          <p:val>
+                                            <p:strVal val="1+#ppt_h/2"/>
+                                          </p:val>
+                                        </p:tav>
+                                        <p:tav tm="100000">
+                                          <p:val>
+                                            <p:strVal val="#ppt_y"/>
+                                          </p:val>
+                                        </p:tav>
+                                      </p:tavLst>
+                                    </p:anim>
+                                  </p:childTnLst>
+                                </p:cTn>
+                              </p:par>
+                            </p:childTnLst>
+                          </p:cTn>
+                        </p:par>
+                      </p:childTnLst>
+                    </p:cTn>
+                  </p:par>
+                </p:childTnLst>
+              </p:cTn>
+              <p:prevCondLst>
+                <p:cond evt="onPrev" delay="0">
+                  <p:tgtEl>
+                    <p:sldTgt/>
+                  </p:tgtEl>
+                </p:cond>
+              </p:prevCondLst>
+              <p:nextCondLst>
+                <p:cond evt="onNext" delay="0">
+                  <p:tgtEl>
+                    <p:sldTgt/>
+                  </p:tgtEl>
+                </p:cond>
+              </p:nextCondLst>
+            </p:seq>
+          </p:childTnLst>
+        </p:cTn>
+      </p:par>
+    </p:tnLst>
+    <p:bldLst>
+      <p:bldP spid="2" grpId="0"/>
+      <p:bldP spid="3" grpId="0" build="p"/>
+    </p:bldLst>
+  </p:timing>
+</p:sld>
+</file>
+
+<file path=ppt/slides/slide6.xml><?xml version="1.0" encoding="utf-8"?>
+<p:sld xmlns:a="http://schemas.openxmlformats.org/drawingml/2006/main" xmlns:r="http://schemas.openxmlformats.org/officeDocument/2006/relationships" xmlns:p="http://schemas.openxmlformats.org/presentationml/2006/main">
+  <p:cSld>
+    <p:spTree>
+      <p:nvGrpSpPr>
+        <p:cNvPr id="1" name=""/>
+        <p:cNvGrpSpPr/>
+        <p:nvPr/>
+      </p:nvGrpSpPr>
+      <p:grpSpPr>
+        <a:xfrm>
+          <a:off x="0" y="0"/>
+          <a:ext cx="0" cy="0"/>
+          <a:chOff x="0" y="0"/>
+          <a:chExt cx="0" cy="0"/>
+        </a:xfrm>
+      </p:grpSpPr>
+      <p:sp>
+        <p:nvSpPr>
+          <p:cNvPr id="2" name="Cím 1">
+            <a:extLst>
+              <a:ext uri="{FF2B5EF4-FFF2-40B4-BE49-F238E27FC236}">
+                <a16:creationId xmlns:a16="http://schemas.microsoft.com/office/drawing/2014/main" id="{9F0BB4B7-0D24-2021-D0F9-6FC3002024C1}"/>
+              </a:ext>
+            </a:extLst>
+          </p:cNvPr>
+          <p:cNvSpPr>
+            <a:spLocks noGrp="1"/>
+          </p:cNvSpPr>
+          <p:nvPr>
+            <p:ph type="ctrTitle"/>
+          </p:nvPr>
+        </p:nvSpPr>
+        <p:spPr/>
+        <p:txBody>
+          <a:bodyPr/>
+          <a:lstStyle/>
+          <a:p>
+            <a:r>
+              <a:rPr lang="hu-HU" dirty="0"/>
+              <a:t>Köszönöm a figyelmet!</a:t>
+            </a:r>
+          </a:p>
+        </p:txBody>
+      </p:sp>
+      <p:sp>
+        <p:nvSpPr>
+          <p:cNvPr id="3" name="Tartalom helye 2">
+            <a:extLst>
+              <a:ext uri="{FF2B5EF4-FFF2-40B4-BE49-F238E27FC236}">
+                <a16:creationId xmlns:a16="http://schemas.microsoft.com/office/drawing/2014/main" id="{48CD01B8-A278-71EE-2A5F-94E6D501CB3D}"/>
+              </a:ext>
+            </a:extLst>
+          </p:cNvPr>
+          <p:cNvSpPr>
+            <a:spLocks noGrp="1"/>
+          </p:cNvSpPr>
+          <p:nvPr>
+            <p:ph type="subTitle" idx="1"/>
+          </p:nvPr>
+        </p:nvSpPr>
+        <p:spPr/>
+        <p:txBody>
+          <a:bodyPr/>
+          <a:lstStyle/>
+          <a:p>
+            <a:endParaRPr lang="hu-HU"/>
+          </a:p>
+        </p:txBody>
+      </p:sp>
+    </p:spTree>
+    <p:extLst>
+      <p:ext uri="{BB962C8B-B14F-4D97-AF65-F5344CB8AC3E}">
+        <p14:creationId xmlns:p14="http://schemas.microsoft.com/office/powerpoint/2010/main" val="3791748301"/>
+      </p:ext>
+    </p:extLst>
+  </p:cSld>
+  <p:clrMapOvr>
+    <a:masterClrMapping/>
+  </p:clrMapOvr>
+  <mc:AlternateContent xmlns:mc="http://schemas.openxmlformats.org/markup-compatibility/2006" xmlns:p159="http://schemas.microsoft.com/office/powerpoint/2015/09/main">
+    <mc:Choice Requires="p159">
+      <p:transition xmlns:p14="http://schemas.microsoft.com/office/powerpoint/2010/main" spd="slow" p14:dur="2000">
+        <p159:morph option="byObject"/>
+      </p:transition>
+    </mc:Choice>
+    <mc:Fallback xmlns="">
+      <p:transition spd="slow">
+        <p:fade/>
+      </p:transition>
+    </mc:Fallback>
+  </mc:AlternateContent>
+  <p:timing>
+    <p:tnLst>
+      <p:par>
+        <p:cTn id="1" dur="indefinite" restart="never" nodeType="tmRoot">
+          <p:childTnLst>
+            <p:seq concurrent="1" nextAc="seek">
+              <p:cTn id="2" dur="indefinite" nodeType="mainSeq">
+                <p:childTnLst>
+                  <p:par>
+                    <p:cTn id="3" fill="hold">
+                      <p:stCondLst>
+                        <p:cond delay="indefinite"/>
+                      </p:stCondLst>
+                      <p:childTnLst>
+                        <p:par>
+                          <p:cTn id="4" fill="hold">
+                            <p:stCondLst>
+                              <p:cond delay="0"/>
+                            </p:stCondLst>
+                            <p:childTnLst>
+                              <p:par>
+                                <p:cTn id="5" presetID="2" presetClass="entr" presetSubtype="4" fill="hold" grpId="0" nodeType="clickEffect">
+                                  <p:stCondLst>
+                                    <p:cond delay="0"/>
+                                  </p:stCondLst>
+                                  <p:childTnLst>
+                                    <p:set>
+                                      <p:cBhvr>
+                                        <p:cTn id="6" dur="1" fill="hold">
+                                          <p:stCondLst>
+                                            <p:cond delay="0"/>
+                                          </p:stCondLst>
+                                        </p:cTn>
+                                        <p:tgtEl>
+                                          <p:spTgt spid="2"/>
+                                        </p:tgtEl>
+                                        <p:attrNameLst>
+                                          <p:attrName>style.visibility</p:attrName>
+                                        </p:attrNameLst>
+                                      </p:cBhvr>
+                                      <p:to>
+                                        <p:strVal val="visible"/>
+                                      </p:to>
+                                    </p:set>
+                                    <p:anim calcmode="lin" valueType="num">
+                                      <p:cBhvr additive="base">
+                                        <p:cTn id="7" dur="500" fill="hold"/>
+                                        <p:tgtEl>
+                                          <p:spTgt spid="2"/>
+                                        </p:tgtEl>
+                                        <p:attrNameLst>
+                                          <p:attrName>ppt_x</p:attrName>
+                                        </p:attrNameLst>
+                                      </p:cBhvr>
+                                      <p:tavLst>
+                                        <p:tav tm="0">
+                                          <p:val>
+                                            <p:strVal val="#ppt_x"/>
+                                          </p:val>
+                                        </p:tav>
+                                        <p:tav tm="100000">
+                                          <p:val>
+                                            <p:strVal val="#ppt_x"/>
+                                          </p:val>
+                                        </p:tav>
+                                      </p:tavLst>
+                                    </p:anim>
+                                    <p:anim calcmode="lin" valueType="num">
+                                      <p:cBhvr additive="base">
+                                        <p:cTn id="8" dur="500" fill="hold"/>
+                                        <p:tgtEl>
+                                          <p:spTgt spid="2"/>
+                                        </p:tgtEl>
+                                        <p:attrNameLst>
+                                          <p:attrName>ppt_y</p:attrName>
+                                        </p:attrNameLst>
+                                      </p:cBhvr>
+                                      <p:tavLst>
+                                        <p:tav tm="0">
+                                          <p:val>
+                                            <p:strVal val="1+#ppt_h/2"/>
+                                          </p:val>
+                                        </p:tav>
+                                        <p:tav tm="100000">
+                                          <p:val>
+                                            <p:strVal val="#ppt_y"/>
+                                          </p:val>
+                                        </p:tav>
+                                      </p:tavLst>
+                                    </p:anim>
+                                  </p:childTnLst>
+                                </p:cTn>
+                              </p:par>
+                            </p:childTnLst>
+                          </p:cTn>
+                        </p:par>
+                      </p:childTnLst>
+                    </p:cTn>
+                  </p:par>
+                </p:childTnLst>
+              </p:cTn>
+              <p:prevCondLst>
+                <p:cond evt="onPrev" delay="0">
+                  <p:tgtEl>
+                    <p:sldTgt/>
+                  </p:tgtEl>
+                </p:cond>
+              </p:prevCondLst>
+              <p:nextCondLst>
+                <p:cond evt="onNext" delay="0">
+                  <p:tgtEl>
+                    <p:sldTgt/>
+                  </p:tgtEl>
+                </p:cond>
+              </p:nextCondLst>
+            </p:seq>
+          </p:childTnLst>
+        </p:cTn>
+      </p:par>
+    </p:tnLst>
+    <p:bldLst>
+      <p:bldP spid="2" grpId="0"/>
+    </p:bldLst>
+  </p:timing>
 </p:sld>
 </file>
 
@@ -4150,52 +9225,52 @@
 </file>
 
 <file path=ppt/theme/theme1.xml><?xml version="1.0" encoding="utf-8"?>
-<a:theme xmlns:a="http://schemas.openxmlformats.org/drawingml/2006/main" name="Digital Blue Tunnel 16x9">
+<a:theme xmlns:a="http://schemas.openxmlformats.org/drawingml/2006/main" name="Slice">
   <a:themeElements>
-    <a:clrScheme name="Digital Blue Tunnel">
+    <a:clrScheme name="Slice">
       <a:dk1>
-        <a:srgbClr val="000000"/>
+        <a:sysClr val="windowText" lastClr="000000"/>
       </a:dk1>
       <a:lt1>
         <a:sysClr val="window" lastClr="FFFFFF"/>
       </a:lt1>
       <a:dk2>
-        <a:srgbClr val="001027"/>
+        <a:srgbClr val="146194"/>
       </a:dk2>
       <a:lt2>
-        <a:srgbClr val="C1EBF7"/>
+        <a:srgbClr val="76DBF4"/>
       </a:lt2>
       <a:accent1>
-        <a:srgbClr val="56C5FF"/>
+        <a:srgbClr val="052F61"/>
       </a:accent1>
       <a:accent2>
-        <a:srgbClr val="4BB836"/>
+        <a:srgbClr val="A50E82"/>
       </a:accent2>
       <a:accent3>
-        <a:srgbClr val="F8B004"/>
+        <a:srgbClr val="14967C"/>
       </a:accent3>
       <a:accent4>
-        <a:srgbClr val="972ACD"/>
+        <a:srgbClr val="6A9E1F"/>
       </a:accent4>
       <a:accent5>
-        <a:srgbClr val="F86E24"/>
+        <a:srgbClr val="E87D37"/>
       </a:accent5>
       <a:accent6>
-        <a:srgbClr val="DB30C7"/>
+        <a:srgbClr val="C62324"/>
       </a:accent6>
       <a:hlink>
-        <a:srgbClr val="F8B004"/>
+        <a:srgbClr val="0D2E46"/>
       </a:hlink>
       <a:folHlink>
-        <a:srgbClr val="969696"/>
+        <a:srgbClr val="356A95"/>
       </a:folHlink>
     </a:clrScheme>
-    <a:fontScheme name="Corbel">
+    <a:fontScheme name="Slice">
       <a:majorFont>
-        <a:latin typeface="Corbel"/>
+        <a:latin typeface="Century Gothic" panose="020B0502020202020204"/>
         <a:ea typeface=""/>
         <a:cs typeface=""/>
-        <a:font script="Jpan" typeface="ＭＳ ゴシック"/>
+        <a:font script="Jpan" typeface="メイリオ"/>
         <a:font script="Hang" typeface="HY중고딕"/>
         <a:font script="Hans" typeface="幼圆"/>
         <a:font script="Hant" typeface="微軟正黑體"/>
@@ -4227,10 +9302,10 @@
         <a:font script="Geor" typeface="Sylfaen"/>
       </a:majorFont>
       <a:minorFont>
-        <a:latin typeface="Corbel"/>
+        <a:latin typeface="Century Gothic" panose="020B0502020202020204"/>
         <a:ea typeface=""/>
         <a:cs typeface=""/>
-        <a:font script="Jpan" typeface="ＭＳ ゴシック"/>
+        <a:font script="Jpan" typeface="メイリオ"/>
         <a:font script="Hang" typeface="HY중고딕"/>
         <a:font script="Hans" typeface="幼圆"/>
         <a:font script="Hant" typeface="微軟正黑體"/>
@@ -4257,12 +9332,12 @@
         <a:font script="Laoo" typeface="DokChampa"/>
         <a:font script="Sinh" typeface="Iskoola Pota"/>
         <a:font script="Mong" typeface="Mongolian Baiti"/>
-        <a:font script="Viet" typeface="Verdana"/>
+        <a:font script="Viet" typeface="Tahoma"/>
         <a:font script="Uigh" typeface="Microsoft Uighur"/>
         <a:font script="Geor" typeface="Sylfaen"/>
       </a:minorFont>
     </a:fontScheme>
-    <a:fmtScheme name="Office">
+    <a:fmtScheme name="Slice">
       <a:fillStyleLst>
         <a:solidFill>
           <a:schemeClr val="phClr"/>
@@ -4271,23 +9346,16 @@
           <a:gsLst>
             <a:gs pos="0">
               <a:schemeClr val="phClr">
+                <a:tint val="62000"/>
+                <a:hueMod val="94000"/>
+                <a:satMod val="140000"/>
                 <a:lumMod val="110000"/>
-                <a:satMod val="105000"/>
-                <a:tint val="67000"/>
-              </a:schemeClr>
-            </a:gs>
-            <a:gs pos="50000">
-              <a:schemeClr val="phClr">
-                <a:lumMod val="105000"/>
-                <a:satMod val="103000"/>
-                <a:tint val="73000"/>
               </a:schemeClr>
             </a:gs>
             <a:gs pos="100000">
               <a:schemeClr val="phClr">
-                <a:lumMod val="105000"/>
-                <a:satMod val="109000"/>
-                <a:tint val="81000"/>
+                <a:tint val="84000"/>
+                <a:satMod val="160000"/>
               </a:schemeClr>
             </a:gs>
           </a:gsLst>
@@ -4297,23 +9365,16 @@
           <a:gsLst>
             <a:gs pos="0">
               <a:schemeClr val="phClr">
-                <a:satMod val="103000"/>
-                <a:lumMod val="102000"/>
-                <a:tint val="94000"/>
-              </a:schemeClr>
-            </a:gs>
-            <a:gs pos="50000">
-              <a:schemeClr val="phClr">
-                <a:satMod val="110000"/>
-                <a:lumMod val="100000"/>
-                <a:shade val="100000"/>
+                <a:tint val="98000"/>
+                <a:hueMod val="94000"/>
+                <a:satMod val="130000"/>
+                <a:lumMod val="128000"/>
               </a:schemeClr>
             </a:gs>
             <a:gs pos="100000">
               <a:schemeClr val="phClr">
-                <a:lumMod val="99000"/>
-                <a:satMod val="120000"/>
-                <a:shade val="78000"/>
+                <a:shade val="94000"/>
+                <a:lumMod val="88000"/>
               </a:schemeClr>
             </a:gs>
           </a:gsLst>
@@ -4321,26 +9382,29 @@
         </a:gradFill>
       </a:fillStyleLst>
       <a:lnStyleLst>
-        <a:ln w="6350" cap="flat" cmpd="sng" algn="ctr">
+        <a:ln w="9525" cap="rnd" cmpd="sng" algn="ctr">
+          <a:solidFill>
+            <a:schemeClr val="phClr">
+              <a:tint val="76000"/>
+              <a:alpha val="60000"/>
+              <a:hueMod val="94000"/>
+            </a:schemeClr>
+          </a:solidFill>
+          <a:prstDash val="solid"/>
+        </a:ln>
+        <a:ln w="15875" cap="rnd" cmpd="sng" algn="ctr">
+          <a:solidFill>
+            <a:schemeClr val="phClr">
+              <a:hueMod val="94000"/>
+            </a:schemeClr>
+          </a:solidFill>
+          <a:prstDash val="solid"/>
+        </a:ln>
+        <a:ln w="28575" cap="rnd" cmpd="sng" algn="ctr">
           <a:solidFill>
             <a:schemeClr val="phClr"/>
           </a:solidFill>
           <a:prstDash val="solid"/>
-          <a:miter lim="800000"/>
-        </a:ln>
-        <a:ln w="12700" cap="flat" cmpd="sng" algn="ctr">
-          <a:solidFill>
-            <a:schemeClr val="phClr"/>
-          </a:solidFill>
-          <a:prstDash val="solid"/>
-          <a:miter lim="800000"/>
-        </a:ln>
-        <a:ln w="19050" cap="flat" cmpd="sng" algn="ctr">
-          <a:solidFill>
-            <a:schemeClr val="phClr"/>
-          </a:solidFill>
-          <a:prstDash val="solid"/>
-          <a:miter lim="800000"/>
         </a:ln>
       </a:lnStyleLst>
       <a:effectStyleLst>
@@ -4348,54 +9412,78 @@
           <a:effectLst/>
         </a:effectStyle>
         <a:effectStyle>
-          <a:effectLst/>
+          <a:effectLst>
+            <a:innerShdw blurRad="25400" dist="12700" dir="13500000">
+              <a:srgbClr val="000000">
+                <a:alpha val="45000"/>
+              </a:srgbClr>
+            </a:innerShdw>
+          </a:effectLst>
         </a:effectStyle>
         <a:effectStyle>
           <a:effectLst>
-            <a:outerShdw blurRad="57150" dist="19050" dir="5400000" algn="ctr" rotWithShape="0">
+            <a:outerShdw blurRad="50800" dist="38100" dir="5400000" rotWithShape="0">
               <a:srgbClr val="000000">
-                <a:alpha val="63000"/>
+                <a:alpha val="46000"/>
               </a:srgbClr>
             </a:outerShdw>
           </a:effectLst>
+          <a:scene3d>
+            <a:camera prst="orthographicFront">
+              <a:rot lat="0" lon="0" rev="0"/>
+            </a:camera>
+            <a:lightRig rig="threePt" dir="t"/>
+          </a:scene3d>
+          <a:sp3d prstMaterial="plastic">
+            <a:bevelT w="25400" h="25400"/>
+          </a:sp3d>
         </a:effectStyle>
       </a:effectStyleLst>
       <a:bgFillStyleLst>
         <a:solidFill>
           <a:schemeClr val="phClr"/>
         </a:solidFill>
-        <a:solidFill>
-          <a:schemeClr val="phClr">
-            <a:tint val="95000"/>
-            <a:satMod val="170000"/>
-          </a:schemeClr>
-        </a:solidFill>
+        <a:gradFill rotWithShape="1">
+          <a:gsLst>
+            <a:gs pos="10000">
+              <a:schemeClr val="phClr">
+                <a:tint val="97000"/>
+                <a:hueMod val="92000"/>
+                <a:satMod val="169000"/>
+                <a:lumMod val="164000"/>
+              </a:schemeClr>
+            </a:gs>
+            <a:gs pos="100000">
+              <a:schemeClr val="phClr">
+                <a:shade val="96000"/>
+                <a:satMod val="120000"/>
+                <a:lumMod val="90000"/>
+              </a:schemeClr>
+            </a:gs>
+          </a:gsLst>
+          <a:lin ang="6120000" scaled="1"/>
+        </a:gradFill>
         <a:gradFill rotWithShape="1">
           <a:gsLst>
             <a:gs pos="0">
               <a:schemeClr val="phClr">
-                <a:tint val="93000"/>
-                <a:shade val="98000"/>
-                <a:satMod val="150000"/>
-                <a:lumMod val="102000"/>
-              </a:schemeClr>
-            </a:gs>
-            <a:gs pos="50000">
-              <a:schemeClr val="phClr">
-                <a:tint val="98000"/>
-                <a:shade val="90000"/>
-                <a:satMod val="130000"/>
-                <a:lumMod val="103000"/>
+                <a:tint val="97000"/>
+                <a:hueMod val="92000"/>
+                <a:satMod val="169000"/>
+                <a:lumMod val="164000"/>
               </a:schemeClr>
             </a:gs>
             <a:gs pos="100000">
               <a:schemeClr val="phClr">
-                <a:shade val="63000"/>
+                <a:shade val="96000"/>
                 <a:satMod val="120000"/>
+                <a:lumMod val="90000"/>
               </a:schemeClr>
             </a:gs>
           </a:gsLst>
-          <a:lin ang="5400000" scaled="0"/>
+          <a:path path="circle">
+            <a:fillToRect b="100000"/>
+          </a:path>
         </a:gradFill>
       </a:bgFillStyleLst>
     </a:fmtScheme>
@@ -4404,7 +9492,7 @@
   <a:extraClrSchemeLst/>
   <a:extLst>
     <a:ext uri="{05A4C25C-085E-4340-85A3-A5531E510DB2}">
-      <thm15:themeFamily xmlns:thm15="http://schemas.microsoft.com/office/thememl/2012/main" name="TF02895261.potx" id="{4CBF9558-C12D-4F51-9AA3-9D0796951DBC}" vid="{FFC159E6-A134-46E7-B1A0-C306E39FC295}"/>
+      <thm15:themeFamily xmlns:thm15="http://schemas.microsoft.com/office/thememl/2012/main" name="Slice" id="{0507925B-6AC9-4358-8E18-C330545D08F8}" vid="{13FEC7C6-62A9-40C4-99D2-581AACACAA2F}"/>
     </a:ext>
   </a:extLst>
 </a:theme>
@@ -4920,244 +10008,4 @@
   <a:objectDefaults/>
   <a:extraClrSchemeLst/>
 </a:theme>
-</file>
-
-<file path=customXml/item1.xml><?xml version="1.0" encoding="utf-8"?>
-<ct:contentTypeSchema xmlns:ct="http://schemas.microsoft.com/office/2006/metadata/contentType" xmlns:ma="http://schemas.microsoft.com/office/2006/metadata/properties/metaAttributes" ct:_="" ma:_="" ma:contentTypeName="Dokumentum" ma:contentTypeID="0x01010074CE0032DF2E53429F5D326224B01DDD" ma:contentTypeVersion="13" ma:contentTypeDescription="Új dokumentum létrehozása." ma:contentTypeScope="" ma:versionID="3122f80814520f972277aece8adede1d">
-  <xsd:schema xmlns:xsd="http://www.w3.org/2001/XMLSchema" xmlns:xs="http://www.w3.org/2001/XMLSchema" xmlns:p="http://schemas.microsoft.com/office/2006/metadata/properties" xmlns:ns2="d62a33ad-3999-41ba-9c99-4db2a5e43448" xmlns:ns3="8aa13def-3659-45f5-b33a-46db519d42e1" targetNamespace="http://schemas.microsoft.com/office/2006/metadata/properties" ma:root="true" ma:fieldsID="8e4a675b88a8837f15d64e814a776c78" ns2:_="" ns3:_="">
-    <xsd:import namespace="d62a33ad-3999-41ba-9c99-4db2a5e43448"/>
-    <xsd:import namespace="8aa13def-3659-45f5-b33a-46db519d42e1"/>
-    <xsd:element name="properties">
-      <xsd:complexType>
-        <xsd:sequence>
-          <xsd:element name="documentManagement">
-            <xsd:complexType>
-              <xsd:all>
-                <xsd:element ref="ns2:ReferenceId" minOccurs="0"/>
-                <xsd:element ref="ns2:MediaServiceMetadata" minOccurs="0"/>
-                <xsd:element ref="ns2:MediaServiceFastMetadata" minOccurs="0"/>
-                <xsd:element ref="ns2:MediaServiceObjectDetectorVersions" minOccurs="0"/>
-                <xsd:element ref="ns2:MediaServiceSearchProperties" minOccurs="0"/>
-                <xsd:element ref="ns2:lcf76f155ced4ddcb4097134ff3c332f" minOccurs="0"/>
-                <xsd:element ref="ns3:TaxCatchAll" minOccurs="0"/>
-                <xsd:element ref="ns2:MediaServiceDateTaken" minOccurs="0"/>
-                <xsd:element ref="ns2:MediaServiceOCR" minOccurs="0"/>
-                <xsd:element ref="ns2:MediaServiceGenerationTime" minOccurs="0"/>
-                <xsd:element ref="ns2:MediaServiceEventHashCode" minOccurs="0"/>
-                <xsd:element ref="ns2:MediaLengthInSeconds" minOccurs="0"/>
-              </xsd:all>
-            </xsd:complexType>
-          </xsd:element>
-        </xsd:sequence>
-      </xsd:complexType>
-    </xsd:element>
-  </xsd:schema>
-  <xsd:schema xmlns:xsd="http://www.w3.org/2001/XMLSchema" xmlns:xs="http://www.w3.org/2001/XMLSchema" xmlns:dms="http://schemas.microsoft.com/office/2006/documentManagement/types" xmlns:pc="http://schemas.microsoft.com/office/infopath/2007/PartnerControls" targetNamespace="d62a33ad-3999-41ba-9c99-4db2a5e43448" elementFormDefault="qualified">
-    <xsd:import namespace="http://schemas.microsoft.com/office/2006/documentManagement/types"/>
-    <xsd:import namespace="http://schemas.microsoft.com/office/infopath/2007/PartnerControls"/>
-    <xsd:element name="ReferenceId" ma:index="8" nillable="true" ma:displayName="ReferenceId" ma:indexed="true" ma:internalName="ReferenceId">
-      <xsd:simpleType>
-        <xsd:restriction base="dms:Text"/>
-      </xsd:simpleType>
-    </xsd:element>
-    <xsd:element name="MediaServiceMetadata" ma:index="9" nillable="true" ma:displayName="MediaServiceMetadata" ma:hidden="true" ma:internalName="MediaServiceMetadata" ma:readOnly="true">
-      <xsd:simpleType>
-        <xsd:restriction base="dms:Note"/>
-      </xsd:simpleType>
-    </xsd:element>
-    <xsd:element name="MediaServiceFastMetadata" ma:index="10" nillable="true" ma:displayName="MediaServiceFastMetadata" ma:hidden="true" ma:internalName="MediaServiceFastMetadata" ma:readOnly="true">
-      <xsd:simpleType>
-        <xsd:restriction base="dms:Note"/>
-      </xsd:simpleType>
-    </xsd:element>
-    <xsd:element name="MediaServiceObjectDetectorVersions" ma:index="11" nillable="true" ma:displayName="MediaServiceObjectDetectorVersions" ma:hidden="true" ma:indexed="true" ma:internalName="MediaServiceObjectDetectorVersions" ma:readOnly="true">
-      <xsd:simpleType>
-        <xsd:restriction base="dms:Text"/>
-      </xsd:simpleType>
-    </xsd:element>
-    <xsd:element name="MediaServiceSearchProperties" ma:index="12" nillable="true" ma:displayName="MediaServiceSearchProperties" ma:hidden="true" ma:internalName="MediaServiceSearchProperties" ma:readOnly="true">
-      <xsd:simpleType>
-        <xsd:restriction base="dms:Note"/>
-      </xsd:simpleType>
-    </xsd:element>
-    <xsd:element name="lcf76f155ced4ddcb4097134ff3c332f" ma:index="14" nillable="true" ma:taxonomy="true" ma:internalName="lcf76f155ced4ddcb4097134ff3c332f" ma:taxonomyFieldName="MediaServiceImageTags" ma:displayName="Képcímkék" ma:readOnly="false" ma:fieldId="{5cf76f15-5ced-4ddc-b409-7134ff3c332f}" ma:taxonomyMulti="true" ma:sspId="388c2150-43bf-47e9-96ba-d784f756a6c6" ma:termSetId="09814cd3-568e-fe90-9814-8d621ff8fb84" ma:anchorId="fba54fb3-c3e1-fe81-a776-ca4b69148c4d" ma:open="true" ma:isKeyword="false">
-      <xsd:complexType>
-        <xsd:sequence>
-          <xsd:element ref="pc:Terms" minOccurs="0" maxOccurs="1"/>
-        </xsd:sequence>
-      </xsd:complexType>
-    </xsd:element>
-    <xsd:element name="MediaServiceDateTaken" ma:index="16" nillable="true" ma:displayName="MediaServiceDateTaken" ma:hidden="true" ma:indexed="true" ma:internalName="MediaServiceDateTaken" ma:readOnly="true">
-      <xsd:simpleType>
-        <xsd:restriction base="dms:Text"/>
-      </xsd:simpleType>
-    </xsd:element>
-    <xsd:element name="MediaServiceOCR" ma:index="17" nillable="true" ma:displayName="Extracted Text" ma:internalName="MediaServiceOCR" ma:readOnly="true">
-      <xsd:simpleType>
-        <xsd:restriction base="dms:Note">
-          <xsd:maxLength value="255"/>
-        </xsd:restriction>
-      </xsd:simpleType>
-    </xsd:element>
-    <xsd:element name="MediaServiceGenerationTime" ma:index="18" nillable="true" ma:displayName="MediaServiceGenerationTime" ma:hidden="true" ma:internalName="MediaServiceGenerationTime" ma:readOnly="true">
-      <xsd:simpleType>
-        <xsd:restriction base="dms:Text"/>
-      </xsd:simpleType>
-    </xsd:element>
-    <xsd:element name="MediaServiceEventHashCode" ma:index="19" nillable="true" ma:displayName="MediaServiceEventHashCode" ma:hidden="true" ma:internalName="MediaServiceEventHashCode" ma:readOnly="true">
-      <xsd:simpleType>
-        <xsd:restriction base="dms:Text"/>
-      </xsd:simpleType>
-    </xsd:element>
-    <xsd:element name="MediaLengthInSeconds" ma:index="20" nillable="true" ma:displayName="MediaLengthInSeconds" ma:hidden="true" ma:internalName="MediaLengthInSeconds" ma:readOnly="true">
-      <xsd:simpleType>
-        <xsd:restriction base="dms:Unknown"/>
-      </xsd:simpleType>
-    </xsd:element>
-  </xsd:schema>
-  <xsd:schema xmlns:xsd="http://www.w3.org/2001/XMLSchema" xmlns:xs="http://www.w3.org/2001/XMLSchema" xmlns:dms="http://schemas.microsoft.com/office/2006/documentManagement/types" xmlns:pc="http://schemas.microsoft.com/office/infopath/2007/PartnerControls" targetNamespace="8aa13def-3659-45f5-b33a-46db519d42e1" elementFormDefault="qualified">
-    <xsd:import namespace="http://schemas.microsoft.com/office/2006/documentManagement/types"/>
-    <xsd:import namespace="http://schemas.microsoft.com/office/infopath/2007/PartnerControls"/>
-    <xsd:element name="TaxCatchAll" ma:index="15" nillable="true" ma:displayName="Taxonomy Catch All Column" ma:hidden="true" ma:list="{67b6040a-f331-4bb3-9583-795e9b1053c5}" ma:internalName="TaxCatchAll" ma:showField="CatchAllData" ma:web="8aa13def-3659-45f5-b33a-46db519d42e1">
-      <xsd:complexType>
-        <xsd:complexContent>
-          <xsd:extension base="dms:MultiChoiceLookup">
-            <xsd:sequence>
-              <xsd:element name="Value" type="dms:Lookup" maxOccurs="unbounded" minOccurs="0" nillable="true"/>
-            </xsd:sequence>
-          </xsd:extension>
-        </xsd:complexContent>
-      </xsd:complexType>
-    </xsd:element>
-  </xsd:schema>
-  <xsd:schema xmlns="http://schemas.openxmlformats.org/package/2006/metadata/core-properties" xmlns:xsd="http://www.w3.org/2001/XMLSchema" xmlns:xsi="http://www.w3.org/2001/XMLSchema-instance" xmlns:dc="http://purl.org/dc/elements/1.1/" xmlns:dcterms="http://purl.org/dc/terms/" xmlns:odoc="http://schemas.microsoft.com/internal/obd" targetNamespace="http://schemas.openxmlformats.org/package/2006/metadata/core-properties" elementFormDefault="qualified" attributeFormDefault="unqualified" blockDefault="#all">
-    <xsd:import namespace="http://purl.org/dc/elements/1.1/" schemaLocation="http://dublincore.org/schemas/xmls/qdc/2003/04/02/dc.xsd"/>
-    <xsd:import namespace="http://purl.org/dc/terms/" schemaLocation="http://dublincore.org/schemas/xmls/qdc/2003/04/02/dcterms.xsd"/>
-    <xsd:element name="coreProperties" type="CT_coreProperties"/>
-    <xsd:complexType name="CT_coreProperties">
-      <xsd:all>
-        <xsd:element ref="dc:creator" minOccurs="0" maxOccurs="1"/>
-        <xsd:element ref="dcterms:created" minOccurs="0" maxOccurs="1"/>
-        <xsd:element ref="dc:identifier" minOccurs="0" maxOccurs="1"/>
-        <xsd:element name="contentType" minOccurs="0" maxOccurs="1" type="xsd:string" ma:index="0" ma:displayName="Tartalomtípus"/>
-        <xsd:element ref="dc:title" minOccurs="0" maxOccurs="1" ma:index="4" ma:displayName="Cím"/>
-        <xsd:element ref="dc:subject" minOccurs="0" maxOccurs="1"/>
-        <xsd:element ref="dc:description" minOccurs="0" maxOccurs="1"/>
-        <xsd:element name="keywords" minOccurs="0" maxOccurs="1" type="xsd:string"/>
-        <xsd:element ref="dc:language" minOccurs="0" maxOccurs="1"/>
-        <xsd:element name="category" minOccurs="0" maxOccurs="1" type="xsd:string"/>
-        <xsd:element name="version" minOccurs="0" maxOccurs="1" type="xsd:string"/>
-        <xsd:element name="revision" minOccurs="0" maxOccurs="1" type="xsd:string">
-          <xsd:annotation>
-            <xsd:documentation>
-                        This value indicates the number of saves or revisions. The application is responsible for updating this value after each revision.
-                    </xsd:documentation>
-          </xsd:annotation>
-        </xsd:element>
-        <xsd:element name="lastModifiedBy" minOccurs="0" maxOccurs="1" type="xsd:string"/>
-        <xsd:element ref="dcterms:modified" minOccurs="0" maxOccurs="1"/>
-        <xsd:element name="contentStatus" minOccurs="0" maxOccurs="1" type="xsd:string"/>
-      </xsd:all>
-    </xsd:complexType>
-  </xsd:schema>
-  <xs:schema xmlns:pc="http://schemas.microsoft.com/office/infopath/2007/PartnerControls" xmlns:xs="http://www.w3.org/2001/XMLSchema" targetNamespace="http://schemas.microsoft.com/office/infopath/2007/PartnerControls" elementFormDefault="qualified" attributeFormDefault="unqualified">
-    <xs:element name="Person">
-      <xs:complexType>
-        <xs:sequence>
-          <xs:element ref="pc:DisplayName" minOccurs="0"/>
-          <xs:element ref="pc:AccountId" minOccurs="0"/>
-          <xs:element ref="pc:AccountType" minOccurs="0"/>
-        </xs:sequence>
-      </xs:complexType>
-    </xs:element>
-    <xs:element name="DisplayName" type="xs:string"/>
-    <xs:element name="AccountId" type="xs:string"/>
-    <xs:element name="AccountType" type="xs:string"/>
-    <xs:element name="BDCAssociatedEntity">
-      <xs:complexType>
-        <xs:sequence>
-          <xs:element ref="pc:BDCEntity" minOccurs="0" maxOccurs="unbounded"/>
-        </xs:sequence>
-        <xs:attribute ref="pc:EntityNamespace"/>
-        <xs:attribute ref="pc:EntityName"/>
-        <xs:attribute ref="pc:SystemInstanceName"/>
-        <xs:attribute ref="pc:AssociationName"/>
-      </xs:complexType>
-    </xs:element>
-    <xs:attribute name="EntityNamespace" type="xs:string"/>
-    <xs:attribute name="EntityName" type="xs:string"/>
-    <xs:attribute name="SystemInstanceName" type="xs:string"/>
-    <xs:attribute name="AssociationName" type="xs:string"/>
-    <xs:element name="BDCEntity">
-      <xs:complexType>
-        <xs:sequence>
-          <xs:element ref="pc:EntityDisplayName" minOccurs="0"/>
-          <xs:element ref="pc:EntityInstanceReference" minOccurs="0"/>
-          <xs:element ref="pc:EntityId1" minOccurs="0"/>
-          <xs:element ref="pc:EntityId2" minOccurs="0"/>
-          <xs:element ref="pc:EntityId3" minOccurs="0"/>
-          <xs:element ref="pc:EntityId4" minOccurs="0"/>
-          <xs:element ref="pc:EntityId5" minOccurs="0"/>
-        </xs:sequence>
-      </xs:complexType>
-    </xs:element>
-    <xs:element name="EntityDisplayName" type="xs:string"/>
-    <xs:element name="EntityInstanceReference" type="xs:string"/>
-    <xs:element name="EntityId1" type="xs:string"/>
-    <xs:element name="EntityId2" type="xs:string"/>
-    <xs:element name="EntityId3" type="xs:string"/>
-    <xs:element name="EntityId4" type="xs:string"/>
-    <xs:element name="EntityId5" type="xs:string"/>
-    <xs:element name="Terms">
-      <xs:complexType>
-        <xs:sequence>
-          <xs:element ref="pc:TermInfo" minOccurs="0" maxOccurs="unbounded"/>
-        </xs:sequence>
-      </xs:complexType>
-    </xs:element>
-    <xs:element name="TermInfo">
-      <xs:complexType>
-        <xs:sequence>
-          <xs:element ref="pc:TermName" minOccurs="0"/>
-          <xs:element ref="pc:TermId" minOccurs="0"/>
-        </xs:sequence>
-      </xs:complexType>
-    </xs:element>
-    <xs:element name="TermName" type="xs:string"/>
-    <xs:element name="TermId" type="xs:string"/>
-  </xs:schema>
-</ct:contentTypeSchema>
-</file>
-
-<file path=customXml/item2.xml><?xml version="1.0" encoding="utf-8"?>
-<?mso-contentType ?>
-<FormTemplates xmlns="http://schemas.microsoft.com/sharepoint/v3/contenttype/forms">
-  <Display>DocumentLibraryForm</Display>
-  <Edit>DocumentLibraryForm</Edit>
-  <New>DocumentLibraryForm</New>
-</FormTemplates>
-</file>
-
-<file path=customXml/item3.xml><?xml version="1.0" encoding="utf-8"?>
-<p:properties xmlns:p="http://schemas.microsoft.com/office/2006/metadata/properties" xmlns:xsi="http://www.w3.org/2001/XMLSchema-instance" xmlns:pc="http://schemas.microsoft.com/office/infopath/2007/PartnerControls">
-  <documentManagement>
-    <ReferenceId xmlns="d62a33ad-3999-41ba-9c99-4db2a5e43448" xsi:nil="true"/>
-    <TaxCatchAll xmlns="8aa13def-3659-45f5-b33a-46db519d42e1" xsi:nil="true"/>
-    <lcf76f155ced4ddcb4097134ff3c332f xmlns="d62a33ad-3999-41ba-9c99-4db2a5e43448">
-      <Terms xmlns="http://schemas.microsoft.com/office/infopath/2007/PartnerControls"/>
-    </lcf76f155ced4ddcb4097134ff3c332f>
-  </documentManagement>
-</p:properties>
-</file>
-
-<file path=customXml/itemProps1.xml><?xml version="1.0" encoding="utf-8"?>
-<ds:datastoreItem xmlns:ds="http://schemas.openxmlformats.org/officeDocument/2006/customXml" ds:itemID="{50B9D1D7-4E6A-406F-90CA-335C684D7ECB}"/>
-</file>
-
-<file path=customXml/itemProps2.xml><?xml version="1.0" encoding="utf-8"?>
-<ds:datastoreItem xmlns:ds="http://schemas.openxmlformats.org/officeDocument/2006/customXml" ds:itemID="{3D8C41B1-00D7-4566-897E-5FB0C15F2AFA}"/>
-</file>
-
-<file path=customXml/itemProps3.xml><?xml version="1.0" encoding="utf-8"?>
-<ds:datastoreItem xmlns:ds="http://schemas.openxmlformats.org/officeDocument/2006/customXml" ds:itemID="{8B7C5F71-6389-43BF-905C-3E0263EE353D}"/>
 </file>